--- a/QAPYTH3/DG_14_Multitasking_and_asyncio.pptx
+++ b/QAPYTH3/DG_14_Multitasking_and_asyncio.pptx
@@ -44,29 +44,22 @@
   <p:notesSz cx="6645275" cy="9775825"/>
   <p:embeddedFontLst>
     <p:embeddedFont>
-      <p:font typeface="Calibri" panose="020F0502020204030204" pitchFamily="34" charset="0"/>
+      <p:font typeface="Montserrat" panose="00000500000000000000" pitchFamily="2" charset="0"/>
       <p:regular r:id="rId35"/>
       <p:bold r:id="rId36"/>
       <p:italic r:id="rId37"/>
       <p:boldItalic r:id="rId38"/>
     </p:embeddedFont>
     <p:embeddedFont>
-      <p:font typeface="Montserrat" panose="00000500000000000000" pitchFamily="2" charset="0"/>
+      <p:font typeface="source sans pro" panose="020B0503030403020204" pitchFamily="34" charset="0"/>
       <p:regular r:id="rId39"/>
       <p:bold r:id="rId40"/>
       <p:italic r:id="rId41"/>
       <p:boldItalic r:id="rId42"/>
     </p:embeddedFont>
-    <p:embeddedFont>
-      <p:font typeface="source sans pro" panose="020B0503030403020204" pitchFamily="34" charset="0"/>
-      <p:regular r:id="rId43"/>
-      <p:bold r:id="rId44"/>
-      <p:italic r:id="rId45"/>
-      <p:boldItalic r:id="rId46"/>
-    </p:embeddedFont>
   </p:embeddedFontLst>
   <p:custDataLst>
-    <p:tags r:id="rId47"/>
+    <p:tags r:id="rId43"/>
   </p:custDataLst>
   <p:defaultTextStyle>
     <a:defPPr>
@@ -286,7 +279,7 @@
           <a:p>
             <a:fld id="{86D088FE-3E68-47FE-8BA4-634CD34BABBC}" type="datetimeFigureOut">
               <a:rPr lang="en-GB" smtClean="0"/>
-              <a:t>01/06/2023</a:t>
+              <a:t>01/02/2024</a:t>
             </a:fld>
             <a:endParaRPr lang="en-GB"/>
           </a:p>
@@ -456,7 +449,7 @@
             <a:fld id="{1D6B66C6-1E92-0F4E-A300-9D4ED1F0C23F}" type="datetimeFigureOut">
               <a:rPr lang="en-GB" smtClean="0"/>
               <a:pPr/>
-              <a:t>01/06/2023</a:t>
+              <a:t>01/02/2024</a:t>
             </a:fld>
             <a:endParaRPr lang="en-GB"/>
           </a:p>
@@ -859,14 +852,14 @@
           <a:ln/>
           <a:extLst>
             <a:ext uri="{909E8E84-426E-40dd-AFC4-6F175D3DCCD1}">
-              <a14:hiddenFill xmlns:a14="http://schemas.microsoft.com/office/drawing/2010/main" xmlns="">
+              <a14:hiddenFill xmlns="" xmlns:a14="http://schemas.microsoft.com/office/drawing/2010/main">
                 <a:solidFill>
                   <a:srgbClr val="FFFFFF"/>
                 </a:solidFill>
               </a14:hiddenFill>
             </a:ext>
             <a:ext uri="{91240B29-F687-4f45-9708-019B960494DF}">
-              <a14:hiddenLine xmlns:a14="http://schemas.microsoft.com/office/drawing/2010/main" xmlns="" w="9525">
+              <a14:hiddenLine xmlns="" xmlns:a14="http://schemas.microsoft.com/office/drawing/2010/main" w="9525">
                 <a:solidFill>
                   <a:srgbClr val="000000"/>
                 </a:solidFill>
@@ -908,9 +901,18 @@
               <a:t>subprocess.run</a:t>
             </a:r>
             <a:r>
+              <a:rPr lang="en-GB" b="1" dirty="0">
+                <a:latin typeface="Courier New" pitchFamily="49" charset="0"/>
+              </a:rPr>
+              <a:t>()</a:t>
+            </a:r>
+            <a:r>
               <a:rPr lang="en-GB" dirty="0"/>
               <a:t>, often with just the command-line as the single argument.</a:t>
             </a:r>
+          </a:p>
+          <a:p>
+            <a:endParaRPr lang="en-GB" dirty="0"/>
           </a:p>
           <a:p>
             <a:r>
@@ -1009,6 +1011,9 @@
             </a:r>
           </a:p>
           <a:p>
+            <a:endParaRPr lang="en-GB" dirty="0"/>
+          </a:p>
+          <a:p>
             <a:r>
               <a:rPr lang="en-GB" dirty="0"/>
               <a:t>Unlike </a:t>
@@ -1042,7 +1047,13 @@
             </a:r>
             <a:r>
               <a:rPr lang="en-GB" dirty="0"/>
-              <a:t> parameter. You will need a shell if you require shell features, such as </a:t>
+              <a:t> parameter. </a:t>
+            </a:r>
+          </a:p>
+          <a:p>
+            <a:r>
+              <a:rPr lang="en-GB" dirty="0"/>
+              <a:t>You will need a shell if you require shell features, such as </a:t>
             </a:r>
             <a:r>
               <a:rPr lang="en-GB" dirty="0" err="1"/>
@@ -1068,6 +1079,9 @@
             </a:r>
           </a:p>
           <a:p>
+            <a:endParaRPr lang="en-GB" dirty="0"/>
+          </a:p>
+          <a:p>
             <a:r>
               <a:rPr lang="en-GB" dirty="0"/>
               <a:t>On Windows, users are so used to clicking on a file and expecting "it" to run the right program that they often forget who or what "it" is. File association, associating a file extension with a particular program, is not done by the operating system, it is done by the application which launches it - Windows Explorer, or </a:t>
@@ -1083,24 +1097,24 @@
               <a:t> for example. The </a:t>
             </a:r>
             <a:r>
+              <a:rPr lang="en-GB" b="1" dirty="0">
+                <a:latin typeface="Courier New" pitchFamily="49" charset="0"/>
+              </a:rPr>
+              <a:t>subprocess</a:t>
+            </a:r>
+            <a:r>
+              <a:rPr lang="en-GB" dirty="0"/>
+              <a:t> module does not do file association, so you will need a shell to do the association for you or add the program name yourself (which is more efficient). For Python programs, the full path name is conveniently in </a:t>
+            </a:r>
+            <a:r>
               <a:rPr lang="en-GB" b="1" dirty="0" err="1">
                 <a:latin typeface="Courier New" pitchFamily="49" charset="0"/>
               </a:rPr>
-              <a:t>subprocess</a:t>
+              <a:t>sys.executable</a:t>
             </a:r>
             <a:r>
               <a:rPr lang="en-GB" dirty="0"/>
-              <a:t> module does not do file association, so you will need a shell to do the association for you, or add the program name yourself (which is more efficient). For Python programs, the full path name is conveniently in </a:t>
-            </a:r>
-            <a:r>
-              <a:rPr lang="en-GB" b="1" dirty="0" err="1">
-                <a:latin typeface="Courier New" pitchFamily="49" charset="0"/>
-              </a:rPr>
-              <a:t>sys.executable</a:t>
-            </a:r>
-            <a:r>
-              <a:rPr lang="en-GB" dirty="0"/>
-              <a:t>. If you need file association on Windows then use </a:t>
+              <a:t>. If you need file association on Windows, then use </a:t>
             </a:r>
             <a:r>
               <a:rPr lang="en-GB" b="1" dirty="0" err="1">
@@ -1180,14 +1194,14 @@
           <a:ln/>
           <a:extLst>
             <a:ext uri="{909E8E84-426E-40dd-AFC4-6F175D3DCCD1}">
-              <a14:hiddenFill xmlns:a14="http://schemas.microsoft.com/office/drawing/2010/main" xmlns="">
+              <a14:hiddenFill xmlns="" xmlns:a14="http://schemas.microsoft.com/office/drawing/2010/main">
                 <a:solidFill>
                   <a:srgbClr val="FFFFFF"/>
                 </a:solidFill>
               </a14:hiddenFill>
             </a:ext>
             <a:ext uri="{91240B29-F687-4f45-9708-019B960494DF}">
-              <a14:hiddenLine xmlns:a14="http://schemas.microsoft.com/office/drawing/2010/main" xmlns="" w="9525">
+              <a14:hiddenLine xmlns="" xmlns:a14="http://schemas.microsoft.com/office/drawing/2010/main" w="9525">
                 <a:solidFill>
                   <a:srgbClr val="000000"/>
                 </a:solidFill>
@@ -1211,14 +1225,14 @@
                 <a:latin typeface="Courier New"/>
                 <a:cs typeface="Courier New"/>
               </a:rPr>
-              <a:t>$( )</a:t>
+              <a:t>$(</a:t>
             </a:r>
             <a:r>
               <a:rPr lang="en-GB" i="1" dirty="0">
                 <a:latin typeface="Arial"/>
                 <a:cs typeface="Arial"/>
               </a:rPr>
-              <a:t>command substitution </a:t>
+              <a:t>command) substitution </a:t>
             </a:r>
             <a:r>
               <a:rPr lang="en-GB" dirty="0"/>
@@ -1232,6 +1246,9 @@
               <a:rPr lang="en-GB" dirty="0"/>
               <a:t> from the child process. It is only useful with relatively small amounts of data, since the whole output is captured in memory before we can proceed.</a:t>
             </a:r>
+          </a:p>
+          <a:p>
+            <a:endParaRPr lang="en-GB" dirty="0"/>
           </a:p>
           <a:p>
             <a:r>
@@ -1334,14 +1351,14 @@
           <a:ln/>
           <a:extLst>
             <a:ext uri="{909E8E84-426E-40dd-AFC4-6F175D3DCCD1}">
-              <a14:hiddenFill xmlns:a14="http://schemas.microsoft.com/office/drawing/2010/main" xmlns="">
+              <a14:hiddenFill xmlns="" xmlns:a14="http://schemas.microsoft.com/office/drawing/2010/main">
                 <a:solidFill>
                   <a:srgbClr val="FFFFFF"/>
                 </a:solidFill>
               </a14:hiddenFill>
             </a:ext>
             <a:ext uri="{91240B29-F687-4f45-9708-019B960494DF}">
-              <a14:hiddenLine xmlns:a14="http://schemas.microsoft.com/office/drawing/2010/main" xmlns="" w="9525">
+              <a14:hiddenLine xmlns="" xmlns:a14="http://schemas.microsoft.com/office/drawing/2010/main" w="9525">
                 <a:solidFill>
                   <a:srgbClr val="000000"/>
                 </a:solidFill>
@@ -1358,7 +1375,7 @@
           <a:p>
             <a:r>
               <a:rPr lang="en-GB" dirty="0"/>
-              <a:t>Passing data through stdin is less common, but can be useful. The </a:t>
+              <a:t>Passing data through stdin is less common but can be useful. The </a:t>
             </a:r>
             <a:r>
               <a:rPr lang="en-GB" dirty="0" err="1">
@@ -1384,9 +1401,12 @@
             </a:r>
           </a:p>
           <a:p>
+            <a:endParaRPr lang="en-GB" dirty="0"/>
+          </a:p>
+          <a:p>
             <a:r>
               <a:rPr lang="en-GB" dirty="0"/>
-              <a:t>Notice that native strings cannot be used, a bytes object is required.</a:t>
+              <a:t>Notice that native strings cannot be used - a bytes object is required.</a:t>
             </a:r>
           </a:p>
         </p:txBody>
@@ -1450,14 +1470,14 @@
           <a:ln/>
           <a:extLst>
             <a:ext uri="{909E8E84-426E-40dd-AFC4-6F175D3DCCD1}">
-              <a14:hiddenFill xmlns:a14="http://schemas.microsoft.com/office/drawing/2010/main" xmlns="">
+              <a14:hiddenFill xmlns="" xmlns:a14="http://schemas.microsoft.com/office/drawing/2010/main">
                 <a:solidFill>
                   <a:srgbClr val="FFFFFF"/>
                 </a:solidFill>
               </a14:hiddenFill>
             </a:ext>
             <a:ext uri="{91240B29-F687-4f45-9708-019B960494DF}">
-              <a14:hiddenLine xmlns:a14="http://schemas.microsoft.com/office/drawing/2010/main" xmlns="" w="9525">
+              <a14:hiddenLine xmlns="" xmlns:a14="http://schemas.microsoft.com/office/drawing/2010/main" w="9525">
                 <a:solidFill>
                   <a:srgbClr val="000000"/>
                 </a:solidFill>
@@ -1502,7 +1522,16 @@
             </a:r>
             <a:r>
               <a:rPr lang="en-US" dirty="0"/>
-              <a:t> from C/C++, then you will be familiar with the procedural interface. Alternatively, we can derive our own class from the threading base class:</a:t>
+              <a:t> from C/C++, then you will be familiar with the procedural interface.</a:t>
+            </a:r>
+          </a:p>
+          <a:p>
+            <a:endParaRPr lang="en-US" dirty="0"/>
+          </a:p>
+          <a:p>
+            <a:r>
+              <a:rPr lang="en-US" dirty="0"/>
+              <a:t>Alternatively, we can derive our own class from the threading base class:</a:t>
             </a:r>
           </a:p>
           <a:p>
@@ -1833,14 +1862,14 @@
           <a:ln/>
           <a:extLst>
             <a:ext uri="{909E8E84-426E-40dd-AFC4-6F175D3DCCD1}">
-              <a14:hiddenFill xmlns:a14="http://schemas.microsoft.com/office/drawing/2010/main" xmlns="">
+              <a14:hiddenFill xmlns="" xmlns:a14="http://schemas.microsoft.com/office/drawing/2010/main">
                 <a:solidFill>
                   <a:srgbClr val="FFFFFF"/>
                 </a:solidFill>
               </a14:hiddenFill>
             </a:ext>
             <a:ext uri="{91240B29-F687-4f45-9708-019B960494DF}">
-              <a14:hiddenLine xmlns:a14="http://schemas.microsoft.com/office/drawing/2010/main" xmlns="" w="9525">
+              <a14:hiddenLine xmlns="" xmlns:a14="http://schemas.microsoft.com/office/drawing/2010/main" w="9525">
                 <a:solidFill>
                   <a:srgbClr val="000000"/>
                 </a:solidFill>
@@ -1871,9 +1900,16 @@
             </a:r>
           </a:p>
           <a:p>
+            <a:endParaRPr lang="en-GB" dirty="0"/>
+          </a:p>
+          <a:p>
+            <a:r>
+              <a:rPr lang="en-GB" b="1" dirty="0"/>
+              <a:t>Condition variables </a:t>
+            </a:r>
             <a:r>
               <a:rPr lang="en-GB" dirty="0"/>
-              <a:t>Condition variables come from the POSIX </a:t>
+              <a:t>come from the POSIX </a:t>
             </a:r>
             <a:r>
               <a:rPr lang="en-GB" dirty="0" err="1"/>
@@ -1885,33 +1921,68 @@
             </a:r>
           </a:p>
           <a:p>
+            <a:endParaRPr lang="en-GB" dirty="0"/>
+          </a:p>
+          <a:p>
+            <a:r>
+              <a:rPr lang="en-GB" b="1" dirty="0"/>
+              <a:t>Events</a:t>
+            </a:r>
             <a:r>
               <a:rPr lang="en-GB" dirty="0"/>
-              <a:t>Events are very easy to use. Threads wait on an event and another releases them. They include a timeout parameter.</a:t>
-            </a:r>
-          </a:p>
-          <a:p>
+              <a:t> are very easy to use. Threads wait on an event and another releases them. They include a timeout parameter.</a:t>
+            </a:r>
+          </a:p>
+          <a:p>
+            <a:endParaRPr lang="en-GB" b="1" dirty="0"/>
+          </a:p>
+          <a:p>
+            <a:r>
+              <a:rPr lang="en-GB" b="1" dirty="0"/>
+              <a:t>Thread local storage </a:t>
+            </a:r>
             <a:r>
               <a:rPr lang="en-GB" dirty="0"/>
-              <a:t>Thread local storage is to enable a thread to share a global variable between functions, but for that variable to be different for each thread. Generally, this is a hack to allow a single threaded program to be converted to multi-threaded! Avoid global variables and you won't need to use this.</a:t>
-            </a:r>
-          </a:p>
-          <a:p>
+              <a:t>is to enable a thread to share a global variable between functions, but for that variable to be different for each thread. Generally, this is a hack to allow a single threaded program to be converted to multi-threaded! Avoid global variables and you won't need to use this.</a:t>
+            </a:r>
+          </a:p>
+          <a:p>
+            <a:endParaRPr lang="en-GB" dirty="0"/>
+          </a:p>
+          <a:p>
+            <a:r>
+              <a:rPr lang="en-GB" b="1" dirty="0"/>
+              <a:t>Locks</a:t>
+            </a:r>
             <a:r>
               <a:rPr lang="en-GB" dirty="0"/>
-              <a:t>Locks are often required, and represent the basic locking mechanism. A thread either has ownership of a lock or waits for it.</a:t>
-            </a:r>
-          </a:p>
-          <a:p>
+              <a:t> are often required and represent the basic locking mechanism. A thread either has ownership of a lock or waits for it.</a:t>
+            </a:r>
+          </a:p>
+          <a:p>
+            <a:endParaRPr lang="en-GB" dirty="0"/>
+          </a:p>
+          <a:p>
+            <a:r>
+              <a:rPr lang="en-GB" b="1" dirty="0"/>
+              <a:t>Semaphore</a:t>
+            </a:r>
             <a:r>
               <a:rPr lang="en-GB" dirty="0"/>
-              <a:t>Semaphore on the other hand are not "owned" by anyone. We put a limit on the number of threads that can lock a semaphore, if more come along then they wait until a thread releases the semaphore.</a:t>
-            </a:r>
-          </a:p>
-          <a:p>
+              <a:t> on the other hand are not "owned" by anyone. We put a limit on the number of threads that can lock a semaphore, if more come along then they wait until a thread releases the semaphore.</a:t>
+            </a:r>
+          </a:p>
+          <a:p>
+            <a:endParaRPr lang="en-GB" dirty="0"/>
+          </a:p>
+          <a:p>
+            <a:r>
+              <a:rPr lang="en-GB" b="1" dirty="0"/>
+              <a:t>Timers</a:t>
+            </a:r>
             <a:r>
               <a:rPr lang="en-GB" dirty="0"/>
-              <a:t>Timers can be useful for triggering functions at specific times, or in specific intervals.</a:t>
+              <a:t> can be useful for triggering functions at specific times, or in specific intervals.</a:t>
             </a:r>
           </a:p>
         </p:txBody>
@@ -1975,14 +2046,14 @@
           <a:ln/>
           <a:extLst>
             <a:ext uri="{909E8E84-426E-40dd-AFC4-6F175D3DCCD1}">
-              <a14:hiddenFill xmlns:a14="http://schemas.microsoft.com/office/drawing/2010/main" xmlns="">
+              <a14:hiddenFill xmlns="" xmlns:a14="http://schemas.microsoft.com/office/drawing/2010/main">
                 <a:solidFill>
                   <a:srgbClr val="FFFFFF"/>
                 </a:solidFill>
               </a14:hiddenFill>
             </a:ext>
             <a:ext uri="{91240B29-F687-4f45-9708-019B960494DF}">
-              <a14:hiddenLine xmlns:a14="http://schemas.microsoft.com/office/drawing/2010/main" xmlns="" w="9525">
+              <a14:hiddenLine xmlns="" xmlns:a14="http://schemas.microsoft.com/office/drawing/2010/main" w="9525">
                 <a:solidFill>
                   <a:srgbClr val="000000"/>
                 </a:solidFill>
@@ -2021,6 +2092,9 @@
             </a:r>
           </a:p>
           <a:p>
+            <a:endParaRPr lang="en-GB" dirty="0"/>
+          </a:p>
+          <a:p>
             <a:r>
               <a:rPr lang="en-GB" dirty="0"/>
               <a:t>There are two lock objects: </a:t>
@@ -2033,7 +2107,7 @@
             </a:r>
             <a:r>
               <a:rPr lang="en-GB" dirty="0"/>
-              <a:t> protects the STDOUT buffer, and is acquired and released around each </a:t>
+              <a:t> protects the STDOUT buffer and is acquired and released around each </a:t>
             </a:r>
             <a:r>
               <a:rPr lang="en-GB" dirty="0">
@@ -2127,14 +2201,14 @@
           <a:ln/>
           <a:extLst>
             <a:ext uri="{909E8E84-426E-40dd-AFC4-6F175D3DCCD1}">
-              <a14:hiddenFill xmlns:a14="http://schemas.microsoft.com/office/drawing/2010/main" xmlns="">
+              <a14:hiddenFill xmlns="" xmlns:a14="http://schemas.microsoft.com/office/drawing/2010/main">
                 <a:solidFill>
                   <a:srgbClr val="FFFFFF"/>
                 </a:solidFill>
               </a14:hiddenFill>
             </a:ext>
             <a:ext uri="{91240B29-F687-4f45-9708-019B960494DF}">
-              <a14:hiddenLine xmlns:a14="http://schemas.microsoft.com/office/drawing/2010/main" xmlns="" w="9525">
+              <a14:hiddenLine xmlns="" xmlns:a14="http://schemas.microsoft.com/office/drawing/2010/main" w="9525">
                 <a:solidFill>
                   <a:srgbClr val="000000"/>
                 </a:solidFill>
@@ -2155,6 +2229,9 @@
             </a:r>
           </a:p>
           <a:p>
+            <a:endParaRPr lang="en-GB" dirty="0"/>
+          </a:p>
+          <a:p>
             <a:r>
               <a:rPr lang="en-GB" dirty="0"/>
               <a:t>The </a:t>
@@ -2165,8 +2242,11 @@
             </a:r>
             <a:r>
               <a:rPr lang="en-GB" dirty="0"/>
-              <a:t> interpreter, when working with pure Python code, will force the GIL to be released every hundred byte code instructions. This means that if you have a complex line of code, like a complex math function that in reality acts as a single byte code, the GIL will not be released for the period that statement takes to run.</a:t>
-            </a:r>
+              <a:t> interpreter, when working with pure Python code, will force the GIL to be released every 100 Ticks which equates to about hundred-byte code instructions. This means that if you have a complex line of code, like a complex math function that in reality acts as a single byte code, the GIL will not be released for the period that statement takes to run.</a:t>
+            </a:r>
+          </a:p>
+          <a:p>
+            <a:endParaRPr lang="en-GB" dirty="0"/>
           </a:p>
           <a:p>
             <a:r>
@@ -2189,6 +2269,9 @@
             </a:r>
           </a:p>
           <a:p>
+            <a:endParaRPr lang="en-GB" dirty="0"/>
+          </a:p>
+          <a:p>
             <a:r>
               <a:rPr lang="en-GB" dirty="0"/>
               <a:t>Because of these issues, we are not taking threading any further here.</a:t>
@@ -2205,19 +2288,8 @@
             </a:r>
             <a:r>
               <a:rPr lang="en-GB" dirty="0"/>
-              <a:t> Python, from http://www.stackless.com. Originally, the Google "</a:t>
-            </a:r>
-            <a:r>
-              <a:rPr lang="en-GB" dirty="0" err="1"/>
-              <a:t>Unladen</a:t>
-            </a:r>
-            <a:r>
-              <a:rPr lang="en-GB" dirty="0"/>
-              <a:t> Swallow" project was to remove the GIL, but that extension has now been dropped.</a:t>
-            </a:r>
-          </a:p>
-          <a:p>
-            <a:endParaRPr lang="en-GB" dirty="0"/>
+              <a:t> Python, from http://www.stackless.com. Originally, the Google "Unladen Swallow" project was to remove the GIL, but that extension has now been dropped.</a:t>
+            </a:r>
           </a:p>
         </p:txBody>
       </p:sp>
@@ -2280,14 +2352,14 @@
           <a:ln/>
           <a:extLst>
             <a:ext uri="{909E8E84-426E-40dd-AFC4-6F175D3DCCD1}">
-              <a14:hiddenFill xmlns:a14="http://schemas.microsoft.com/office/drawing/2010/main" xmlns="">
+              <a14:hiddenFill xmlns="" xmlns:a14="http://schemas.microsoft.com/office/drawing/2010/main">
                 <a:solidFill>
                   <a:srgbClr val="FFFFFF"/>
                 </a:solidFill>
               </a14:hiddenFill>
             </a:ext>
             <a:ext uri="{91240B29-F687-4f45-9708-019B960494DF}">
-              <a14:hiddenLine xmlns:a14="http://schemas.microsoft.com/office/drawing/2010/main" xmlns="" w="9525">
+              <a14:hiddenLine xmlns="" xmlns:a14="http://schemas.microsoft.com/office/drawing/2010/main" w="9525">
                 <a:solidFill>
                   <a:srgbClr val="000000"/>
                 </a:solidFill>
@@ -2318,10 +2390,16 @@
             </a:r>
           </a:p>
           <a:p>
+            <a:endParaRPr lang="en-GB" dirty="0"/>
+          </a:p>
+          <a:p>
             <a:r>
               <a:rPr lang="en-GB" dirty="0"/>
               <a:t>Since they run in different processes, then any data items sent must use a kernel object, which again uses more system resources than using shared variables within the same address space. However, shared variables require synchronisation whether they are within the same process or not (technically, in-process synchronisation is cheaper than synchronisation between processes). We shall address that on the next slide.</a:t>
             </a:r>
+          </a:p>
+          <a:p>
+            <a:endParaRPr lang="en-GB" dirty="0"/>
           </a:p>
           <a:p>
             <a:r>
@@ -2416,7 +2494,7 @@
             </a:r>
             <a:r>
               <a:rPr lang="en-GB" dirty="0"/>
-              <a:t> So you can get away with not having it on UNIX/Linux, but it is probably a good idea to always include it for portability. Strictly speaking, if </a:t>
+              <a:t> So, you can get away with not having it on UNIX/Linux, but it is probably a good idea to always include it for portability. Strictly speaking, if </a:t>
             </a:r>
             <a:r>
               <a:rPr lang="en-GB" dirty="0">
@@ -2429,6 +2507,9 @@
               <a:rPr lang="en-GB" dirty="0"/>
               <a:t> is called from elsewhere, such as a class, then it might not be required.</a:t>
             </a:r>
+          </a:p>
+          <a:p>
+            <a:endParaRPr lang="en-GB" dirty="0"/>
           </a:p>
           <a:p>
             <a:r>
@@ -2507,14 +2588,14 @@
           <a:ln/>
           <a:extLst>
             <a:ext uri="{909E8E84-426E-40dd-AFC4-6F175D3DCCD1}">
-              <a14:hiddenFill xmlns:a14="http://schemas.microsoft.com/office/drawing/2010/main" xmlns="">
+              <a14:hiddenFill xmlns="" xmlns:a14="http://schemas.microsoft.com/office/drawing/2010/main">
                 <a:solidFill>
                   <a:srgbClr val="FFFFFF"/>
                 </a:solidFill>
               </a14:hiddenFill>
             </a:ext>
             <a:ext uri="{91240B29-F687-4f45-9708-019B960494DF}">
-              <a14:hiddenLine xmlns:a14="http://schemas.microsoft.com/office/drawing/2010/main" xmlns="" w="9525">
+              <a14:hiddenLine xmlns="" xmlns:a14="http://schemas.microsoft.com/office/drawing/2010/main" w="9525">
                 <a:solidFill>
                   <a:srgbClr val="000000"/>
                 </a:solidFill>
@@ -2541,7 +2622,7 @@
             </a:r>
             <a:r>
               <a:rPr lang="en-GB" dirty="0"/>
-              <a:t> module supplies a serialised communication mechanism between threads, and the </a:t>
+              <a:t> module supplies a serialised communication mechanism between threads and the </a:t>
             </a:r>
             <a:r>
               <a:rPr lang="en-GB" b="1" dirty="0">
@@ -2555,16 +2636,25 @@
             </a:r>
           </a:p>
           <a:p>
+            <a:endParaRPr lang="en-GB" dirty="0"/>
+          </a:p>
+          <a:p>
             <a:r>
               <a:rPr lang="en-GB" dirty="0"/>
               <a:t>Queues are ideal for the producer-consumer module, where one set of processes adds data items into the queue and another set removes and processes them. One of the good things about queues is that it does not matter if the data items take different lengths of time to process, each "thread" gets the next item from the queue when it has nothing else to do.</a:t>
             </a:r>
           </a:p>
           <a:p>
+            <a:endParaRPr lang="en-GB" dirty="0"/>
+          </a:p>
+          <a:p>
             <a:r>
               <a:rPr lang="en-GB" dirty="0"/>
               <a:t>In the (simple) example code, we just have one producer and two consumers.  The code shown above is for the consumer child processes. All it is doing is printing out each 7 character word in the queue.</a:t>
             </a:r>
+          </a:p>
+          <a:p>
+            <a:endParaRPr lang="en-GB" dirty="0"/>
           </a:p>
           <a:p>
             <a:r>
@@ -2636,14 +2726,14 @@
           <a:ln/>
           <a:extLst>
             <a:ext uri="{909E8E84-426E-40dd-AFC4-6F175D3DCCD1}">
-              <a14:hiddenFill xmlns:a14="http://schemas.microsoft.com/office/drawing/2010/main" xmlns="">
+              <a14:hiddenFill xmlns="" xmlns:a14="http://schemas.microsoft.com/office/drawing/2010/main">
                 <a:solidFill>
                   <a:srgbClr val="FFFFFF"/>
                 </a:solidFill>
               </a14:hiddenFill>
             </a:ext>
             <a:ext uri="{91240B29-F687-4f45-9708-019B960494DF}">
-              <a14:hiddenLine xmlns:a14="http://schemas.microsoft.com/office/drawing/2010/main" xmlns="" w="9525">
+              <a14:hiddenLine xmlns="" xmlns:a14="http://schemas.microsoft.com/office/drawing/2010/main" w="9525">
                 <a:solidFill>
                   <a:srgbClr val="000000"/>
                 </a:solidFill>
@@ -2676,6 +2766,9 @@
               <a:rPr lang="en-GB" dirty="0"/>
               <a:t> instead.</a:t>
             </a:r>
+          </a:p>
+          <a:p>
+            <a:endParaRPr lang="en-GB" dirty="0"/>
           </a:p>
           <a:p>
             <a:r>
@@ -2737,14 +2830,14 @@
           </a:ln>
           <a:extLst>
             <a:ext uri="{909E8E84-426E-40dd-AFC4-6F175D3DCCD1}">
-              <a14:hiddenFill xmlns:a14="http://schemas.microsoft.com/office/drawing/2010/main" xmlns="">
+              <a14:hiddenFill xmlns="" xmlns:a14="http://schemas.microsoft.com/office/drawing/2010/main">
                 <a:solidFill>
                   <a:srgbClr val="FFFFFF"/>
                 </a:solidFill>
               </a14:hiddenFill>
             </a:ext>
             <a:ext uri="{91240B29-F687-4f45-9708-019B960494DF}">
-              <a14:hiddenLine xmlns:a14="http://schemas.microsoft.com/office/drawing/2010/main" xmlns="" w="12700">
+              <a14:hiddenLine xmlns="" xmlns:a14="http://schemas.microsoft.com/office/drawing/2010/main" w="12700">
                 <a:solidFill>
                   <a:srgbClr val="000000"/>
                 </a:solidFill>
@@ -2785,14 +2878,14 @@
           </a:ln>
           <a:extLst>
             <a:ext uri="{909E8E84-426E-40dd-AFC4-6F175D3DCCD1}">
-              <a14:hiddenFill xmlns:a14="http://schemas.microsoft.com/office/drawing/2010/main" xmlns="">
+              <a14:hiddenFill xmlns="" xmlns:a14="http://schemas.microsoft.com/office/drawing/2010/main">
                 <a:solidFill>
                   <a:srgbClr val="FFFFFF"/>
                 </a:solidFill>
               </a14:hiddenFill>
             </a:ext>
             <a:ext uri="{91240B29-F687-4f45-9708-019B960494DF}">
-              <a14:hiddenLine xmlns:a14="http://schemas.microsoft.com/office/drawing/2010/main" xmlns="" w="12700">
+              <a14:hiddenLine xmlns="" xmlns:a14="http://schemas.microsoft.com/office/drawing/2010/main" w="12700">
                 <a:solidFill>
                   <a:srgbClr val="000000"/>
                 </a:solidFill>
@@ -2833,14 +2926,14 @@
           </a:ln>
           <a:extLst>
             <a:ext uri="{909E8E84-426E-40dd-AFC4-6F175D3DCCD1}">
-              <a14:hiddenFill xmlns:a14="http://schemas.microsoft.com/office/drawing/2010/main" xmlns="">
+              <a14:hiddenFill xmlns="" xmlns:a14="http://schemas.microsoft.com/office/drawing/2010/main">
                 <a:solidFill>
                   <a:srgbClr val="FFFFFF"/>
                 </a:solidFill>
               </a14:hiddenFill>
             </a:ext>
             <a:ext uri="{91240B29-F687-4f45-9708-019B960494DF}">
-              <a14:hiddenLine xmlns:a14="http://schemas.microsoft.com/office/drawing/2010/main" xmlns="" w="12700">
+              <a14:hiddenLine xmlns="" xmlns:a14="http://schemas.microsoft.com/office/drawing/2010/main" w="12700">
                 <a:solidFill>
                   <a:srgbClr val="000000"/>
                 </a:solidFill>
@@ -3003,14 +3096,14 @@
           </a:ln>
           <a:extLst>
             <a:ext uri="{909E8E84-426E-40dd-AFC4-6F175D3DCCD1}">
-              <a14:hiddenFill xmlns="" xmlns:a14="http://schemas.microsoft.com/office/drawing/2010/main">
+              <a14:hiddenFill xmlns:a14="http://schemas.microsoft.com/office/drawing/2010/main" xmlns="">
                 <a:solidFill>
                   <a:srgbClr val="FFFFFF"/>
                 </a:solidFill>
               </a14:hiddenFill>
             </a:ext>
             <a:ext uri="{91240B29-F687-4f45-9708-019B960494DF}">
-              <a14:hiddenLine xmlns="" xmlns:a14="http://schemas.microsoft.com/office/drawing/2010/main" w="12700">
+              <a14:hiddenLine xmlns:a14="http://schemas.microsoft.com/office/drawing/2010/main" xmlns="" w="12700">
                 <a:solidFill>
                   <a:srgbClr val="000000"/>
                 </a:solidFill>
@@ -3051,14 +3144,14 @@
           </a:ln>
           <a:extLst>
             <a:ext uri="{909E8E84-426E-40dd-AFC4-6F175D3DCCD1}">
-              <a14:hiddenFill xmlns="" xmlns:a14="http://schemas.microsoft.com/office/drawing/2010/main">
+              <a14:hiddenFill xmlns:a14="http://schemas.microsoft.com/office/drawing/2010/main" xmlns="">
                 <a:solidFill>
                   <a:srgbClr val="FFFFFF"/>
                 </a:solidFill>
               </a14:hiddenFill>
             </a:ext>
             <a:ext uri="{91240B29-F687-4f45-9708-019B960494DF}">
-              <a14:hiddenLine xmlns="" xmlns:a14="http://schemas.microsoft.com/office/drawing/2010/main" w="12700">
+              <a14:hiddenLine xmlns:a14="http://schemas.microsoft.com/office/drawing/2010/main" xmlns="" w="12700">
                 <a:solidFill>
                   <a:srgbClr val="000000"/>
                 </a:solidFill>
@@ -3099,14 +3192,14 @@
           </a:ln>
           <a:extLst>
             <a:ext uri="{909E8E84-426E-40dd-AFC4-6F175D3DCCD1}">
-              <a14:hiddenFill xmlns="" xmlns:a14="http://schemas.microsoft.com/office/drawing/2010/main">
+              <a14:hiddenFill xmlns:a14="http://schemas.microsoft.com/office/drawing/2010/main" xmlns="">
                 <a:solidFill>
                   <a:srgbClr val="FFFFFF"/>
                 </a:solidFill>
               </a14:hiddenFill>
             </a:ext>
             <a:ext uri="{91240B29-F687-4f45-9708-019B960494DF}">
-              <a14:hiddenLine xmlns="" xmlns:a14="http://schemas.microsoft.com/office/drawing/2010/main" w="12700">
+              <a14:hiddenLine xmlns:a14="http://schemas.microsoft.com/office/drawing/2010/main" xmlns="" w="12700">
                 <a:solidFill>
                   <a:srgbClr val="000000"/>
                 </a:solidFill>
@@ -3215,14 +3308,14 @@
           <a:ln/>
           <a:extLst>
             <a:ext uri="{909E8E84-426E-40dd-AFC4-6F175D3DCCD1}">
-              <a14:hiddenFill xmlns:a14="http://schemas.microsoft.com/office/drawing/2010/main" xmlns="">
+              <a14:hiddenFill xmlns="" xmlns:a14="http://schemas.microsoft.com/office/drawing/2010/main">
                 <a:solidFill>
                   <a:srgbClr val="FFFFFF"/>
                 </a:solidFill>
               </a14:hiddenFill>
             </a:ext>
             <a:ext uri="{91240B29-F687-4f45-9708-019B960494DF}">
-              <a14:hiddenLine xmlns:a14="http://schemas.microsoft.com/office/drawing/2010/main" xmlns="" w="9525">
+              <a14:hiddenLine xmlns="" xmlns:a14="http://schemas.microsoft.com/office/drawing/2010/main" w="9525">
                 <a:solidFill>
                   <a:srgbClr val="000000"/>
                 </a:solidFill>
@@ -3323,14 +3416,14 @@
           <a:ln/>
           <a:extLst>
             <a:ext uri="{909E8E84-426E-40dd-AFC4-6F175D3DCCD1}">
-              <a14:hiddenFill xmlns="" xmlns:a14="http://schemas.microsoft.com/office/drawing/2010/main">
+              <a14:hiddenFill xmlns:a14="http://schemas.microsoft.com/office/drawing/2010/main" xmlns="">
                 <a:solidFill>
                   <a:srgbClr val="FFFFFF"/>
                 </a:solidFill>
               </a14:hiddenFill>
             </a:ext>
             <a:ext uri="{91240B29-F687-4f45-9708-019B960494DF}">
-              <a14:hiddenLine xmlns="" xmlns:a14="http://schemas.microsoft.com/office/drawing/2010/main" w="9525">
+              <a14:hiddenLine xmlns:a14="http://schemas.microsoft.com/office/drawing/2010/main" xmlns="" w="9525">
                 <a:solidFill>
                   <a:srgbClr val="000000"/>
                 </a:solidFill>
@@ -3408,14 +3501,14 @@
           <a:ln/>
           <a:extLst>
             <a:ext uri="{909E8E84-426E-40dd-AFC4-6F175D3DCCD1}">
-              <a14:hiddenFill xmlns:a14="http://schemas.microsoft.com/office/drawing/2010/main" xmlns="">
+              <a14:hiddenFill xmlns="" xmlns:a14="http://schemas.microsoft.com/office/drawing/2010/main">
                 <a:solidFill>
                   <a:srgbClr val="FFFFFF"/>
                 </a:solidFill>
               </a14:hiddenFill>
             </a:ext>
             <a:ext uri="{91240B29-F687-4f45-9708-019B960494DF}">
-              <a14:hiddenLine xmlns:a14="http://schemas.microsoft.com/office/drawing/2010/main" xmlns="" w="9525">
+              <a14:hiddenLine xmlns="" xmlns:a14="http://schemas.microsoft.com/office/drawing/2010/main" w="9525">
                 <a:solidFill>
                   <a:srgbClr val="000000"/>
                 </a:solidFill>
@@ -3496,14 +3589,14 @@
           <a:ln/>
           <a:extLst>
             <a:ext uri="{909E8E84-426E-40dd-AFC4-6F175D3DCCD1}">
-              <a14:hiddenFill xmlns="" xmlns:a14="http://schemas.microsoft.com/office/drawing/2010/main">
+              <a14:hiddenFill xmlns:a14="http://schemas.microsoft.com/office/drawing/2010/main" xmlns="">
                 <a:solidFill>
                   <a:srgbClr val="FFFFFF"/>
                 </a:solidFill>
               </a14:hiddenFill>
             </a:ext>
             <a:ext uri="{91240B29-F687-4f45-9708-019B960494DF}">
-              <a14:hiddenLine xmlns="" xmlns:a14="http://schemas.microsoft.com/office/drawing/2010/main" w="9525">
+              <a14:hiddenLine xmlns:a14="http://schemas.microsoft.com/office/drawing/2010/main" xmlns="" w="9525">
                 <a:solidFill>
                   <a:srgbClr val="000000"/>
                 </a:solidFill>
@@ -3581,14 +3674,14 @@
           <a:ln/>
           <a:extLst>
             <a:ext uri="{909E8E84-426E-40dd-AFC4-6F175D3DCCD1}">
-              <a14:hiddenFill xmlns="" xmlns:a14="http://schemas.microsoft.com/office/drawing/2010/main">
+              <a14:hiddenFill xmlns:a14="http://schemas.microsoft.com/office/drawing/2010/main" xmlns="">
                 <a:solidFill>
                   <a:srgbClr val="FFFFFF"/>
                 </a:solidFill>
               </a14:hiddenFill>
             </a:ext>
             <a:ext uri="{91240B29-F687-4f45-9708-019B960494DF}">
-              <a14:hiddenLine xmlns="" xmlns:a14="http://schemas.microsoft.com/office/drawing/2010/main" w="9525">
+              <a14:hiddenLine xmlns:a14="http://schemas.microsoft.com/office/drawing/2010/main" xmlns="" w="9525">
                 <a:solidFill>
                   <a:srgbClr val="000000"/>
                 </a:solidFill>
@@ -3762,14 +3855,14 @@
           <a:ln/>
           <a:extLst>
             <a:ext uri="{909E8E84-426E-40dd-AFC4-6F175D3DCCD1}">
-              <a14:hiddenFill xmlns:a14="http://schemas.microsoft.com/office/drawing/2010/main" xmlns="">
+              <a14:hiddenFill xmlns="" xmlns:a14="http://schemas.microsoft.com/office/drawing/2010/main">
                 <a:solidFill>
                   <a:srgbClr val="FFFFFF"/>
                 </a:solidFill>
               </a14:hiddenFill>
             </a:ext>
             <a:ext uri="{91240B29-F687-4f45-9708-019B960494DF}">
-              <a14:hiddenLine xmlns:a14="http://schemas.microsoft.com/office/drawing/2010/main" xmlns="" w="9525">
+              <a14:hiddenLine xmlns="" xmlns:a14="http://schemas.microsoft.com/office/drawing/2010/main" w="9525">
                 <a:solidFill>
                   <a:srgbClr val="000000"/>
                 </a:solidFill>
@@ -4005,14 +4098,14 @@
           <a:ln/>
           <a:extLst>
             <a:ext uri="{909E8E84-426E-40dd-AFC4-6F175D3DCCD1}">
-              <a14:hiddenFill xmlns:a14="http://schemas.microsoft.com/office/drawing/2010/main" xmlns="">
+              <a14:hiddenFill xmlns="" xmlns:a14="http://schemas.microsoft.com/office/drawing/2010/main">
                 <a:solidFill>
                   <a:srgbClr val="FFFFFF"/>
                 </a:solidFill>
               </a14:hiddenFill>
             </a:ext>
             <a:ext uri="{91240B29-F687-4f45-9708-019B960494DF}">
-              <a14:hiddenLine xmlns:a14="http://schemas.microsoft.com/office/drawing/2010/main" xmlns="" w="9525">
+              <a14:hiddenLine xmlns="" xmlns:a14="http://schemas.microsoft.com/office/drawing/2010/main" w="9525">
                 <a:solidFill>
                   <a:srgbClr val="000000"/>
                 </a:solidFill>
@@ -4104,34 +4197,7 @@
                 <a:spcPct val="90000"/>
               </a:lnSpc>
             </a:pPr>
-            <a:r>
-              <a:rPr lang="en-GB" dirty="0"/>
-              <a:t>The old DEC operating system VMS did not use that two stage approach, but created a new process running a different program in one go - an action called </a:t>
-            </a:r>
-            <a:r>
-              <a:rPr lang="en-GB" b="1" dirty="0"/>
-              <a:t>spawn</a:t>
-            </a:r>
-            <a:r>
-              <a:rPr lang="en-GB" dirty="0"/>
-              <a:t>. Windows inherited some of the architectural features of VMS, including </a:t>
-            </a:r>
-            <a:r>
-              <a:rPr lang="en-GB" b="1" dirty="0"/>
-              <a:t>spawn</a:t>
-            </a:r>
-            <a:r>
-              <a:rPr lang="en-GB" dirty="0"/>
-              <a:t> which, like </a:t>
-            </a:r>
-            <a:r>
-              <a:rPr lang="en-GB" b="1" dirty="0"/>
-              <a:t>exec</a:t>
-            </a:r>
-            <a:r>
-              <a:rPr lang="en-GB" dirty="0"/>
-              <a:t> on UNIX, also had different forms depending on how we wished to run the program.</a:t>
-            </a:r>
+            <a:endParaRPr lang="en-GB" dirty="0"/>
           </a:p>
           <a:p>
             <a:pPr>
@@ -4141,17 +4207,31 @@
             </a:pPr>
             <a:r>
               <a:rPr lang="en-GB" dirty="0"/>
-              <a:t>Meanwhile, at an attempt to be portable, the C language standard came up with </a:t>
-            </a:r>
-            <a:r>
-              <a:rPr lang="en-GB" b="1" dirty="0">
-                <a:latin typeface="Courier New" pitchFamily="49" charset="0"/>
-              </a:rPr>
-              <a:t>system()</a:t>
+              <a:t>The old DEC operating system VMS did not use that two stage approach but created a new process running a different program in one go - an action called </a:t>
+            </a:r>
+            <a:r>
+              <a:rPr lang="en-GB" b="1" dirty="0"/>
+              <a:t>spawn</a:t>
             </a:r>
             <a:r>
               <a:rPr lang="en-GB" dirty="0"/>
-              <a:t>, which called a shell program to launch another process. This was not particularly efficient and could not handle asynchronous requests.</a:t>
+              <a:t>. Windows inherited some of the architectural features of VMS, including </a:t>
+            </a:r>
+            <a:r>
+              <a:rPr lang="en-GB" b="1" dirty="0"/>
+              <a:t>spawn</a:t>
+            </a:r>
+            <a:r>
+              <a:rPr lang="en-GB" dirty="0"/>
+              <a:t> which, like </a:t>
+            </a:r>
+            <a:r>
+              <a:rPr lang="en-GB" b="1" dirty="0"/>
+              <a:t>exec</a:t>
+            </a:r>
+            <a:r>
+              <a:rPr lang="en-GB" dirty="0"/>
+              <a:t> on UNIX, also had different forms depending on how we wished to run the program.</a:t>
             </a:r>
           </a:p>
           <a:p>
@@ -4160,10 +4240,7 @@
                 <a:spcPct val="90000"/>
               </a:lnSpc>
             </a:pPr>
-            <a:r>
-              <a:rPr lang="en-GB" dirty="0"/>
-              <a:t>These architectural differences are all reflected in these older interfaces, which are now considered to be deprecated, so we will not discuss them further, although, you may see them still used by die-hards.</a:t>
-            </a:r>
+            <a:endParaRPr lang="en-GB" dirty="0"/>
           </a:p>
           <a:p>
             <a:pPr>
@@ -4173,18 +4250,74 @@
             </a:pPr>
             <a:r>
               <a:rPr lang="en-GB" dirty="0"/>
-              <a:t>Older versions of Python on UNIX also had the </a:t>
+              <a:t>Meanwhile, at an attempt to be portable, the C language standard came up with </a:t>
             </a:r>
             <a:r>
               <a:rPr lang="en-GB" b="1" dirty="0">
                 <a:latin typeface="Courier New" pitchFamily="49" charset="0"/>
               </a:rPr>
+              <a:t>system()</a:t>
+            </a:r>
+            <a:r>
+              <a:rPr lang="en-GB" dirty="0"/>
+              <a:t>, which called a shell program to launch another process. This was not particularly efficient and could not handle asynchronous requests.</a:t>
+            </a:r>
+          </a:p>
+          <a:p>
+            <a:pPr>
+              <a:lnSpc>
+                <a:spcPct val="90000"/>
+              </a:lnSpc>
+            </a:pPr>
+            <a:endParaRPr lang="en-GB" dirty="0"/>
+          </a:p>
+          <a:p>
+            <a:pPr>
+              <a:lnSpc>
+                <a:spcPct val="90000"/>
+              </a:lnSpc>
+            </a:pPr>
+            <a:r>
+              <a:rPr lang="en-GB" dirty="0"/>
+              <a:t>These architectural differences are all reflected in these older interfaces, which are now considered to be deprecated, so we will not discuss them further, although, you may see them still used by die-hards.</a:t>
+            </a:r>
+          </a:p>
+          <a:p>
+            <a:pPr>
+              <a:lnSpc>
+                <a:spcPct val="90000"/>
+              </a:lnSpc>
+            </a:pPr>
+            <a:endParaRPr lang="en-GB" dirty="0"/>
+          </a:p>
+          <a:p>
+            <a:pPr>
+              <a:lnSpc>
+                <a:spcPct val="90000"/>
+              </a:lnSpc>
+            </a:pPr>
+            <a:r>
+              <a:rPr lang="en-GB" dirty="0"/>
+              <a:t>Older versions of Python on UNIX also had the </a:t>
+            </a:r>
+            <a:r>
+              <a:rPr lang="en-GB" b="1" dirty="0">
+                <a:latin typeface="Courier New" pitchFamily="49" charset="0"/>
+              </a:rPr>
               <a:t>commands</a:t>
             </a:r>
             <a:r>
               <a:rPr lang="en-GB" dirty="0"/>
               <a:t> module, which was withdrawn at Python 3.</a:t>
             </a:r>
+          </a:p>
+          <a:p>
+            <a:pPr>
+              <a:lnSpc>
+                <a:spcPct val="90000"/>
+              </a:lnSpc>
+            </a:pPr>
+            <a:endParaRPr lang="en-GB" dirty="0"/>
           </a:p>
           <a:p>
             <a:pPr>
@@ -4270,14 +4403,14 @@
           <a:ln/>
           <a:extLst>
             <a:ext uri="{909E8E84-426E-40dd-AFC4-6F175D3DCCD1}">
-              <a14:hiddenFill xmlns:a14="http://schemas.microsoft.com/office/drawing/2010/main" xmlns="">
+              <a14:hiddenFill xmlns="" xmlns:a14="http://schemas.microsoft.com/office/drawing/2010/main">
                 <a:solidFill>
                   <a:srgbClr val="FFFFFF"/>
                 </a:solidFill>
               </a14:hiddenFill>
             </a:ext>
             <a:ext uri="{91240B29-F687-4f45-9708-019B960494DF}">
-              <a14:hiddenLine xmlns:a14="http://schemas.microsoft.com/office/drawing/2010/main" xmlns="" w="9525">
+              <a14:hiddenLine xmlns="" xmlns:a14="http://schemas.microsoft.com/office/drawing/2010/main" w="9525">
                 <a:solidFill>
                   <a:srgbClr val="000000"/>
                 </a:solidFill>
@@ -4308,6 +4441,9 @@
             </a:r>
           </a:p>
           <a:p>
+            <a:endParaRPr lang="en-GB" dirty="0"/>
+          </a:p>
+          <a:p>
             <a:r>
               <a:rPr lang="en-GB" b="1" dirty="0" err="1">
                 <a:latin typeface="Courier New" pitchFamily="49" charset="0"/>
@@ -4316,7 +4452,7 @@
             </a:r>
             <a:r>
               <a:rPr lang="en-GB" dirty="0"/>
-              <a:t> has two parameters, mode, which defaults to 'r', and Buffering, which defaults to None. There are some portability issues with </a:t>
+              <a:t> has two parameters, mode which defaults to 'r', and Buffering which defaults to None. There are some portability issues with </a:t>
             </a:r>
             <a:r>
               <a:rPr lang="en-GB" dirty="0" err="1">
@@ -4340,6 +4476,9 @@
             </a:r>
           </a:p>
           <a:p>
+            <a:endParaRPr lang="en-GB" dirty="0"/>
+          </a:p>
+          <a:p>
             <a:r>
               <a:rPr lang="en-GB" dirty="0"/>
               <a:t>To read </a:t>
@@ -4384,15 +4523,7 @@
             </a:r>
             <a:r>
               <a:rPr lang="en-GB" dirty="0"/>
-              <a:t>). If you need to read </a:t>
-            </a:r>
-            <a:r>
-              <a:rPr lang="en-GB" dirty="0" err="1"/>
-              <a:t>stdin</a:t>
-            </a:r>
-            <a:r>
-              <a:rPr lang="en-GB" dirty="0"/>
-              <a:t> from another program then open the pipe with write access. If you need to open both, </a:t>
+              <a:t>). If you need to read stdin from another program, then open the pipe with write access. If you need to open both, </a:t>
             </a:r>
             <a:r>
               <a:rPr lang="en-GB" dirty="0" err="1"/>
@@ -4482,14 +4613,14 @@
           <a:ln/>
           <a:extLst>
             <a:ext uri="{909E8E84-426E-40dd-AFC4-6F175D3DCCD1}">
-              <a14:hiddenFill xmlns:a14="http://schemas.microsoft.com/office/drawing/2010/main" xmlns="">
+              <a14:hiddenFill xmlns="" xmlns:a14="http://schemas.microsoft.com/office/drawing/2010/main">
                 <a:solidFill>
                   <a:srgbClr val="FFFFFF"/>
                 </a:solidFill>
               </a14:hiddenFill>
             </a:ext>
             <a:ext uri="{91240B29-F687-4f45-9708-019B960494DF}">
-              <a14:hiddenLine xmlns:a14="http://schemas.microsoft.com/office/drawing/2010/main" xmlns="" w="9525">
+              <a14:hiddenLine xmlns="" xmlns:a14="http://schemas.microsoft.com/office/drawing/2010/main" w="9525">
                 <a:solidFill>
                   <a:srgbClr val="000000"/>
                 </a:solidFill>
@@ -4520,9 +4651,12 @@
             </a:r>
           </a:p>
           <a:p>
+            <a:endParaRPr lang="en-GB" dirty="0"/>
+          </a:p>
+          <a:p>
             <a:r>
               <a:rPr lang="en-GB" dirty="0"/>
-              <a:t>The older interfaces are still supported, but should not be used for new applications. Check specifically, the </a:t>
+              <a:t>The older interfaces are still supported but should not be used for new applications. Check specifically, the </a:t>
             </a:r>
             <a:r>
               <a:rPr lang="en-GB" i="1" dirty="0"/>
@@ -4540,6 +4674,9 @@
               <a:rPr lang="en-GB" dirty="0"/>
               <a:t> section in that documentation page. Since using Python 3 is an opportunity to move to new practices, this is a good time to ditch the old methods.</a:t>
             </a:r>
+          </a:p>
+          <a:p>
+            <a:endParaRPr lang="en-GB" dirty="0"/>
           </a:p>
           <a:p>
             <a:r>
@@ -4825,14 +4962,14 @@
           <a:ln/>
           <a:extLst>
             <a:ext uri="{909E8E84-426E-40dd-AFC4-6F175D3DCCD1}">
-              <a14:hiddenFill xmlns:a14="http://schemas.microsoft.com/office/drawing/2010/main" xmlns="">
+              <a14:hiddenFill xmlns="" xmlns:a14="http://schemas.microsoft.com/office/drawing/2010/main">
                 <a:solidFill>
                   <a:srgbClr val="FFFFFF"/>
                 </a:solidFill>
               </a14:hiddenFill>
             </a:ext>
             <a:ext uri="{91240B29-F687-4f45-9708-019B960494DF}">
-              <a14:hiddenLine xmlns:a14="http://schemas.microsoft.com/office/drawing/2010/main" xmlns="" w="9525">
+              <a14:hiddenLine xmlns="" xmlns:a14="http://schemas.microsoft.com/office/drawing/2010/main" w="9525">
                 <a:solidFill>
                   <a:srgbClr val="000000"/>
                 </a:solidFill>
@@ -29754,80 +29891,74 @@
           <a:bodyPr/>
           <a:lstStyle/>
           <a:p>
-            <a:pPr marL="342900" indent="-342900">
+            <a:r>
+              <a:rPr lang="en-GB" b="1" dirty="0"/>
+              <a:t>Run a process and wait for it to complete</a:t>
+            </a:r>
+          </a:p>
+          <a:p>
+            <a:pPr marL="182563" indent="-182563"/>
+            <a:r>
+              <a:rPr lang="en-GB" b="1" dirty="0"/>
+              <a:t>A shell is sometimes required</a:t>
+            </a:r>
+          </a:p>
+          <a:p>
+            <a:pPr marL="449263" lvl="1">
               <a:buFont typeface="Arial" panose="020B0604020202020204" pitchFamily="34" charset="0"/>
               <a:buChar char="•"/>
             </a:pPr>
             <a:r>
-              <a:rPr lang="en-GB" b="1" dirty="0"/>
-              <a:t>Run a process and wait for it to complete</a:t>
-            </a:r>
-          </a:p>
-          <a:p>
-            <a:pPr marL="342900" indent="-342900">
+              <a:rPr lang="en-GB" sz="1800" dirty="0"/>
+              <a:t>When using shell meta-characters</a:t>
+            </a:r>
+          </a:p>
+          <a:p>
+            <a:pPr marL="449263" lvl="2">
               <a:buFont typeface="Arial" panose="020B0604020202020204" pitchFamily="34" charset="0"/>
               <a:buChar char="•"/>
             </a:pPr>
             <a:r>
-              <a:rPr lang="en-GB" b="1" dirty="0"/>
-              <a:t>A shell is sometimes required</a:t>
-            </a:r>
-          </a:p>
-          <a:p>
-            <a:pPr lvl="1">
+              <a:rPr lang="en-GB" sz="1800" dirty="0"/>
+              <a:t>Wildcards, pipes, redirections, etc.</a:t>
+            </a:r>
+          </a:p>
+          <a:p>
+            <a:pPr marL="449263" lvl="1">
               <a:buFont typeface="Arial" panose="020B0604020202020204" pitchFamily="34" charset="0"/>
               <a:buChar char="•"/>
             </a:pPr>
             <a:r>
-              <a:rPr lang="en-GB" dirty="0"/>
-              <a:t>When using shell meta-characters</a:t>
-            </a:r>
-          </a:p>
-          <a:p>
-            <a:pPr lvl="2"/>
-            <a:r>
               <a:rPr lang="en-GB" sz="1800" dirty="0"/>
-              <a:t> Wildcards, pipes, redirections, etc.</a:t>
-            </a:r>
-          </a:p>
-          <a:p>
-            <a:pPr lvl="1">
+              <a:t>On Windows, no file association is done unless shell=True</a:t>
+            </a:r>
+          </a:p>
+          <a:p>
+            <a:pPr lvl="1"/>
+            <a:endParaRPr lang="en-GB" sz="1600" dirty="0"/>
+          </a:p>
+          <a:p>
+            <a:pPr lvl="1"/>
+            <a:endParaRPr lang="en-GB" dirty="0"/>
+          </a:p>
+          <a:p>
+            <a:pPr lvl="1"/>
+            <a:endParaRPr lang="en-GB" dirty="0"/>
+          </a:p>
+          <a:p>
+            <a:pPr marL="88900" lvl="1" indent="-88900">
+              <a:buNone/>
+            </a:pPr>
+            <a:r>
+              <a:rPr lang="en-GB" b="1" dirty="0"/>
+              <a:t>Don't use a shell if you don't need to</a:t>
+            </a:r>
+          </a:p>
+          <a:p>
+            <a:pPr marL="449263" lvl="2">
               <a:buFont typeface="Arial" panose="020B0604020202020204" pitchFamily="34" charset="0"/>
               <a:buChar char="•"/>
             </a:pPr>
-            <a:r>
-              <a:rPr lang="en-GB" dirty="0"/>
-              <a:t>On Windows, no file association is done unless shell=True</a:t>
-            </a:r>
-          </a:p>
-          <a:p>
-            <a:pPr lvl="1"/>
-            <a:endParaRPr lang="en-GB" sz="1600" dirty="0"/>
-          </a:p>
-          <a:p>
-            <a:pPr lvl="1"/>
-            <a:endParaRPr lang="en-GB" dirty="0"/>
-          </a:p>
-          <a:p>
-            <a:pPr lvl="1"/>
-            <a:endParaRPr lang="en-GB" dirty="0"/>
-          </a:p>
-          <a:p>
-            <a:pPr lvl="1"/>
-            <a:endParaRPr lang="en-GB" dirty="0"/>
-          </a:p>
-          <a:p>
-            <a:pPr lvl="1">
-              <a:buFont typeface="Arial" panose="020B0604020202020204" pitchFamily="34" charset="0"/>
-              <a:buChar char="•"/>
-            </a:pPr>
-            <a:r>
-              <a:rPr lang="en-GB" dirty="0"/>
-              <a:t>Don't use a shell if you don't need to</a:t>
-            </a:r>
-          </a:p>
-          <a:p>
-            <a:pPr lvl="2"/>
             <a:r>
               <a:rPr lang="en-GB" sz="1800" dirty="0"/>
               <a:t> It can add an unnecessary overhead</a:t>
@@ -29845,7 +29976,7 @@
         </p:nvSpPr>
         <p:spPr bwMode="auto">
           <a:xfrm>
-            <a:off x="341272" y="6007786"/>
+            <a:off x="784459" y="5187048"/>
             <a:ext cx="7378096" cy="646331"/>
           </a:xfrm>
           <a:prstGeom prst="rect">
@@ -29865,7 +29996,13 @@
             <a:headEnd/>
             <a:tailEnd/>
           </a:ln>
-          <a:effectLst/>
+          <a:effectLst>
+            <a:outerShdw blurRad="50800" dist="38100" dir="2700000" algn="tl" rotWithShape="0">
+              <a:prstClr val="black">
+                <a:alpha val="40000"/>
+              </a:prstClr>
+            </a:outerShdw>
+          </a:effectLst>
         </p:spPr>
         <p:txBody>
           <a:bodyPr wrap="square">
@@ -30046,7 +30183,7 @@
         </p:nvSpPr>
         <p:spPr bwMode="auto">
           <a:xfrm>
-            <a:off x="339971" y="3552190"/>
+            <a:off x="772364" y="3225757"/>
             <a:ext cx="7390191" cy="923330"/>
           </a:xfrm>
           <a:prstGeom prst="rect">
@@ -30066,7 +30203,13 @@
             <a:headEnd/>
             <a:tailEnd/>
           </a:ln>
-          <a:effectLst/>
+          <a:effectLst>
+            <a:outerShdw blurRad="50800" dist="38100" dir="2700000" algn="tl" rotWithShape="0">
+              <a:prstClr val="black">
+                <a:alpha val="40000"/>
+              </a:prstClr>
+            </a:outerShdw>
+          </a:effectLst>
         </p:spPr>
         <p:txBody>
           <a:bodyPr wrap="square">
@@ -30273,13 +30416,15 @@
         </p:nvSpPr>
         <p:spPr bwMode="auto">
           <a:xfrm>
-            <a:off x="5971154" y="5187048"/>
+            <a:off x="6226443" y="6086865"/>
             <a:ext cx="2374769" cy="584776"/>
           </a:xfrm>
           <a:prstGeom prst="rect">
             <a:avLst/>
           </a:prstGeom>
-          <a:noFill/>
+          <a:solidFill>
+            <a:schemeClr val="bg1"/>
+          </a:solidFill>
           <a:ln w="9525">
             <a:solidFill>
               <a:schemeClr val="tx1"/>
@@ -30288,9 +30433,16 @@
             <a:headEnd/>
             <a:tailEnd/>
           </a:ln>
+          <a:effectLst>
+            <a:outerShdw blurRad="50800" dist="38100" dir="2700000" algn="tl" rotWithShape="0">
+              <a:prstClr val="black">
+                <a:alpha val="40000"/>
+              </a:prstClr>
+            </a:outerShdw>
+          </a:effectLst>
           <a:extLst>
             <a:ext uri="{909E8E84-426E-40dd-AFC4-6F175D3DCCD1}">
-              <a14:hiddenFill xmlns:a14="http://schemas.microsoft.com/office/drawing/2010/main" xmlns="">
+              <a14:hiddenFill xmlns="" xmlns:a14="http://schemas.microsoft.com/office/drawing/2010/main">
                 <a:solidFill>
                   <a:srgbClr val="FFFFFF"/>
                 </a:solidFill>
@@ -30433,9 +30585,9 @@
           <p:nvPr/>
         </p:nvSpPr>
         <p:spPr bwMode="auto">
-          <a:xfrm flipH="1">
-            <a:off x="4556615" y="5794728"/>
-            <a:ext cx="1408944" cy="584274"/>
+          <a:xfrm flipH="1" flipV="1">
+            <a:off x="5137265" y="5833379"/>
+            <a:ext cx="1089178" cy="545623"/>
           </a:xfrm>
           <a:prstGeom prst="line">
             <a:avLst/>
@@ -30451,7 +30603,7 @@
           </a:ln>
           <a:extLst>
             <a:ext uri="{909E8E84-426E-40dd-AFC4-6F175D3DCCD1}">
-              <a14:hiddenFill xmlns:a14="http://schemas.microsoft.com/office/drawing/2010/main" xmlns="">
+              <a14:hiddenFill xmlns="" xmlns:a14="http://schemas.microsoft.com/office/drawing/2010/main">
                 <a:noFill/>
               </a14:hiddenFill>
             </a:ext>
@@ -30537,57 +30689,56 @@
           </a:bodyPr>
           <a:lstStyle/>
           <a:p>
-            <a:pPr marL="342900" lvl="1" indent="-342900">
+            <a:pPr marL="0" lvl="1" indent="0">
+              <a:buNone/>
+            </a:pPr>
+            <a:r>
+              <a:rPr lang="en-GB" b="1" dirty="0"/>
+              <a:t>Use the returned </a:t>
+            </a:r>
+            <a:r>
+              <a:rPr lang="en-US" b="1" dirty="0" err="1"/>
+              <a:t>CompletedProcess</a:t>
+            </a:r>
+            <a:r>
+              <a:rPr lang="en-US" b="1" dirty="0"/>
+              <a:t> object</a:t>
+            </a:r>
+            <a:endParaRPr lang="en-GB" b="1" dirty="0"/>
+          </a:p>
+          <a:p>
+            <a:pPr marL="449263" lvl="1">
               <a:buFont typeface="Arial" panose="020B0604020202020204" pitchFamily="34" charset="0"/>
               <a:buChar char="•"/>
             </a:pPr>
             <a:r>
-              <a:rPr lang="en-GB" b="1" dirty="0"/>
-              <a:t>Use the returned </a:t>
-            </a:r>
-            <a:r>
-              <a:rPr lang="en-US" b="1" dirty="0" err="1"/>
-              <a:t>CompletedProcess</a:t>
-            </a:r>
-            <a:r>
-              <a:rPr lang="en-US" b="1" dirty="0"/>
-              <a:t> object</a:t>
-            </a:r>
-            <a:endParaRPr lang="en-GB" b="1" dirty="0"/>
-          </a:p>
-          <a:p>
-            <a:pPr lvl="1">
+              <a:rPr lang="en-GB" dirty="0"/>
+              <a:t>Includes </a:t>
+            </a:r>
+            <a:r>
+              <a:rPr lang="en-GB" dirty="0" err="1"/>
+              <a:t>stdout</a:t>
+            </a:r>
+            <a:r>
+              <a:rPr lang="en-GB" dirty="0"/>
+              <a:t>, and </a:t>
+            </a:r>
+            <a:r>
+              <a:rPr lang="en-GB" dirty="0" err="1"/>
+              <a:t>stderr</a:t>
+            </a:r>
+            <a:r>
+              <a:rPr lang="en-GB" dirty="0"/>
+              <a:t>, but only when using PIPE</a:t>
+            </a:r>
+          </a:p>
+          <a:p>
+            <a:pPr marL="449263" lvl="1">
               <a:buFont typeface="Arial" panose="020B0604020202020204" pitchFamily="34" charset="0"/>
               <a:buChar char="•"/>
             </a:pPr>
             <a:r>
               <a:rPr lang="en-GB" dirty="0"/>
-              <a:t>Includes </a:t>
-            </a:r>
-            <a:r>
-              <a:rPr lang="en-GB" dirty="0" err="1"/>
-              <a:t>stdout</a:t>
-            </a:r>
-            <a:r>
-              <a:rPr lang="en-GB" dirty="0"/>
-              <a:t>, and </a:t>
-            </a:r>
-            <a:r>
-              <a:rPr lang="en-GB" dirty="0" err="1"/>
-              <a:t>stderr</a:t>
-            </a:r>
-            <a:r>
-              <a:rPr lang="en-GB" dirty="0"/>
-              <a:t>, but only when using PIPE</a:t>
-            </a:r>
-          </a:p>
-          <a:p>
-            <a:pPr lvl="1">
-              <a:buFont typeface="Arial" panose="020B0604020202020204" pitchFamily="34" charset="0"/>
-              <a:buChar char="•"/>
-            </a:pPr>
-            <a:r>
-              <a:rPr lang="en-GB" dirty="0"/>
               <a:t>Use </a:t>
             </a:r>
             <a:r>
@@ -30612,7 +30763,7 @@
             </a:r>
           </a:p>
           <a:p>
-            <a:pPr lvl="1">
+            <a:pPr marL="449263" lvl="1">
               <a:buFont typeface="Arial" panose="020B0604020202020204" pitchFamily="34" charset="0"/>
               <a:buChar char="•"/>
             </a:pPr>
@@ -30706,12 +30857,12 @@
             <a:endParaRPr lang="en-GB" dirty="0"/>
           </a:p>
           <a:p>
-            <a:pPr lvl="1">
+            <a:pPr marL="449263" lvl="1">
               <a:buFont typeface="Arial" panose="020B0604020202020204" pitchFamily="34" charset="0"/>
               <a:buChar char="•"/>
             </a:pPr>
             <a:r>
-              <a:rPr lang="en-GB" dirty="0"/>
+              <a:rPr lang="en-GB" sz="1800" dirty="0"/>
               <a:t>Remember that data has to be stored in memory - too much may crash your program!</a:t>
             </a:r>
           </a:p>
@@ -30727,7 +30878,7 @@
         </p:nvSpPr>
         <p:spPr bwMode="auto">
           <a:xfrm>
-            <a:off x="355154" y="3061226"/>
+            <a:off x="853917" y="2897114"/>
             <a:ext cx="6718506" cy="2277547"/>
           </a:xfrm>
           <a:prstGeom prst="rect">
@@ -30747,7 +30898,13 @@
             <a:headEnd/>
             <a:tailEnd/>
           </a:ln>
-          <a:effectLst/>
+          <a:effectLst>
+            <a:outerShdw blurRad="50800" dist="38100" dir="2700000" algn="tl" rotWithShape="0">
+              <a:prstClr val="black">
+                <a:alpha val="40000"/>
+              </a:prstClr>
+            </a:outerShdw>
+          </a:effectLst>
         </p:spPr>
         <p:txBody>
           <a:bodyPr wrap="none">
@@ -31124,94 +31281,73 @@
           <a:bodyPr/>
           <a:lstStyle/>
           <a:p>
-            <a:pPr marL="342900" indent="-342900">
+            <a:r>
+              <a:rPr lang="en-GB" b="1" dirty="0"/>
+              <a:t>Suitable for simple text</a:t>
+            </a:r>
+          </a:p>
+          <a:p>
+            <a:pPr marL="449263" lvl="1">
               <a:buFont typeface="Arial" panose="020B0604020202020204" pitchFamily="34" charset="0"/>
               <a:buChar char="•"/>
             </a:pPr>
             <a:r>
-              <a:rPr lang="en-GB" b="1" dirty="0"/>
-              <a:t>Suitable for simple text</a:t>
-            </a:r>
-          </a:p>
-          <a:p>
-            <a:pPr lvl="1">
+              <a:rPr lang="en-GB" sz="1800" dirty="0"/>
+              <a:t>Bytes objects only</a:t>
+            </a:r>
+          </a:p>
+          <a:p>
+            <a:pPr marL="449263" lvl="1">
               <a:buFont typeface="Arial" panose="020B0604020202020204" pitchFamily="34" charset="0"/>
               <a:buChar char="•"/>
             </a:pPr>
-            <a:r>
-              <a:rPr lang="en-GB" dirty="0"/>
-              <a:t>Bytes objects only</a:t>
-            </a:r>
-          </a:p>
-          <a:p>
-            <a:pPr lvl="1">
+            <a:endParaRPr lang="en-GB" sz="1800" dirty="0"/>
+          </a:p>
+          <a:p>
+            <a:pPr marL="449263" lvl="1">
               <a:buFont typeface="Arial" panose="020B0604020202020204" pitchFamily="34" charset="0"/>
               <a:buChar char="•"/>
             </a:pPr>
-            <a:endParaRPr lang="en-GB" dirty="0"/>
-          </a:p>
-          <a:p>
-            <a:pPr lvl="1">
+            <a:endParaRPr lang="en-GB" sz="1800" dirty="0"/>
+          </a:p>
+          <a:p>
+            <a:pPr marL="449263" lvl="1">
               <a:buFont typeface="Arial" panose="020B0604020202020204" pitchFamily="34" charset="0"/>
               <a:buChar char="•"/>
             </a:pPr>
-            <a:endParaRPr lang="en-GB" dirty="0"/>
-          </a:p>
-          <a:p>
-            <a:pPr lvl="1">
+            <a:endParaRPr lang="en-GB" sz="1800" dirty="0"/>
+          </a:p>
+          <a:p>
+            <a:pPr marL="449263" lvl="1">
               <a:buFont typeface="Arial" panose="020B0604020202020204" pitchFamily="34" charset="0"/>
               <a:buChar char="•"/>
             </a:pPr>
-            <a:endParaRPr lang="en-GB" dirty="0"/>
-          </a:p>
-          <a:p>
-            <a:pPr marL="628650" lvl="1" indent="-171450">
+            <a:r>
+              <a:rPr lang="en-GB" sz="1800" dirty="0" err="1"/>
+              <a:t>stuff.py</a:t>
+            </a:r>
+            <a:endParaRPr lang="en-GB" sz="1800" dirty="0"/>
+          </a:p>
+          <a:p>
+            <a:pPr marL="449263" lvl="1">
               <a:buFont typeface="Arial" panose="020B0604020202020204" pitchFamily="34" charset="0"/>
               <a:buChar char="•"/>
             </a:pPr>
-            <a:endParaRPr lang="en-GB" sz="800" dirty="0"/>
-          </a:p>
-          <a:p>
-            <a:pPr lvl="1">
+            <a:endParaRPr lang="en-GB" sz="1800" dirty="0"/>
+          </a:p>
+          <a:p>
+            <a:pPr marL="449263" lvl="1">
               <a:buFont typeface="Arial" panose="020B0604020202020204" pitchFamily="34" charset="0"/>
               <a:buChar char="•"/>
             </a:pPr>
-            <a:r>
-              <a:rPr lang="en-GB" dirty="0" err="1"/>
-              <a:t>stuff.py</a:t>
-            </a:r>
-            <a:endParaRPr lang="en-GB" dirty="0"/>
-          </a:p>
-          <a:p>
-            <a:pPr lvl="1">
+            <a:endParaRPr lang="en-GB" sz="1800" dirty="0"/>
+          </a:p>
+          <a:p>
+            <a:pPr marL="449263" lvl="1">
               <a:buFont typeface="Arial" panose="020B0604020202020204" pitchFamily="34" charset="0"/>
               <a:buChar char="•"/>
             </a:pPr>
-            <a:endParaRPr lang="en-GB" dirty="0"/>
-          </a:p>
-          <a:p>
-            <a:pPr lvl="1">
-              <a:buFont typeface="Arial" panose="020B0604020202020204" pitchFamily="34" charset="0"/>
-              <a:buChar char="•"/>
-            </a:pPr>
-            <a:endParaRPr lang="en-GB" dirty="0"/>
-          </a:p>
-          <a:p>
-            <a:pPr lvl="1">
-              <a:buFont typeface="Arial" panose="020B0604020202020204" pitchFamily="34" charset="0"/>
-              <a:buChar char="•"/>
-            </a:pPr>
-            <a:endParaRPr lang="en-GB" dirty="0"/>
-          </a:p>
-          <a:p>
-            <a:pPr lvl="1">
-              <a:buFont typeface="Arial" panose="020B0604020202020204" pitchFamily="34" charset="0"/>
-              <a:buChar char="•"/>
-            </a:pPr>
-            <a:r>
-              <a:rPr lang="en-GB" dirty="0"/>
-              <a:t>Output</a:t>
-            </a:r>
+            <a:endParaRPr lang="en-GB" sz="1800" dirty="0"/>
           </a:p>
           <a:p>
             <a:pPr lvl="1">
@@ -31259,7 +31395,7 @@
         </p:nvSpPr>
         <p:spPr bwMode="auto">
           <a:xfrm>
-            <a:off x="341272" y="2395403"/>
+            <a:off x="773534" y="2114730"/>
             <a:ext cx="7692527" cy="646331"/>
           </a:xfrm>
           <a:prstGeom prst="rect">
@@ -31279,6 +31415,13 @@
             <a:headEnd/>
             <a:tailEnd/>
           </a:ln>
+          <a:effectLst>
+            <a:outerShdw blurRad="50800" dist="38100" dir="2700000" algn="tl" rotWithShape="0">
+              <a:prstClr val="black">
+                <a:alpha val="40000"/>
+              </a:prstClr>
+            </a:outerShdw>
+          </a:effectLst>
         </p:spPr>
         <p:txBody>
           <a:bodyPr wrap="square">
@@ -31462,7 +31605,7 @@
         </p:nvSpPr>
         <p:spPr bwMode="auto">
           <a:xfrm>
-            <a:off x="341272" y="4155065"/>
+            <a:off x="773534" y="3671804"/>
             <a:ext cx="5419725" cy="646331"/>
           </a:xfrm>
           <a:prstGeom prst="rect">
@@ -31482,10 +31625,16 @@
             <a:headEnd/>
             <a:tailEnd/>
           </a:ln>
-          <a:effectLst/>
+          <a:effectLst>
+            <a:outerShdw blurRad="50800" dist="38100" dir="2700000" algn="tl" rotWithShape="0">
+              <a:prstClr val="black">
+                <a:alpha val="40000"/>
+              </a:prstClr>
+            </a:outerShdw>
+          </a:effectLst>
         </p:spPr>
         <p:txBody>
-          <a:bodyPr>
+          <a:bodyPr wrap="square">
             <a:spAutoFit/>
           </a:bodyPr>
           <a:lstStyle>
@@ -31588,18 +31737,11 @@
           </a:lstStyle>
           <a:p>
             <a:r>
-              <a:rPr lang="en-US" sz="1800" dirty="0" err="1">
-                <a:latin typeface="Courier New"/>
-                <a:cs typeface="Courier New"/>
-              </a:rPr>
-              <a:t>ans</a:t>
-            </a:r>
-            <a:r>
               <a:rPr lang="en-US" sz="1800" dirty="0">
                 <a:latin typeface="Courier New"/>
                 <a:cs typeface="Courier New"/>
               </a:rPr>
-              <a:t> = input("Enter stuff: ")</a:t>
+              <a:t>reply = input("Enter stuff: ")</a:t>
             </a:r>
           </a:p>
           <a:p>
@@ -31608,21 +31750,7 @@
                 <a:latin typeface="Courier New"/>
                 <a:cs typeface="Courier New"/>
               </a:rPr>
-              <a:t>print(f"&lt;{</a:t>
-            </a:r>
-            <a:r>
-              <a:rPr lang="en-US" sz="1800" dirty="0" err="1">
-                <a:latin typeface="Courier New"/>
-                <a:cs typeface="Courier New"/>
-              </a:rPr>
-              <a:t>ans</a:t>
-            </a:r>
-            <a:r>
-              <a:rPr lang="en-US" sz="1800" dirty="0">
-                <a:latin typeface="Courier New"/>
-                <a:cs typeface="Courier New"/>
-              </a:rPr>
-              <a:t>}&gt;" )</a:t>
+              <a:t>print(f"&lt;{reply}&gt;" )</a:t>
             </a:r>
           </a:p>
         </p:txBody>
@@ -31637,8 +31765,8 @@
         </p:nvSpPr>
         <p:spPr bwMode="auto">
           <a:xfrm>
-            <a:off x="341272" y="5730061"/>
-            <a:ext cx="5419725" cy="369332"/>
+            <a:off x="3250727" y="4318135"/>
+            <a:ext cx="3713953" cy="369332"/>
           </a:xfrm>
           <a:prstGeom prst="rect">
             <a:avLst/>
@@ -31654,10 +31782,16 @@
             <a:headEnd/>
             <a:tailEnd/>
           </a:ln>
-          <a:effectLst/>
+          <a:effectLst>
+            <a:outerShdw blurRad="50800" dist="38100" dir="2700000" algn="tl" rotWithShape="0">
+              <a:prstClr val="black">
+                <a:alpha val="40000"/>
+              </a:prstClr>
+            </a:outerShdw>
+          </a:effectLst>
         </p:spPr>
         <p:txBody>
-          <a:bodyPr>
+          <a:bodyPr wrap="square">
             <a:spAutoFit/>
           </a:bodyPr>
           <a:lstStyle>
@@ -31855,7 +31989,7 @@
             </a:r>
           </a:p>
           <a:p>
-            <a:pPr lvl="1">
+            <a:pPr marL="441325" lvl="1" indent="-258763">
               <a:buFont typeface="Arial" panose="020B0604020202020204" pitchFamily="34" charset="0"/>
               <a:buChar char="•"/>
             </a:pPr>
@@ -31959,7 +32093,7 @@
         </p:nvSpPr>
         <p:spPr bwMode="auto">
           <a:xfrm>
-            <a:off x="334489" y="2182871"/>
+            <a:off x="822169" y="2182871"/>
             <a:ext cx="5423280" cy="3693319"/>
           </a:xfrm>
           <a:prstGeom prst="rect">
@@ -31979,6 +32113,13 @@
             <a:headEnd/>
             <a:tailEnd/>
           </a:ln>
+          <a:effectLst>
+            <a:outerShdw blurRad="50800" dist="38100" dir="2700000" algn="tl" rotWithShape="0">
+              <a:prstClr val="black">
+                <a:alpha val="40000"/>
+              </a:prstClr>
+            </a:outerShdw>
+          </a:effectLst>
         </p:spPr>
         <p:txBody>
           <a:bodyPr wrap="none">
@@ -32359,7 +32500,7 @@
         </p:nvSpPr>
         <p:spPr bwMode="auto">
           <a:xfrm>
-            <a:off x="5160646" y="4799440"/>
+            <a:off x="5160646" y="5127412"/>
             <a:ext cx="3444875" cy="925512"/>
           </a:xfrm>
           <a:prstGeom prst="rect">
@@ -32376,9 +32517,16 @@
             <a:headEnd/>
             <a:tailEnd/>
           </a:ln>
+          <a:effectLst>
+            <a:outerShdw blurRad="50800" dist="38100" dir="2700000" algn="tl" rotWithShape="0">
+              <a:prstClr val="black">
+                <a:alpha val="40000"/>
+              </a:prstClr>
+            </a:outerShdw>
+          </a:effectLst>
         </p:spPr>
         <p:txBody>
-          <a:bodyPr>
+          <a:bodyPr wrap="square">
             <a:spAutoFit/>
           </a:bodyPr>
           <a:lstStyle>
@@ -32533,7 +32681,7 @@
         </p:nvSpPr>
         <p:spPr bwMode="auto">
           <a:xfrm>
-            <a:off x="8167371" y="4029531"/>
+            <a:off x="8167371" y="5217173"/>
             <a:ext cx="438150" cy="641350"/>
           </a:xfrm>
           <a:prstGeom prst="rect">
@@ -32545,14 +32693,14 @@
           </a:ln>
           <a:extLst>
             <a:ext uri="{909E8E84-426E-40dd-AFC4-6F175D3DCCD1}">
-              <a14:hiddenFill xmlns:a14="http://schemas.microsoft.com/office/drawing/2010/main" xmlns="">
+              <a14:hiddenFill xmlns="" xmlns:a14="http://schemas.microsoft.com/office/drawing/2010/main">
                 <a:solidFill>
                   <a:srgbClr val="FFFFFF"/>
                 </a:solidFill>
               </a14:hiddenFill>
             </a:ext>
             <a:ext uri="{91240B29-F687-4f45-9708-019B960494DF}">
-              <a14:hiddenLine xmlns:a14="http://schemas.microsoft.com/office/drawing/2010/main" xmlns="" w="9525">
+              <a14:hiddenLine xmlns="" xmlns:a14="http://schemas.microsoft.com/office/drawing/2010/main" w="9525">
                 <a:solidFill>
                   <a:srgbClr val="000000"/>
                 </a:solidFill>
@@ -32742,120 +32890,136 @@
           </a:bodyPr>
           <a:lstStyle/>
           <a:p>
-            <a:pPr marL="342900" indent="-342900">
+            <a:r>
+              <a:rPr lang="en-GB" b="1" dirty="0"/>
+              <a:t>Several objects are available for thread synchronisation</a:t>
+            </a:r>
+          </a:p>
+          <a:p>
+            <a:pPr marL="88900" lvl="1" indent="0">
+              <a:buNone/>
+            </a:pPr>
+            <a:r>
+              <a:rPr lang="en-GB" b="1" dirty="0"/>
+              <a:t>Condition</a:t>
+            </a:r>
+            <a:r>
+              <a:rPr lang="en-GB" dirty="0"/>
+              <a:t> </a:t>
+            </a:r>
+            <a:r>
+              <a:rPr lang="en-GB" b="1" dirty="0"/>
+              <a:t>variables</a:t>
+            </a:r>
+          </a:p>
+          <a:p>
+            <a:pPr marL="441325" lvl="2" indent="-258763">
               <a:buFont typeface="Arial" panose="020B0604020202020204" pitchFamily="34" charset="0"/>
               <a:buChar char="•"/>
             </a:pPr>
             <a:r>
+              <a:rPr lang="en-GB" sz="1800" dirty="0"/>
+              <a:t>Similar to those used by </a:t>
+            </a:r>
+            <a:r>
+              <a:rPr lang="en-GB" sz="1800" dirty="0" err="1"/>
+              <a:t>pthreads</a:t>
+            </a:r>
+            <a:endParaRPr lang="en-GB" sz="1800" dirty="0"/>
+          </a:p>
+          <a:p>
+            <a:pPr marL="88900" lvl="1" indent="0">
+              <a:buNone/>
+            </a:pPr>
+            <a:r>
               <a:rPr lang="en-GB" b="1" dirty="0"/>
-              <a:t>Several objects are available for thread synchronisation</a:t>
-            </a:r>
-          </a:p>
-          <a:p>
-            <a:pPr lvl="1">
+              <a:t>Events</a:t>
+            </a:r>
+          </a:p>
+          <a:p>
+            <a:pPr marL="441325" lvl="2" indent="-258763">
               <a:buFont typeface="Arial" panose="020B0604020202020204" pitchFamily="34" charset="0"/>
               <a:buChar char="•"/>
             </a:pPr>
             <a:r>
-              <a:rPr lang="en-GB" dirty="0"/>
-              <a:t>Condition variables</a:t>
-            </a:r>
-          </a:p>
-          <a:p>
-            <a:pPr lvl="2"/>
-            <a:r>
               <a:rPr lang="en-GB" sz="1800" dirty="0"/>
-              <a:t> Similar to those used by </a:t>
-            </a:r>
-            <a:r>
-              <a:rPr lang="en-GB" sz="1800" dirty="0" err="1"/>
-              <a:t>pthreads</a:t>
-            </a:r>
-            <a:endParaRPr lang="en-GB" sz="1800" dirty="0"/>
-          </a:p>
-          <a:p>
-            <a:pPr lvl="1">
+              <a:t>Similar to those used by Win32</a:t>
+            </a:r>
+          </a:p>
+          <a:p>
+            <a:pPr marL="88900" lvl="1" indent="0">
+              <a:buNone/>
+            </a:pPr>
+            <a:r>
+              <a:rPr lang="en-GB" b="1" dirty="0"/>
+              <a:t>Thread local storage</a:t>
+            </a:r>
+          </a:p>
+          <a:p>
+            <a:pPr marL="441325" lvl="2" indent="-258763">
               <a:buFont typeface="Arial" panose="020B0604020202020204" pitchFamily="34" charset="0"/>
               <a:buChar char="•"/>
             </a:pPr>
             <a:r>
-              <a:rPr lang="en-GB" dirty="0"/>
-              <a:t>Events</a:t>
-            </a:r>
-          </a:p>
-          <a:p>
-            <a:pPr lvl="2"/>
-            <a:r>
               <a:rPr lang="en-GB" sz="1800" dirty="0"/>
-              <a:t> Similar to those used by Win32</a:t>
-            </a:r>
-          </a:p>
-          <a:p>
-            <a:pPr lvl="1">
+              <a:t>Enables global variables to be local to a thread</a:t>
+            </a:r>
+          </a:p>
+          <a:p>
+            <a:pPr marL="88900" lvl="1" indent="0">
+              <a:buNone/>
+            </a:pPr>
+            <a:r>
+              <a:rPr lang="en-GB" b="1" dirty="0"/>
+              <a:t>Locks</a:t>
+            </a:r>
+          </a:p>
+          <a:p>
+            <a:pPr marL="441325" lvl="2" indent="-258763">
               <a:buFont typeface="Arial" panose="020B0604020202020204" pitchFamily="34" charset="0"/>
               <a:buChar char="•"/>
             </a:pPr>
             <a:r>
-              <a:rPr lang="en-GB" dirty="0"/>
-              <a:t>Thread local storage</a:t>
-            </a:r>
-          </a:p>
-          <a:p>
-            <a:pPr lvl="2"/>
-            <a:r>
               <a:rPr lang="en-GB" sz="1800" dirty="0"/>
-              <a:t> Enables global variables to be local to a thread</a:t>
-            </a:r>
-          </a:p>
-          <a:p>
-            <a:pPr lvl="1">
+              <a:t>Similar to a mutex, has a concept of ownership</a:t>
+            </a:r>
+          </a:p>
+          <a:p>
+            <a:pPr marL="88900" lvl="1" indent="0">
+              <a:buNone/>
+            </a:pPr>
+            <a:r>
+              <a:rPr lang="en-GB" b="1" dirty="0"/>
+              <a:t>Semaphores</a:t>
+            </a:r>
+          </a:p>
+          <a:p>
+            <a:pPr marL="441325" lvl="2" indent="-258763">
               <a:buFont typeface="Arial" panose="020B0604020202020204" pitchFamily="34" charset="0"/>
               <a:buChar char="•"/>
             </a:pPr>
             <a:r>
-              <a:rPr lang="en-GB" dirty="0"/>
-              <a:t>Locks</a:t>
-            </a:r>
-          </a:p>
-          <a:p>
-            <a:pPr lvl="2"/>
-            <a:r>
               <a:rPr lang="en-GB" sz="1800" dirty="0"/>
-              <a:t> Similar to a mutex, has a concept of ownership</a:t>
-            </a:r>
-          </a:p>
-          <a:p>
-            <a:pPr lvl="1">
+              <a:t>A counting lock, e.g. allow up to 3 threads to access a resource</a:t>
+            </a:r>
+          </a:p>
+          <a:p>
+            <a:pPr marL="88900" lvl="1" indent="0">
+              <a:buNone/>
+            </a:pPr>
+            <a:r>
+              <a:rPr lang="en-GB" b="1" dirty="0"/>
+              <a:t>Timers</a:t>
+            </a:r>
+          </a:p>
+          <a:p>
+            <a:pPr marL="441325" lvl="2" indent="-258763">
               <a:buFont typeface="Arial" panose="020B0604020202020204" pitchFamily="34" charset="0"/>
               <a:buChar char="•"/>
             </a:pPr>
             <a:r>
-              <a:rPr lang="en-GB" dirty="0"/>
-              <a:t>Semaphores</a:t>
-            </a:r>
-          </a:p>
-          <a:p>
-            <a:pPr lvl="2"/>
-            <a:r>
               <a:rPr lang="en-GB" sz="1800" dirty="0"/>
-              <a:t> A counting lock, e.g. allow up to 3 threads to access a resource</a:t>
-            </a:r>
-          </a:p>
-          <a:p>
-            <a:pPr lvl="1">
-              <a:buFont typeface="Arial" panose="020B0604020202020204" pitchFamily="34" charset="0"/>
-              <a:buChar char="•"/>
-            </a:pPr>
-            <a:r>
-              <a:rPr lang="en-GB" dirty="0"/>
-              <a:t>Timers</a:t>
-            </a:r>
-          </a:p>
-          <a:p>
-            <a:pPr lvl="2"/>
-            <a:r>
-              <a:rPr lang="en-GB" sz="1800" dirty="0"/>
-              <a:t> Similar to </a:t>
+              <a:t>Similar to </a:t>
             </a:r>
             <a:r>
               <a:rPr lang="en-GB" sz="1800" dirty="0" err="1"/>
@@ -32952,7 +33116,7 @@
         </p:nvSpPr>
         <p:spPr bwMode="auto">
           <a:xfrm>
-            <a:off x="1062905" y="1974864"/>
+            <a:off x="803825" y="1775119"/>
             <a:ext cx="6835775" cy="4587875"/>
           </a:xfrm>
           <a:prstGeom prst="rect">
@@ -32972,6 +33136,13 @@
             <a:headEnd/>
             <a:tailEnd/>
           </a:ln>
+          <a:effectLst>
+            <a:outerShdw blurRad="50800" dist="38100" dir="2700000" algn="tl" rotWithShape="0">
+              <a:prstClr val="black">
+                <a:alpha val="40000"/>
+              </a:prstClr>
+            </a:outerShdw>
+          </a:effectLst>
         </p:spPr>
         <p:txBody>
           <a:bodyPr>
@@ -33529,99 +33700,103 @@
           <a:bodyPr/>
           <a:lstStyle/>
           <a:p>
-            <a:pPr marL="342900" indent="-342900">
+            <a:r>
+              <a:rPr lang="en-GB" b="1" dirty="0"/>
+              <a:t>They are very difficult to code</a:t>
+            </a:r>
+          </a:p>
+          <a:p>
+            <a:pPr marL="441325" lvl="1" indent="-258763">
               <a:buFont typeface="Arial" panose="020B0604020202020204" pitchFamily="34" charset="0"/>
               <a:buChar char="•"/>
             </a:pPr>
             <a:r>
-              <a:rPr lang="en-GB" b="1" dirty="0"/>
-              <a:t>They are very difficult to code</a:t>
-            </a:r>
-          </a:p>
-          <a:p>
-            <a:pPr lvl="1">
+              <a:rPr lang="en-GB" sz="1800" dirty="0"/>
+              <a:t>Sharing variables requires locking mechanisms</a:t>
+            </a:r>
+          </a:p>
+          <a:p>
+            <a:pPr marL="441325" lvl="1" indent="-258763">
               <a:buFont typeface="Arial" panose="020B0604020202020204" pitchFamily="34" charset="0"/>
               <a:buChar char="•"/>
             </a:pPr>
             <a:r>
-              <a:rPr lang="en-GB" dirty="0"/>
-              <a:t>Sharing variables requires locking mechanisms</a:t>
-            </a:r>
-          </a:p>
-          <a:p>
-            <a:pPr lvl="1">
+              <a:rPr lang="en-GB" sz="1800" dirty="0"/>
+              <a:t>Subtle timing differences can make debugging difficult</a:t>
+            </a:r>
+          </a:p>
+          <a:p>
+            <a:r>
+              <a:rPr lang="en-GB" b="1" dirty="0"/>
+              <a:t>The Python Global Interpreter Lock (GIL)</a:t>
+            </a:r>
+          </a:p>
+          <a:p>
+            <a:pPr marL="441325" lvl="1" indent="-258763">
               <a:buFont typeface="Arial" panose="020B0604020202020204" pitchFamily="34" charset="0"/>
               <a:buChar char="•"/>
             </a:pPr>
             <a:r>
-              <a:rPr lang="en-GB" dirty="0"/>
-              <a:t>Subtle timing differences can make debugging difficult</a:t>
-            </a:r>
-          </a:p>
-          <a:p>
-            <a:pPr marL="342900" indent="-342900">
+              <a:rPr lang="en-GB" sz="1800" dirty="0"/>
+              <a:t>The GIL locks the interpreter</a:t>
+            </a:r>
+          </a:p>
+          <a:p>
+            <a:pPr marL="715963" lvl="2" indent="-350838">
+              <a:buFont typeface="Courier New" panose="02070309020205020404" pitchFamily="49" charset="0"/>
+              <a:buChar char="o"/>
+            </a:pPr>
+            <a:r>
+              <a:rPr lang="en-GB" sz="1800" dirty="0"/>
+              <a:t>Threads are locked for 100 Ticks (about 100 byte-code instructions)</a:t>
+            </a:r>
+          </a:p>
+          <a:p>
+            <a:pPr marL="715963" lvl="2" indent="-350838">
+              <a:buFont typeface="Courier New" panose="02070309020205020404" pitchFamily="49" charset="0"/>
+              <a:buChar char="o"/>
+            </a:pPr>
+            <a:r>
+              <a:rPr lang="en-GB" sz="1800" dirty="0"/>
+              <a:t>Simplifies and protects the interpreter</a:t>
+            </a:r>
+          </a:p>
+          <a:p>
+            <a:pPr marL="441325" lvl="1" indent="-258763">
               <a:buFont typeface="Arial" panose="020B0604020202020204" pitchFamily="34" charset="0"/>
               <a:buChar char="•"/>
             </a:pPr>
             <a:r>
-              <a:rPr lang="en-GB" b="1" dirty="0"/>
-              <a:t>The Python Global Interpreter Lock (GIL)</a:t>
-            </a:r>
-          </a:p>
-          <a:p>
-            <a:pPr lvl="1">
-              <a:buFont typeface="Arial" panose="020B0604020202020204" pitchFamily="34" charset="0"/>
-              <a:buChar char="•"/>
+              <a:rPr lang="en-GB" sz="1800" dirty="0"/>
+              <a:t>The GIL </a:t>
+            </a:r>
+            <a:r>
+              <a:rPr lang="en-GB" sz="1800" i="1" dirty="0"/>
+              <a:t>does not</a:t>
+            </a:r>
+            <a:r>
+              <a:rPr lang="en-GB" sz="1800" dirty="0"/>
+              <a:t> mean that:</a:t>
+            </a:r>
+          </a:p>
+          <a:p>
+            <a:pPr marL="715963" lvl="2" indent="-350838">
+              <a:buFont typeface="Courier New" panose="02070309020205020404" pitchFamily="49" charset="0"/>
+              <a:buChar char="o"/>
             </a:pPr>
             <a:r>
-              <a:rPr lang="en-GB" dirty="0"/>
-              <a:t>The GIL locks the interpreter</a:t>
-            </a:r>
-          </a:p>
-          <a:p>
-            <a:pPr lvl="2"/>
-            <a:r>
               <a:rPr lang="en-GB" sz="1800" dirty="0"/>
-              <a:t> Threads are locked for about 100 byte-code instructions</a:t>
-            </a:r>
-          </a:p>
-          <a:p>
-            <a:pPr lvl="2"/>
+              <a:t>Python is not multi-threaded - C modules can multi-thread</a:t>
+            </a:r>
+          </a:p>
+          <a:p>
+            <a:pPr marL="715963" lvl="2" indent="-350838">
+              <a:buFont typeface="Courier New" panose="02070309020205020404" pitchFamily="49" charset="0"/>
+              <a:buChar char="o"/>
+            </a:pPr>
             <a:r>
               <a:rPr lang="en-GB" sz="1800" dirty="0"/>
-              <a:t> Simplifies and protects the interpreter</a:t>
-            </a:r>
-          </a:p>
-          <a:p>
-            <a:pPr lvl="1">
-              <a:buFont typeface="Arial" panose="020B0604020202020204" pitchFamily="34" charset="0"/>
-              <a:buChar char="•"/>
-            </a:pPr>
-            <a:r>
-              <a:rPr lang="en-GB" dirty="0"/>
-              <a:t>The GIL </a:t>
-            </a:r>
-            <a:r>
-              <a:rPr lang="en-GB" i="1" dirty="0"/>
-              <a:t>does not</a:t>
-            </a:r>
-            <a:r>
-              <a:rPr lang="en-GB" dirty="0"/>
-              <a:t> mean that:</a:t>
-            </a:r>
-          </a:p>
-          <a:p>
-            <a:pPr lvl="2"/>
-            <a:r>
-              <a:rPr lang="en-GB" sz="1800" dirty="0"/>
-              <a:t> Python is not multi-threaded - C modules can multi-thread</a:t>
-            </a:r>
-          </a:p>
-          <a:p>
-            <a:pPr lvl="2"/>
-            <a:r>
-              <a:rPr lang="en-GB" sz="1800" dirty="0"/>
-              <a:t> You don't need to worry about locking - you certainly do!</a:t>
+              <a:t>You don't need to worry about locking - you certainly do!</a:t>
             </a:r>
           </a:p>
           <a:p>
@@ -33661,6 +33836,13 @@
             <a:headEnd/>
             <a:tailEnd/>
           </a:ln>
+          <a:effectLst>
+            <a:outerShdw blurRad="50800" dist="38100" dir="2700000" algn="tl" rotWithShape="0">
+              <a:prstClr val="black">
+                <a:alpha val="40000"/>
+              </a:prstClr>
+            </a:outerShdw>
+          </a:effectLst>
         </p:spPr>
         <p:txBody>
           <a:bodyPr wrap="none" anchor="ctr"/>
@@ -33746,42 +33928,38 @@
           <a:bodyPr/>
           <a:lstStyle/>
           <a:p>
-            <a:pPr marL="342900" indent="-342900">
+            <a:r>
+              <a:rPr lang="en-GB" b="1" dirty="0"/>
+              <a:t>Uses processes rather than threads</a:t>
+            </a:r>
+          </a:p>
+          <a:p>
+            <a:pPr marL="441325" lvl="1" indent="-258763">
               <a:buFont typeface="Arial" panose="020B0604020202020204" pitchFamily="34" charset="0"/>
               <a:buChar char="•"/>
             </a:pPr>
             <a:r>
-              <a:rPr lang="en-GB" b="1" dirty="0"/>
-              <a:t>Uses processes rather than threads</a:t>
-            </a:r>
-          </a:p>
-          <a:p>
-            <a:pPr lvl="1">
+              <a:rPr lang="en-GB" sz="1800" dirty="0"/>
+              <a:t>Default number of processes is one for each core</a:t>
+            </a:r>
+          </a:p>
+          <a:p>
+            <a:pPr marL="441325" lvl="1" indent="-258763">
               <a:buFont typeface="Arial" panose="020B0604020202020204" pitchFamily="34" charset="0"/>
               <a:buChar char="•"/>
             </a:pPr>
             <a:r>
-              <a:rPr lang="en-GB" dirty="0"/>
-              <a:t>Default number of processes is one for each core</a:t>
-            </a:r>
-          </a:p>
-          <a:p>
-            <a:pPr lvl="1">
+              <a:rPr lang="en-GB" sz="1800" dirty="0"/>
+              <a:t>Also supports process pools, and processes across systems</a:t>
+            </a:r>
+          </a:p>
+          <a:p>
+            <a:pPr marL="441325" lvl="1" indent="-258763">
               <a:buFont typeface="Arial" panose="020B0604020202020204" pitchFamily="34" charset="0"/>
               <a:buChar char="•"/>
             </a:pPr>
             <a:r>
-              <a:rPr lang="en-GB" dirty="0"/>
-              <a:t>Also supports process pools, and processes across systems</a:t>
-            </a:r>
-          </a:p>
-          <a:p>
-            <a:pPr lvl="1">
-              <a:buFont typeface="Arial" panose="020B0604020202020204" pitchFamily="34" charset="0"/>
-              <a:buChar char="•"/>
-            </a:pPr>
-            <a:r>
-              <a:rPr lang="en-GB" dirty="0"/>
+              <a:rPr lang="en-GB" sz="1800" dirty="0"/>
               <a:t>Pipes and queues for synchronised communication</a:t>
             </a:r>
           </a:p>
@@ -33797,7 +33975,7 @@
         </p:nvSpPr>
         <p:spPr bwMode="auto">
           <a:xfrm>
-            <a:off x="1094202" y="2975475"/>
+            <a:off x="758922" y="2948670"/>
             <a:ext cx="5974713" cy="3662541"/>
           </a:xfrm>
           <a:prstGeom prst="rect">
@@ -33817,7 +33995,13 @@
             <a:headEnd/>
             <a:tailEnd/>
           </a:ln>
-          <a:effectLst/>
+          <a:effectLst>
+            <a:outerShdw blurRad="50800" dist="38100" dir="2700000" algn="tl" rotWithShape="0">
+              <a:prstClr val="black">
+                <a:alpha val="40000"/>
+              </a:prstClr>
+            </a:outerShdw>
+          </a:effectLst>
         </p:spPr>
         <p:txBody>
           <a:bodyPr wrap="none">
@@ -34202,7 +34386,7 @@
         </p:nvSpPr>
         <p:spPr bwMode="auto">
           <a:xfrm>
-            <a:off x="6096000" y="5727209"/>
+            <a:off x="5690360" y="5833186"/>
             <a:ext cx="2403475" cy="925512"/>
           </a:xfrm>
           <a:prstGeom prst="rect">
@@ -34219,6 +34403,13 @@
             <a:headEnd/>
             <a:tailEnd/>
           </a:ln>
+          <a:effectLst>
+            <a:outerShdw blurRad="50800" dist="38100" dir="2700000" algn="tl" rotWithShape="0">
+              <a:prstClr val="black">
+                <a:alpha val="40000"/>
+              </a:prstClr>
+            </a:outerShdw>
+          </a:effectLst>
         </p:spPr>
         <p:txBody>
           <a:bodyPr wrap="none">
@@ -34458,39 +34649,35 @@
           <a:bodyPr/>
           <a:lstStyle/>
           <a:p>
-            <a:pPr marL="342900" indent="-342900">
+            <a:r>
+              <a:rPr lang="en-GB" b="1" dirty="0"/>
+              <a:t>Used by threads and multiprocessing</a:t>
+            </a:r>
+          </a:p>
+          <a:p>
+            <a:pPr marL="441325" lvl="1" indent="-258763">
               <a:buFont typeface="Arial" panose="020B0604020202020204" pitchFamily="34" charset="0"/>
               <a:buChar char="•"/>
             </a:pPr>
             <a:r>
-              <a:rPr lang="en-GB" b="1" dirty="0"/>
-              <a:t>Used by threads and multiprocessing</a:t>
-            </a:r>
-          </a:p>
-          <a:p>
-            <a:pPr lvl="1">
+              <a:rPr lang="en-GB" sz="1800" dirty="0"/>
+              <a:t>Provides a serialised method of communication</a:t>
+            </a:r>
+          </a:p>
+          <a:p>
+            <a:pPr marL="441325" lvl="1" indent="-258763">
               <a:buFont typeface="Arial" panose="020B0604020202020204" pitchFamily="34" charset="0"/>
               <a:buChar char="•"/>
             </a:pPr>
             <a:r>
-              <a:rPr lang="en-GB" dirty="0"/>
-              <a:t>Provides a serialised method of communication</a:t>
-            </a:r>
-          </a:p>
-          <a:p>
-            <a:pPr lvl="1">
-              <a:buFont typeface="Arial" panose="020B0604020202020204" pitchFamily="34" charset="0"/>
-              <a:buChar char="•"/>
-            </a:pPr>
-            <a:r>
-              <a:rPr lang="en-GB" dirty="0"/>
+              <a:rPr lang="en-GB" sz="1800" dirty="0"/>
               <a:t>multiprocessing also supports </a:t>
             </a:r>
             <a:r>
-              <a:rPr lang="en-GB" dirty="0" err="1"/>
+              <a:rPr lang="en-GB" sz="1800" dirty="0" err="1"/>
               <a:t>JoinableQueue</a:t>
             </a:r>
-            <a:endParaRPr lang="en-GB" dirty="0"/>
+            <a:endParaRPr lang="en-GB" sz="1800" dirty="0"/>
           </a:p>
         </p:txBody>
       </p:sp>
@@ -34504,7 +34691,7 @@
         </p:nvSpPr>
         <p:spPr bwMode="auto">
           <a:xfrm>
-            <a:off x="334489" y="2890797"/>
+            <a:off x="730729" y="2555517"/>
             <a:ext cx="5994400" cy="3579812"/>
           </a:xfrm>
           <a:prstGeom prst="rect">
@@ -34524,7 +34711,13 @@
             <a:headEnd/>
             <a:tailEnd/>
           </a:ln>
-          <a:effectLst/>
+          <a:effectLst>
+            <a:outerShdw blurRad="50800" dist="38100" dir="2700000" algn="tl" rotWithShape="0">
+              <a:prstClr val="black">
+                <a:alpha val="40000"/>
+              </a:prstClr>
+            </a:outerShdw>
+          </a:effectLst>
         </p:spPr>
         <p:txBody>
           <a:bodyPr wrap="none">
@@ -34879,7 +35072,7 @@
         </p:nvSpPr>
         <p:spPr bwMode="auto">
           <a:xfrm>
-            <a:off x="6057426" y="4813260"/>
+            <a:off x="6291424" y="4514809"/>
             <a:ext cx="1798638" cy="650875"/>
           </a:xfrm>
           <a:prstGeom prst="rect">
@@ -34896,6 +35089,13 @@
             <a:headEnd/>
             <a:tailEnd/>
           </a:ln>
+          <a:effectLst>
+            <a:outerShdw blurRad="50800" dist="38100" dir="2700000" algn="tl" rotWithShape="0">
+              <a:prstClr val="black">
+                <a:alpha val="40000"/>
+              </a:prstClr>
+            </a:outerShdw>
+          </a:effectLst>
         </p:spPr>
         <p:txBody>
           <a:bodyPr>
@@ -35017,7 +35217,7 @@
         </p:nvSpPr>
         <p:spPr bwMode="auto">
           <a:xfrm flipH="1">
-            <a:off x="4701701" y="5165684"/>
+            <a:off x="5199224" y="4840246"/>
             <a:ext cx="1092200" cy="0"/>
           </a:xfrm>
           <a:prstGeom prst="line">
@@ -35034,7 +35234,7 @@
           </a:ln>
           <a:extLst>
             <a:ext uri="{909E8E84-426E-40dd-AFC4-6F175D3DCCD1}">
-              <a14:hiddenFill xmlns:a14="http://schemas.microsoft.com/office/drawing/2010/main" xmlns="">
+              <a14:hiddenFill xmlns="" xmlns:a14="http://schemas.microsoft.com/office/drawing/2010/main">
                 <a:noFill/>
               </a14:hiddenFill>
             </a:ext>
@@ -35124,7 +35324,7 @@
           <a:bodyPr/>
           <a:lstStyle/>
           <a:p>
-            <a:endParaRPr lang="en-GB"/>
+            <a:endParaRPr lang="en-GB" dirty="0"/>
           </a:p>
         </p:txBody>
       </p:sp>
@@ -35138,7 +35338,7 @@
         </p:nvSpPr>
         <p:spPr bwMode="auto">
           <a:xfrm>
-            <a:off x="2287589" y="1312864"/>
+            <a:off x="721412" y="1368256"/>
             <a:ext cx="7215437" cy="5078313"/>
           </a:xfrm>
           <a:prstGeom prst="rect">
@@ -35158,7 +35358,13 @@
             <a:headEnd/>
             <a:tailEnd/>
           </a:ln>
-          <a:effectLst/>
+          <a:effectLst>
+            <a:outerShdw blurRad="50800" dist="38100" dir="2700000" algn="tl" rotWithShape="0">
+              <a:prstClr val="black">
+                <a:alpha val="40000"/>
+              </a:prstClr>
+            </a:outerShdw>
+          </a:effectLst>
         </p:spPr>
         <p:txBody>
           <a:bodyPr wrap="none">
@@ -35547,7 +35753,7 @@
         </p:nvSpPr>
         <p:spPr bwMode="auto">
           <a:xfrm>
-            <a:off x="7937500" y="3649664"/>
+            <a:off x="7856538" y="3649664"/>
             <a:ext cx="1798638" cy="650875"/>
           </a:xfrm>
           <a:prstGeom prst="rect">
@@ -35564,6 +35770,13 @@
             <a:headEnd/>
             <a:tailEnd/>
           </a:ln>
+          <a:effectLst>
+            <a:outerShdw blurRad="50800" dist="38100" dir="2700000" algn="tl" rotWithShape="0">
+              <a:prstClr val="black">
+                <a:alpha val="40000"/>
+              </a:prstClr>
+            </a:outerShdw>
+          </a:effectLst>
         </p:spPr>
         <p:txBody>
           <a:bodyPr>
@@ -35685,8 +35898,8 @@
         </p:nvSpPr>
         <p:spPr bwMode="auto">
           <a:xfrm flipH="1">
-            <a:off x="7046914" y="3978275"/>
-            <a:ext cx="890587" cy="0"/>
+            <a:off x="5386386" y="3975103"/>
+            <a:ext cx="2470151" cy="3172"/>
           </a:xfrm>
           <a:prstGeom prst="line">
             <a:avLst/>
@@ -35702,14 +35915,14 @@
           </a:ln>
           <a:extLst>
             <a:ext uri="{909E8E84-426E-40dd-AFC4-6F175D3DCCD1}">
-              <a14:hiddenFill xmlns:a14="http://schemas.microsoft.com/office/drawing/2010/main" xmlns="">
+              <a14:hiddenFill xmlns="" xmlns:a14="http://schemas.microsoft.com/office/drawing/2010/main">
                 <a:noFill/>
               </a14:hiddenFill>
             </a:ext>
           </a:extLst>
         </p:spPr>
         <p:txBody>
-          <a:bodyPr>
+          <a:bodyPr wrap="square">
             <a:spAutoFit/>
           </a:bodyPr>
           <a:lstStyle/>
@@ -35745,7 +35958,7 @@
           </a:ln>
           <a:extLst>
             <a:ext uri="{909E8E84-426E-40dd-AFC4-6F175D3DCCD1}">
-              <a14:hiddenFill xmlns:a14="http://schemas.microsoft.com/office/drawing/2010/main" xmlns="">
+              <a14:hiddenFill xmlns="" xmlns:a14="http://schemas.microsoft.com/office/drawing/2010/main">
                 <a:noFill/>
               </a14:hiddenFill>
             </a:ext>
@@ -35771,7 +35984,7 @@
         </p:nvSpPr>
         <p:spPr bwMode="auto">
           <a:xfrm>
-            <a:off x="7761288" y="4629151"/>
+            <a:off x="7856538" y="4547692"/>
             <a:ext cx="2233612" cy="925513"/>
           </a:xfrm>
           <a:prstGeom prst="rect">
@@ -35788,6 +36001,13 @@
             <a:headEnd/>
             <a:tailEnd/>
           </a:ln>
+          <a:effectLst>
+            <a:outerShdw blurRad="50800" dist="38100" dir="2700000" algn="tl" rotWithShape="0">
+              <a:prstClr val="black">
+                <a:alpha val="40000"/>
+              </a:prstClr>
+            </a:outerShdw>
+          </a:effectLst>
         </p:spPr>
         <p:txBody>
           <a:bodyPr>
@@ -35951,14 +36171,14 @@
           </a:ln>
           <a:extLst>
             <a:ext uri="{909E8E84-426E-40dd-AFC4-6F175D3DCCD1}">
-              <a14:hiddenFill xmlns:a14="http://schemas.microsoft.com/office/drawing/2010/main" xmlns="">
+              <a14:hiddenFill xmlns="" xmlns:a14="http://schemas.microsoft.com/office/drawing/2010/main">
                 <a:solidFill>
                   <a:srgbClr val="FFFFFF"/>
                 </a:solidFill>
               </a14:hiddenFill>
             </a:ext>
             <a:ext uri="{91240B29-F687-4f45-9708-019B960494DF}">
-              <a14:hiddenLine xmlns:a14="http://schemas.microsoft.com/office/drawing/2010/main" xmlns="" w="12700">
+              <a14:hiddenLine xmlns="" xmlns:a14="http://schemas.microsoft.com/office/drawing/2010/main" w="12700">
                 <a:solidFill>
                   <a:srgbClr val="000000"/>
                 </a:solidFill>
@@ -35999,14 +36219,14 @@
           </a:ln>
           <a:extLst>
             <a:ext uri="{909E8E84-426E-40dd-AFC4-6F175D3DCCD1}">
-              <a14:hiddenFill xmlns:a14="http://schemas.microsoft.com/office/drawing/2010/main" xmlns="">
+              <a14:hiddenFill xmlns="" xmlns:a14="http://schemas.microsoft.com/office/drawing/2010/main">
                 <a:solidFill>
                   <a:srgbClr val="FFFFFF"/>
                 </a:solidFill>
               </a14:hiddenFill>
             </a:ext>
             <a:ext uri="{91240B29-F687-4f45-9708-019B960494DF}">
-              <a14:hiddenLine xmlns:a14="http://schemas.microsoft.com/office/drawing/2010/main" xmlns="" w="12700">
+              <a14:hiddenLine xmlns="" xmlns:a14="http://schemas.microsoft.com/office/drawing/2010/main" w="12700">
                 <a:solidFill>
                   <a:srgbClr val="000000"/>
                 </a:solidFill>
@@ -36241,82 +36461,66 @@
         </p:nvSpPr>
         <p:spPr>
           <a:xfrm>
-            <a:off x="5037137" y="1349984"/>
-            <a:ext cx="6553179" cy="4094163"/>
+            <a:off x="4876801" y="1349984"/>
+            <a:ext cx="6930416" cy="4746016"/>
           </a:xfrm>
         </p:spPr>
         <p:txBody>
           <a:bodyPr/>
           <a:lstStyle/>
           <a:p>
-            <a:pPr marL="342900" indent="-342900">
+            <a:r>
+              <a:rPr lang="en-GB" b="1" dirty="0"/>
+              <a:t>Running a program using the older interfaces was platform specific</a:t>
+            </a:r>
+          </a:p>
+          <a:p>
+            <a:pPr marL="365125" lvl="1" indent="-273050"/>
+            <a:r>
+              <a:rPr lang="en-GB" dirty="0"/>
+              <a:t>These functions are now considered deprecated</a:t>
+            </a:r>
+          </a:p>
+          <a:p>
+            <a:r>
+              <a:rPr lang="en-GB" b="1" dirty="0"/>
+              <a:t>The subprocess module, and the </a:t>
+            </a:r>
+            <a:r>
+              <a:rPr lang="en-GB" b="1" dirty="0" err="1"/>
+              <a:t>Popen</a:t>
+            </a:r>
+            <a:r>
+              <a:rPr lang="en-GB" b="1" dirty="0"/>
+              <a:t> method, provides a more unified approach</a:t>
+            </a:r>
+          </a:p>
+          <a:p>
+            <a:pPr marL="365125" lvl="1" indent="-273050"/>
+            <a:r>
+              <a:rPr lang="en-GB" sz="1800" dirty="0"/>
+              <a:t>Although, there are still platform specific methods</a:t>
+            </a:r>
+          </a:p>
+          <a:p>
+            <a:r>
+              <a:rPr lang="en-GB" b="1" dirty="0"/>
+              <a:t>The communicate method can be used to pass data through pipes</a:t>
+            </a:r>
+          </a:p>
+          <a:p>
+            <a:r>
+              <a:rPr lang="en-GB" b="1" dirty="0"/>
+              <a:t>Threads can create more problems than they solve</a:t>
+            </a:r>
+          </a:p>
+          <a:p>
+            <a:pPr marL="365125" indent="-273050">
               <a:buFont typeface="Arial" panose="020B0604020202020204" pitchFamily="34" charset="0"/>
               <a:buChar char="•"/>
             </a:pPr>
             <a:r>
-              <a:rPr lang="en-GB" b="1" dirty="0"/>
-              <a:t>Running a program using the older interfaces was platform specific</a:t>
-            </a:r>
-          </a:p>
-          <a:p>
-            <a:pPr lvl="1"/>
-            <a:r>
-              <a:rPr lang="en-GB" dirty="0"/>
-              <a:t>These functions are now considered deprecated</a:t>
-            </a:r>
-          </a:p>
-          <a:p>
-            <a:pPr marL="342900" indent="-342900">
-              <a:buFont typeface="Arial" panose="020B0604020202020204" pitchFamily="34" charset="0"/>
-              <a:buChar char="•"/>
-            </a:pPr>
-            <a:r>
-              <a:rPr lang="en-GB" b="1" dirty="0"/>
-              <a:t>The subprocess module, and the </a:t>
-            </a:r>
-            <a:r>
-              <a:rPr lang="en-GB" b="1" dirty="0" err="1"/>
-              <a:t>Popen</a:t>
-            </a:r>
-            <a:r>
-              <a:rPr lang="en-GB" b="1" dirty="0"/>
-              <a:t> method, provides a more unified approach</a:t>
-            </a:r>
-          </a:p>
-          <a:p>
-            <a:pPr lvl="1"/>
-            <a:r>
-              <a:rPr lang="en-GB" dirty="0"/>
-              <a:t>Although, there are still platform specific methods</a:t>
-            </a:r>
-          </a:p>
-          <a:p>
-            <a:pPr marL="342900" indent="-342900">
-              <a:buFont typeface="Arial" panose="020B0604020202020204" pitchFamily="34" charset="0"/>
-              <a:buChar char="•"/>
-            </a:pPr>
-            <a:r>
-              <a:rPr lang="en-GB" b="1" dirty="0"/>
-              <a:t>The communicate method can be used to pass data through pipes</a:t>
-            </a:r>
-          </a:p>
-          <a:p>
-            <a:pPr marL="342900" indent="-342900">
-              <a:buFont typeface="Arial" panose="020B0604020202020204" pitchFamily="34" charset="0"/>
-              <a:buChar char="•"/>
-            </a:pPr>
-            <a:r>
-              <a:rPr lang="en-GB" b="1" dirty="0"/>
-              <a:t>Threads can create more problems than they solve</a:t>
-            </a:r>
-          </a:p>
-          <a:p>
-            <a:pPr marL="342900" indent="-342900">
-              <a:buFont typeface="Arial" panose="020B0604020202020204" pitchFamily="34" charset="0"/>
-              <a:buChar char="•"/>
-            </a:pPr>
-            <a:r>
-              <a:rPr lang="en-GB" b="1" dirty="0"/>
+              <a:rPr lang="en-GB" sz="1800" dirty="0"/>
               <a:t>For true multiprocessing, consider another way</a:t>
             </a:r>
           </a:p>
@@ -36347,14 +36551,14 @@
           </a:ln>
           <a:extLst>
             <a:ext uri="{909E8E84-426E-40dd-AFC4-6F175D3DCCD1}">
-              <a14:hiddenFill xmlns:a14="http://schemas.microsoft.com/office/drawing/2010/main" xmlns="">
+              <a14:hiddenFill xmlns="" xmlns:a14="http://schemas.microsoft.com/office/drawing/2010/main">
                 <a:solidFill>
                   <a:srgbClr val="FFFFFF"/>
                 </a:solidFill>
               </a14:hiddenFill>
             </a:ext>
             <a:ext uri="{91240B29-F687-4f45-9708-019B960494DF}">
-              <a14:hiddenLine xmlns:a14="http://schemas.microsoft.com/office/drawing/2010/main" xmlns="" w="9525">
+              <a14:hiddenLine xmlns="" xmlns:a14="http://schemas.microsoft.com/office/drawing/2010/main" w="9525">
                 <a:solidFill>
                   <a:srgbClr val="000000"/>
                 </a:solidFill>
@@ -36529,14 +36733,14 @@
           </a:ln>
           <a:extLst>
             <a:ext uri="{909E8E84-426E-40dd-AFC4-6F175D3DCCD1}">
-              <a14:hiddenFill xmlns="" xmlns:a14="http://schemas.microsoft.com/office/drawing/2010/main">
+              <a14:hiddenFill xmlns:a14="http://schemas.microsoft.com/office/drawing/2010/main" xmlns="">
                 <a:solidFill>
                   <a:srgbClr val="FFFFFF"/>
                 </a:solidFill>
               </a14:hiddenFill>
             </a:ext>
             <a:ext uri="{91240B29-F687-4f45-9708-019B960494DF}">
-              <a14:hiddenLine xmlns="" xmlns:a14="http://schemas.microsoft.com/office/drawing/2010/main" w="12700">
+              <a14:hiddenLine xmlns:a14="http://schemas.microsoft.com/office/drawing/2010/main" xmlns="" w="12700">
                 <a:solidFill>
                   <a:srgbClr val="000000"/>
                 </a:solidFill>
@@ -36577,14 +36781,14 @@
           </a:ln>
           <a:extLst>
             <a:ext uri="{909E8E84-426E-40dd-AFC4-6F175D3DCCD1}">
-              <a14:hiddenFill xmlns="" xmlns:a14="http://schemas.microsoft.com/office/drawing/2010/main">
+              <a14:hiddenFill xmlns:a14="http://schemas.microsoft.com/office/drawing/2010/main" xmlns="">
                 <a:solidFill>
                   <a:srgbClr val="FFFFFF"/>
                 </a:solidFill>
               </a14:hiddenFill>
             </a:ext>
             <a:ext uri="{91240B29-F687-4f45-9708-019B960494DF}">
-              <a14:hiddenLine xmlns="" xmlns:a14="http://schemas.microsoft.com/office/drawing/2010/main" w="12700">
+              <a14:hiddenLine xmlns:a14="http://schemas.microsoft.com/office/drawing/2010/main" xmlns="" w="12700">
                 <a:solidFill>
                   <a:srgbClr val="000000"/>
                 </a:solidFill>
@@ -36800,12 +37004,12 @@
             </a:r>
           </a:p>
           <a:p>
-            <a:pPr lvl="2">
+            <a:pPr marL="441325" lvl="2" indent="-258763">
               <a:buFont typeface="Arial" panose="020B0604020202020204" pitchFamily="34" charset="0"/>
               <a:buChar char="•"/>
             </a:pPr>
             <a:r>
-              <a:rPr lang="en-GB" sz="1600" dirty="0">
+              <a:rPr lang="en-GB" sz="1800" dirty="0">
                 <a:solidFill>
                   <a:srgbClr val="222222"/>
                 </a:solidFill>
@@ -36814,7 +37018,7 @@
               <a:t>U</a:t>
             </a:r>
             <a:r>
-              <a:rPr lang="en-GB" sz="1600" b="0" i="0" dirty="0">
+              <a:rPr lang="en-GB" sz="1800" b="0" i="0" dirty="0">
                 <a:solidFill>
                   <a:srgbClr val="222222"/>
                 </a:solidFill>
@@ -36825,9 +37029,12 @@
             </a:r>
           </a:p>
           <a:p>
-            <a:pPr lvl="5"/>
-            <a:r>
-              <a:rPr lang="en-GB" sz="1400" b="0" i="0" dirty="0">
+            <a:pPr marL="808038" lvl="5" indent="-366713">
+              <a:buFont typeface="Courier New" panose="02070309020205020404" pitchFamily="49" charset="0"/>
+              <a:buChar char="o"/>
+            </a:pPr>
+            <a:r>
+              <a:rPr lang="en-GB" sz="1600" b="0" i="0" dirty="0">
                 <a:solidFill>
                   <a:srgbClr val="222222"/>
                 </a:solidFill>
@@ -36838,9 +37045,12 @@
             </a:r>
           </a:p>
           <a:p>
-            <a:pPr lvl="5"/>
-            <a:r>
-              <a:rPr lang="en-GB" sz="1400" b="0" i="0" dirty="0">
+            <a:pPr marL="808038" lvl="5" indent="-366713">
+              <a:buFont typeface="Courier New" panose="02070309020205020404" pitchFamily="49" charset="0"/>
+              <a:buChar char="o"/>
+            </a:pPr>
+            <a:r>
+              <a:rPr lang="en-GB" sz="1600" b="0" i="0" dirty="0">
                 <a:solidFill>
                   <a:srgbClr val="222222"/>
                 </a:solidFill>
@@ -36851,9 +37061,12 @@
             </a:r>
           </a:p>
           <a:p>
-            <a:pPr lvl="5"/>
-            <a:r>
-              <a:rPr lang="en-GB" sz="1400" b="0" i="0" dirty="0">
+            <a:pPr marL="808038" lvl="5" indent="-366713">
+              <a:buFont typeface="Courier New" panose="02070309020205020404" pitchFamily="49" charset="0"/>
+              <a:buChar char="o"/>
+            </a:pPr>
+            <a:r>
+              <a:rPr lang="en-GB" sz="1600" b="0" i="0" dirty="0">
                 <a:solidFill>
                   <a:srgbClr val="222222"/>
                 </a:solidFill>
@@ -36863,14 +37076,14 @@
               <a:t>Provide </a:t>
             </a:r>
             <a:r>
-              <a:rPr lang="en-GB" sz="1400" dirty="0">
+              <a:rPr lang="en-GB" sz="1600" dirty="0">
                 <a:solidFill>
                   <a:srgbClr val="222222"/>
                 </a:solidFill>
               </a:rPr>
               <a:t>Distribution of tasks via queues</a:t>
             </a:r>
-            <a:endParaRPr lang="en-GB" sz="1400" b="0" i="0" dirty="0">
+            <a:endParaRPr lang="en-GB" sz="1600" b="0" i="0" dirty="0">
               <a:solidFill>
                 <a:srgbClr val="222222"/>
               </a:solidFill>
@@ -36905,12 +37118,12 @@
             </a:r>
           </a:p>
           <a:p>
-            <a:pPr lvl="2">
+            <a:pPr marL="441325" lvl="2" indent="-258763">
               <a:buFont typeface="Arial" panose="020B0604020202020204" pitchFamily="34" charset="0"/>
               <a:buChar char="•"/>
             </a:pPr>
             <a:r>
-              <a:rPr lang="en-GB" sz="1600" dirty="0">
+              <a:rPr lang="en-GB" sz="1800" dirty="0">
                 <a:solidFill>
                   <a:srgbClr val="222222"/>
                 </a:solidFill>
@@ -36920,12 +37133,12 @@
             </a:r>
           </a:p>
           <a:p>
-            <a:pPr lvl="2">
+            <a:pPr marL="441325" lvl="2" indent="-258763">
               <a:buFont typeface="Arial" panose="020B0604020202020204" pitchFamily="34" charset="0"/>
               <a:buChar char="•"/>
             </a:pPr>
             <a:r>
-              <a:rPr lang="en-GB" sz="1600" b="0" i="0" dirty="0">
+              <a:rPr lang="en-GB" sz="1800" b="0" i="0" dirty="0">
                 <a:solidFill>
                   <a:srgbClr val="222222"/>
                 </a:solidFill>
@@ -36936,12 +37149,12 @@
             </a:r>
           </a:p>
           <a:p>
-            <a:pPr lvl="2">
+            <a:pPr marL="441325" lvl="2" indent="-258763">
               <a:buFont typeface="Arial" panose="020B0604020202020204" pitchFamily="34" charset="0"/>
               <a:buChar char="•"/>
             </a:pPr>
             <a:r>
-              <a:rPr lang="en-GB" sz="1600" dirty="0">
+              <a:rPr lang="en-GB" sz="1800" dirty="0">
                 <a:solidFill>
                   <a:srgbClr val="222222"/>
                 </a:solidFill>
@@ -36951,12 +37164,12 @@
             </a:r>
           </a:p>
           <a:p>
-            <a:pPr lvl="2">
+            <a:pPr marL="441325" lvl="2" indent="-258763">
               <a:buFont typeface="Arial" panose="020B0604020202020204" pitchFamily="34" charset="0"/>
               <a:buChar char="•"/>
             </a:pPr>
             <a:r>
-              <a:rPr lang="en-GB" sz="1600" b="0" i="0" dirty="0">
+              <a:rPr lang="en-GB" sz="1800" b="0" i="0" dirty="0">
                 <a:solidFill>
                   <a:srgbClr val="222222"/>
                 </a:solidFill>
@@ -36966,7 +37179,7 @@
               <a:t>Distribute tasks </a:t>
             </a:r>
             <a:r>
-              <a:rPr lang="en-GB" sz="1600" dirty="0">
+              <a:rPr lang="en-GB" sz="1800" dirty="0">
                 <a:solidFill>
                   <a:srgbClr val="222222"/>
                 </a:solidFill>
@@ -36976,12 +37189,12 @@
             </a:r>
           </a:p>
           <a:p>
-            <a:pPr lvl="2">
+            <a:pPr marL="441325" lvl="2" indent="-258763">
               <a:buFont typeface="Arial" panose="020B0604020202020204" pitchFamily="34" charset="0"/>
               <a:buChar char="•"/>
             </a:pPr>
             <a:r>
-              <a:rPr lang="en-GB" sz="1600" b="0" i="0" dirty="0">
+              <a:rPr lang="en-GB" sz="1800" b="0" i="0" dirty="0">
                 <a:solidFill>
                   <a:srgbClr val="222222"/>
                 </a:solidFill>
@@ -37046,7 +37259,7 @@
           <a:p>
             <a:r>
               <a:rPr lang="en-GB" dirty="0"/>
-              <a:t>Async language</a:t>
+              <a:t>Async Syntax</a:t>
             </a:r>
           </a:p>
         </p:txBody>
@@ -37064,7 +37277,7 @@
         <p:spPr>
           <a:xfrm>
             <a:off x="341272" y="1368256"/>
-            <a:ext cx="11516239" cy="4097824"/>
+            <a:ext cx="11516239" cy="5276384"/>
           </a:xfrm>
         </p:spPr>
         <p:txBody>
@@ -37077,15 +37290,15 @@
               <a:buNone/>
             </a:pPr>
             <a:r>
-              <a:rPr lang="en-GB" sz="1800" b="1" dirty="0"/>
+              <a:rPr lang="en-GB" b="1" dirty="0"/>
               <a:t>Firstly, </a:t>
             </a:r>
             <a:r>
-              <a:rPr lang="en-GB" sz="1800" b="1" dirty="0" err="1"/>
+              <a:rPr lang="en-GB" b="1" dirty="0" err="1"/>
               <a:t>asyncio</a:t>
             </a:r>
             <a:r>
-              <a:rPr lang="en-GB" sz="1800" b="1" dirty="0"/>
+              <a:rPr lang="en-GB" b="1" dirty="0"/>
               <a:t> needs to be imported </a:t>
             </a:r>
           </a:p>
@@ -37116,14 +37329,58 @@
               <a:buNone/>
             </a:pPr>
             <a:r>
-              <a:rPr lang="en-GB" sz="1600" dirty="0">
+              <a:rPr lang="en-GB" b="1" dirty="0">
                 <a:solidFill>
                   <a:srgbClr val="222222"/>
                 </a:solidFill>
                 <a:latin typeface="+mn-lt"/>
               </a:rPr>
-              <a:t>Once imported, there are a pieces of syntax which will change the way your programs operate:</a:t>
-            </a:r>
+              <a:t>Async statements will change the way your programs operate:</a:t>
+            </a:r>
+            <a:endParaRPr lang="en-GB" b="1" i="0" dirty="0">
+              <a:solidFill>
+                <a:srgbClr val="222222"/>
+              </a:solidFill>
+              <a:effectLst/>
+              <a:latin typeface="+mn-lt"/>
+            </a:endParaRPr>
+          </a:p>
+          <a:p>
+            <a:pPr marL="441325" lvl="2" indent="-258763">
+              <a:buFont typeface="Arial" panose="020B0604020202020204" pitchFamily="34" charset="0"/>
+              <a:buChar char="•"/>
+            </a:pPr>
+            <a:r>
+              <a:rPr lang="en-GB" sz="1800" b="1" i="0" dirty="0">
+                <a:solidFill>
+                  <a:srgbClr val="222222"/>
+                </a:solidFill>
+                <a:effectLst/>
+                <a:latin typeface="+mn-lt"/>
+              </a:rPr>
+              <a:t>async</a:t>
+            </a:r>
+            <a:r>
+              <a:rPr lang="en-GB" sz="1800" i="0" dirty="0">
+                <a:solidFill>
+                  <a:srgbClr val="222222"/>
+                </a:solidFill>
+                <a:effectLst/>
+                <a:latin typeface="+mn-lt"/>
+              </a:rPr>
+              <a:t> – a piece of code which tells python that the object can be used asynchronously </a:t>
+            </a:r>
+          </a:p>
+          <a:p>
+            <a:pPr marL="88900" lvl="2" indent="0">
+              <a:buNone/>
+            </a:pPr>
+            <a:endParaRPr lang="en-GB" sz="1600" dirty="0">
+              <a:solidFill>
+                <a:srgbClr val="222222"/>
+              </a:solidFill>
+              <a:latin typeface="+mn-lt"/>
+            </a:endParaRPr>
           </a:p>
           <a:p>
             <a:pPr marL="88900" lvl="2" indent="0">
@@ -37141,15 +37398,37 @@
             <a:pPr marL="88900" lvl="2" indent="0">
               <a:buNone/>
             </a:pPr>
-            <a:r>
-              <a:rPr lang="en-GB" sz="1600" i="0" dirty="0">
+            <a:endParaRPr lang="en-GB" sz="1600" dirty="0">
+              <a:solidFill>
+                <a:srgbClr val="222222"/>
+              </a:solidFill>
+              <a:latin typeface="+mn-lt"/>
+            </a:endParaRPr>
+          </a:p>
+          <a:p>
+            <a:pPr marL="441325" lvl="2" indent="-258763">
+              <a:buFont typeface="Arial" panose="020B0604020202020204" pitchFamily="34" charset="0"/>
+              <a:buChar char="•"/>
+            </a:pPr>
+            <a:r>
+              <a:rPr lang="en-GB" sz="1800" b="1" i="0" dirty="0">
                 <a:solidFill>
                   <a:srgbClr val="222222"/>
                 </a:solidFill>
                 <a:effectLst/>
                 <a:latin typeface="+mn-lt"/>
               </a:rPr>
-              <a:t>async – a piece of code which tells python that the object can be used asynchronously </a:t>
+              <a:t>await</a:t>
+            </a:r>
+            <a:r>
+              <a:rPr lang="en-GB" sz="1800" i="0" dirty="0">
+                <a:solidFill>
+                  <a:srgbClr val="222222"/>
+                </a:solidFill>
+                <a:effectLst/>
+                <a:latin typeface="+mn-lt"/>
+              </a:rPr>
+              <a:t> – this tells the code to pause and wait for something to happen</a:t>
             </a:r>
           </a:p>
           <a:p>
@@ -37167,39 +37446,12 @@
             <a:pPr marL="88900" lvl="2" indent="0">
               <a:buNone/>
             </a:pPr>
-            <a:endParaRPr lang="en-GB" sz="1600" i="0" dirty="0">
-              <a:solidFill>
-                <a:srgbClr val="222222"/>
-              </a:solidFill>
-              <a:effectLst/>
-              <a:latin typeface="+mn-lt"/>
-            </a:endParaRPr>
-          </a:p>
-          <a:p>
-            <a:pPr marL="88900" lvl="2" indent="0">
-              <a:buNone/>
-            </a:pPr>
             <a:endParaRPr lang="en-GB" sz="1600" dirty="0">
               <a:solidFill>
                 <a:srgbClr val="222222"/>
               </a:solidFill>
               <a:latin typeface="+mn-lt"/>
             </a:endParaRPr>
-          </a:p>
-          <a:p>
-            <a:pPr marL="88900" lvl="2" indent="0">
-              <a:buNone/>
-            </a:pPr>
-            <a:r>
-              <a:rPr lang="en-GB" sz="1600" i="0" dirty="0">
-                <a:solidFill>
-                  <a:srgbClr val="222222"/>
-                </a:solidFill>
-                <a:effectLst/>
-                <a:latin typeface="+mn-lt"/>
-              </a:rPr>
-              <a:t>await – this tells the code to pause and wait for something to happen</a:t>
-            </a:r>
           </a:p>
           <a:p>
             <a:pPr marL="88900" lvl="2" indent="0">
@@ -37284,7 +37536,7 @@
         </p:nvSpPr>
         <p:spPr bwMode="auto">
           <a:xfrm>
-            <a:off x="3368360" y="1712367"/>
+            <a:off x="731840" y="1897033"/>
             <a:ext cx="2293138" cy="369332"/>
           </a:xfrm>
           <a:prstGeom prst="rect">
@@ -37304,6 +37556,13 @@
             <a:headEnd/>
             <a:tailEnd/>
           </a:ln>
+          <a:effectLst>
+            <a:outerShdw blurRad="50800" dist="38100" dir="2700000" algn="tl" rotWithShape="0">
+              <a:prstClr val="black">
+                <a:alpha val="40000"/>
+              </a:prstClr>
+            </a:outerShdw>
+          </a:effectLst>
         </p:spPr>
         <p:txBody>
           <a:bodyPr wrap="square">
@@ -37447,7 +37706,7 @@
         </p:nvSpPr>
         <p:spPr bwMode="auto">
           <a:xfrm>
-            <a:off x="3368360" y="3559607"/>
+            <a:off x="731840" y="3304027"/>
             <a:ext cx="3081077" cy="646331"/>
           </a:xfrm>
           <a:prstGeom prst="rect">
@@ -37467,6 +37726,13 @@
             <a:headEnd/>
             <a:tailEnd/>
           </a:ln>
+          <a:effectLst>
+            <a:outerShdw blurRad="50800" dist="38100" dir="2700000" algn="tl" rotWithShape="0">
+              <a:prstClr val="black">
+                <a:alpha val="40000"/>
+              </a:prstClr>
+            </a:outerShdw>
+          </a:effectLst>
         </p:spPr>
         <p:txBody>
           <a:bodyPr wrap="square">
@@ -37614,7 +37880,7 @@
         </p:nvSpPr>
         <p:spPr bwMode="auto">
           <a:xfrm>
-            <a:off x="3368360" y="5489744"/>
+            <a:off x="731839" y="4568561"/>
             <a:ext cx="3081077" cy="923330"/>
           </a:xfrm>
           <a:prstGeom prst="rect">
@@ -37634,6 +37900,13 @@
             <a:headEnd/>
             <a:tailEnd/>
           </a:ln>
+          <a:effectLst>
+            <a:outerShdw blurRad="50800" dist="38100" dir="2700000" algn="tl" rotWithShape="0">
+              <a:prstClr val="black">
+                <a:alpha val="40000"/>
+              </a:prstClr>
+            </a:outerShdw>
+          </a:effectLst>
         </p:spPr>
         <p:txBody>
           <a:bodyPr wrap="square">
@@ -37918,6 +38191,13 @@
             <a:headEnd/>
             <a:tailEnd/>
           </a:ln>
+          <a:effectLst>
+            <a:outerShdw blurRad="50800" dist="38100" dir="2700000" algn="tl" rotWithShape="0">
+              <a:prstClr val="black">
+                <a:alpha val="40000"/>
+              </a:prstClr>
+            </a:outerShdw>
+          </a:effectLst>
         </p:spPr>
         <p:txBody>
           <a:bodyPr wrap="square">
@@ -38220,85 +38500,6 @@
           </a:p>
         </p:txBody>
       </p:sp>
-      <p:sp>
-        <p:nvSpPr>
-          <p:cNvPr id="7" name="TextBox 6">
-            <a:extLst>
-              <a:ext uri="{FF2B5EF4-FFF2-40B4-BE49-F238E27FC236}">
-                <a16:creationId xmlns:a16="http://schemas.microsoft.com/office/drawing/2014/main" id="{3293A948-CE88-31F0-2181-E6E0E5B02664}"/>
-              </a:ext>
-            </a:extLst>
-          </p:cNvPr>
-          <p:cNvSpPr txBox="1"/>
-          <p:nvPr/>
-        </p:nvSpPr>
-        <p:spPr>
-          <a:xfrm>
-            <a:off x="5051900" y="1559761"/>
-            <a:ext cx="1280806" cy="343876"/>
-          </a:xfrm>
-          <a:prstGeom prst="rect">
-            <a:avLst/>
-          </a:prstGeom>
-          <a:ln>
-            <a:solidFill>
-              <a:schemeClr val="tx1"/>
-            </a:solidFill>
-          </a:ln>
-        </p:spPr>
-        <p:txBody>
-          <a:bodyPr vert="horz" wrap="square" lIns="0" tIns="0" rIns="0" bIns="0" rtlCol="0" anchor="t" anchorCtr="0">
-            <a:normAutofit/>
-          </a:bodyPr>
-          <a:lstStyle/>
-          <a:p>
-            <a:pPr algn="l"/>
-            <a:r>
-              <a:rPr lang="en-GB" dirty="0"/>
-              <a:t>Importing </a:t>
-            </a:r>
-          </a:p>
-        </p:txBody>
-      </p:sp>
-      <p:cxnSp>
-        <p:nvCxnSpPr>
-          <p:cNvPr id="11" name="Straight Arrow Connector 10">
-            <a:extLst>
-              <a:ext uri="{FF2B5EF4-FFF2-40B4-BE49-F238E27FC236}">
-                <a16:creationId xmlns:a16="http://schemas.microsoft.com/office/drawing/2014/main" id="{418EFC6F-3680-795D-5865-DCF755F399B0}"/>
-              </a:ext>
-            </a:extLst>
-          </p:cNvPr>
-          <p:cNvCxnSpPr/>
-          <p:nvPr/>
-        </p:nvCxnSpPr>
-        <p:spPr>
-          <a:xfrm flipH="1" flipV="1">
-            <a:off x="2587557" y="1595336"/>
-            <a:ext cx="2305456" cy="175098"/>
-          </a:xfrm>
-          <a:prstGeom prst="straightConnector1">
-            <a:avLst/>
-          </a:prstGeom>
-          <a:ln>
-            <a:tailEnd type="triangle"/>
-          </a:ln>
-        </p:spPr>
-        <p:style>
-          <a:lnRef idx="1">
-            <a:schemeClr val="accent1"/>
-          </a:lnRef>
-          <a:fillRef idx="0">
-            <a:schemeClr val="accent1"/>
-          </a:fillRef>
-          <a:effectRef idx="0">
-            <a:schemeClr val="accent1"/>
-          </a:effectRef>
-          <a:fontRef idx="minor">
-            <a:schemeClr val="tx1"/>
-          </a:fontRef>
-        </p:style>
-      </p:cxnSp>
       <p:sp>
         <p:nvSpPr>
           <p:cNvPr id="12" name="TextBox 11">
@@ -38319,11 +38520,21 @@
           <a:prstGeom prst="rect">
             <a:avLst/>
           </a:prstGeom>
+          <a:solidFill>
+            <a:schemeClr val="bg1"/>
+          </a:solidFill>
           <a:ln>
             <a:solidFill>
               <a:schemeClr val="tx1"/>
             </a:solidFill>
           </a:ln>
+          <a:effectLst>
+            <a:outerShdw blurRad="50800" dist="38100" dir="2700000" algn="tl" rotWithShape="0">
+              <a:prstClr val="black">
+                <a:alpha val="40000"/>
+              </a:prstClr>
+            </a:outerShdw>
+          </a:effectLst>
         </p:spPr>
         <p:txBody>
           <a:bodyPr vert="horz" wrap="square" lIns="0" tIns="0" rIns="0" bIns="0" rtlCol="0" anchor="t" anchorCtr="0">
@@ -38348,13 +38559,16 @@
               </a:ext>
             </a:extLst>
           </p:cNvPr>
-          <p:cNvCxnSpPr/>
+          <p:cNvCxnSpPr>
+            <a:cxnSpLocks/>
+            <a:stCxn id="12" idx="1"/>
+          </p:cNvCxnSpPr>
           <p:nvPr/>
         </p:nvCxnSpPr>
         <p:spPr>
           <a:xfrm flipH="1">
-            <a:off x="2587557" y="2402732"/>
-            <a:ext cx="2042809" cy="0"/>
+            <a:off x="2587557" y="2326020"/>
+            <a:ext cx="2214668" cy="10774"/>
           </a:xfrm>
           <a:prstGeom prst="straightConnector1">
             <a:avLst/>
@@ -38392,21 +38606,31 @@
         </p:nvSpPr>
         <p:spPr>
           <a:xfrm>
-            <a:off x="4698461" y="2679860"/>
-            <a:ext cx="6449438" cy="805001"/>
+            <a:off x="4802224" y="2679861"/>
+            <a:ext cx="6935821" cy="614698"/>
           </a:xfrm>
           <a:prstGeom prst="rect">
             <a:avLst/>
           </a:prstGeom>
+          <a:solidFill>
+            <a:schemeClr val="bg1"/>
+          </a:solidFill>
           <a:ln>
             <a:solidFill>
               <a:schemeClr val="tx1"/>
             </a:solidFill>
           </a:ln>
+          <a:effectLst>
+            <a:outerShdw blurRad="50800" dist="38100" dir="2700000" algn="tl" rotWithShape="0">
+              <a:prstClr val="black">
+                <a:alpha val="40000"/>
+              </a:prstClr>
+            </a:outerShdw>
+          </a:effectLst>
         </p:spPr>
         <p:txBody>
           <a:bodyPr vert="horz" wrap="square" lIns="0" tIns="0" rIns="0" bIns="0" rtlCol="0" anchor="t" anchorCtr="0">
-            <a:normAutofit lnSpcReduction="10000"/>
+            <a:normAutofit/>
           </a:bodyPr>
           <a:lstStyle/>
           <a:p>
@@ -38424,14 +38648,7 @@
             </a:r>
             <a:r>
               <a:rPr lang="en-GB" dirty="0"/>
-              <a:t> lets this paus, but tells all other coroutines </a:t>
-            </a:r>
-          </a:p>
-          <a:p>
-            <a:pPr algn="l"/>
-            <a:r>
-              <a:rPr lang="en-GB" dirty="0"/>
-              <a:t>to continue </a:t>
+              <a:t> lets this pause, but other coroutines continue</a:t>
             </a:r>
           </a:p>
         </p:txBody>
@@ -38445,13 +38662,15 @@
               </a:ext>
             </a:extLst>
           </p:cNvPr>
-          <p:cNvCxnSpPr/>
+          <p:cNvCxnSpPr>
+            <a:cxnSpLocks/>
+          </p:cNvCxnSpPr>
           <p:nvPr/>
         </p:nvCxnSpPr>
         <p:spPr>
-          <a:xfrm flipH="1" flipV="1">
+          <a:xfrm flipH="1">
             <a:off x="4075889" y="2679860"/>
-            <a:ext cx="418290" cy="105917"/>
+            <a:ext cx="726058" cy="0"/>
           </a:xfrm>
           <a:prstGeom prst="straightConnector1">
             <a:avLst/>
@@ -38489,17 +38708,27 @@
         </p:nvSpPr>
         <p:spPr>
           <a:xfrm>
-            <a:off x="4698460" y="3686425"/>
+            <a:off x="4802225" y="3823339"/>
             <a:ext cx="6935821" cy="397641"/>
           </a:xfrm>
           <a:prstGeom prst="rect">
             <a:avLst/>
           </a:prstGeom>
+          <a:solidFill>
+            <a:schemeClr val="bg1"/>
+          </a:solidFill>
           <a:ln>
             <a:solidFill>
               <a:schemeClr val="tx1"/>
             </a:solidFill>
           </a:ln>
+          <a:effectLst>
+            <a:outerShdw blurRad="50800" dist="38100" dir="2700000" algn="tl" rotWithShape="0">
+              <a:prstClr val="black">
+                <a:alpha val="40000"/>
+              </a:prstClr>
+            </a:outerShdw>
+          </a:effectLst>
         </p:spPr>
         <p:txBody>
           <a:bodyPr vert="horz" wrap="square" lIns="0" tIns="0" rIns="0" bIns="0" rtlCol="0" anchor="t" anchorCtr="0">
@@ -38524,13 +38753,16 @@
               </a:ext>
             </a:extLst>
           </p:cNvPr>
-          <p:cNvCxnSpPr/>
+          <p:cNvCxnSpPr>
+            <a:cxnSpLocks/>
+            <a:stCxn id="18" idx="1"/>
+          </p:cNvCxnSpPr>
           <p:nvPr/>
         </p:nvCxnSpPr>
         <p:spPr>
           <a:xfrm flipH="1">
-            <a:off x="3258766" y="3833611"/>
-            <a:ext cx="1215958" cy="151977"/>
+            <a:off x="3258766" y="4022160"/>
+            <a:ext cx="1543459" cy="0"/>
           </a:xfrm>
           <a:prstGeom prst="straightConnector1">
             <a:avLst/>
@@ -38568,17 +38800,27 @@
         </p:nvSpPr>
         <p:spPr>
           <a:xfrm>
-            <a:off x="4494179" y="4662277"/>
+            <a:off x="4801947" y="4842321"/>
             <a:ext cx="7248715" cy="600388"/>
           </a:xfrm>
           <a:prstGeom prst="rect">
             <a:avLst/>
           </a:prstGeom>
+          <a:solidFill>
+            <a:schemeClr val="bg1"/>
+          </a:solidFill>
           <a:ln>
             <a:solidFill>
               <a:schemeClr val="tx1"/>
             </a:solidFill>
           </a:ln>
+          <a:effectLst>
+            <a:outerShdw blurRad="50800" dist="38100" dir="2700000" algn="tl" rotWithShape="0">
+              <a:prstClr val="black">
+                <a:alpha val="40000"/>
+              </a:prstClr>
+            </a:outerShdw>
+          </a:effectLst>
         </p:spPr>
         <p:txBody>
           <a:bodyPr vert="horz" wrap="square" lIns="0" tIns="0" rIns="0" bIns="0" rtlCol="0" anchor="t" anchorCtr="0">
@@ -38607,13 +38849,16 @@
               </a:ext>
             </a:extLst>
           </p:cNvPr>
-          <p:cNvCxnSpPr/>
+          <p:cNvCxnSpPr>
+            <a:cxnSpLocks/>
+            <a:stCxn id="21" idx="1"/>
+          </p:cNvCxnSpPr>
           <p:nvPr/>
         </p:nvCxnSpPr>
         <p:spPr>
           <a:xfrm flipH="1">
-            <a:off x="2811293" y="4979919"/>
-            <a:ext cx="1585609" cy="107005"/>
+            <a:off x="2899709" y="5142515"/>
+            <a:ext cx="1902238" cy="0"/>
           </a:xfrm>
           <a:prstGeom prst="straightConnector1">
             <a:avLst/>
@@ -38653,7 +38898,7 @@
         </p:nvSpPr>
         <p:spPr bwMode="auto">
           <a:xfrm>
-            <a:off x="6036130" y="5337377"/>
+            <a:off x="2899709" y="5414592"/>
             <a:ext cx="1408775" cy="923330"/>
           </a:xfrm>
           <a:prstGeom prst="rect">
@@ -38670,6 +38915,13 @@
             <a:headEnd/>
             <a:tailEnd/>
           </a:ln>
+          <a:effectLst>
+            <a:outerShdw blurRad="50800" dist="38100" dir="2700000" algn="tl" rotWithShape="0">
+              <a:prstClr val="black">
+                <a:alpha val="40000"/>
+              </a:prstClr>
+            </a:outerShdw>
+          </a:effectLst>
         </p:spPr>
         <p:txBody>
           <a:bodyPr wrap="square">
@@ -38948,6 +39200,13 @@
             <a:headEnd/>
             <a:tailEnd/>
           </a:ln>
+          <a:effectLst>
+            <a:outerShdw blurRad="50800" dist="38100" dir="2700000" algn="tl" rotWithShape="0">
+              <a:prstClr val="black">
+                <a:alpha val="40000"/>
+              </a:prstClr>
+            </a:outerShdw>
+          </a:effectLst>
         </p:spPr>
         <p:txBody>
           <a:bodyPr wrap="square">
@@ -39316,7 +39575,7 @@
         </p:nvSpPr>
         <p:spPr bwMode="auto">
           <a:xfrm>
-            <a:off x="7785094" y="2289789"/>
+            <a:off x="7598590" y="4474081"/>
             <a:ext cx="3796248" cy="2031325"/>
           </a:xfrm>
           <a:prstGeom prst="rect">
@@ -39333,6 +39592,13 @@
             <a:headEnd/>
             <a:tailEnd/>
           </a:ln>
+          <a:effectLst>
+            <a:outerShdw blurRad="50800" dist="38100" dir="2700000" algn="tl" rotWithShape="0">
+              <a:prstClr val="black">
+                <a:alpha val="40000"/>
+              </a:prstClr>
+            </a:outerShdw>
+          </a:effectLst>
         </p:spPr>
         <p:txBody>
           <a:bodyPr wrap="square">
@@ -39643,8 +39909,8 @@
         </p:nvSpPr>
         <p:spPr bwMode="auto">
           <a:xfrm>
-            <a:off x="430936" y="1367059"/>
-            <a:ext cx="7565199" cy="4524315"/>
+            <a:off x="430937" y="1367059"/>
+            <a:ext cx="7173824" cy="4524315"/>
           </a:xfrm>
           <a:prstGeom prst="rect">
             <a:avLst/>
@@ -39663,6 +39929,13 @@
             <a:headEnd/>
             <a:tailEnd/>
           </a:ln>
+          <a:effectLst>
+            <a:outerShdw blurRad="50800" dist="38100" dir="2700000" algn="tl" rotWithShape="0">
+              <a:prstClr val="black">
+                <a:alpha val="40000"/>
+              </a:prstClr>
+            </a:outerShdw>
+          </a:effectLst>
         </p:spPr>
         <p:txBody>
           <a:bodyPr wrap="square">
@@ -40064,7 +40337,7 @@
         </p:nvSpPr>
         <p:spPr bwMode="auto">
           <a:xfrm>
-            <a:off x="8182246" y="2191278"/>
+            <a:off x="7694426" y="4498082"/>
             <a:ext cx="3764929" cy="2031325"/>
           </a:xfrm>
           <a:prstGeom prst="rect">
@@ -40081,6 +40354,13 @@
             <a:headEnd/>
             <a:tailEnd/>
           </a:ln>
+          <a:effectLst>
+            <a:outerShdw blurRad="50800" dist="38100" dir="2700000" algn="tl" rotWithShape="0">
+              <a:prstClr val="black">
+                <a:alpha val="40000"/>
+              </a:prstClr>
+            </a:outerShdw>
+          </a:effectLst>
         </p:spPr>
         <p:txBody>
           <a:bodyPr wrap="square">
@@ -40391,8 +40671,8 @@
         </p:nvSpPr>
         <p:spPr bwMode="auto">
           <a:xfrm>
-            <a:off x="1753897" y="1084957"/>
-            <a:ext cx="9812290" cy="5632311"/>
+            <a:off x="610897" y="1225689"/>
+            <a:ext cx="8929343" cy="5016758"/>
           </a:xfrm>
           <a:prstGeom prst="rect">
             <a:avLst/>
@@ -40411,6 +40691,13 @@
             <a:headEnd/>
             <a:tailEnd/>
           </a:ln>
+          <a:effectLst>
+            <a:outerShdw blurRad="50800" dist="38100" dir="2700000" algn="tl" rotWithShape="0">
+              <a:prstClr val="black">
+                <a:alpha val="40000"/>
+              </a:prstClr>
+            </a:outerShdw>
+          </a:effectLst>
         </p:spPr>
         <p:txBody>
           <a:bodyPr wrap="square">
@@ -40521,7 +40808,7 @@
               </a:spcBef>
             </a:pPr>
             <a:r>
-              <a:rPr lang="en-GB" sz="1800" dirty="0">
+              <a:rPr lang="en-GB" sz="1600" dirty="0">
                 <a:latin typeface="Courier New" panose="02070309020205020404" pitchFamily="49" charset="0"/>
               </a:rPr>
               <a:t>import requests</a:t>
@@ -40534,18 +40821,18 @@
               </a:spcBef>
             </a:pPr>
             <a:r>
-              <a:rPr lang="en-GB" sz="1800" dirty="0">
+              <a:rPr lang="en-GB" sz="1600" dirty="0">
                 <a:latin typeface="Courier New" panose="02070309020205020404" pitchFamily="49" charset="0"/>
               </a:rPr>
               <a:t>import </a:t>
             </a:r>
             <a:r>
-              <a:rPr lang="en-GB" sz="1800" dirty="0" err="1">
+              <a:rPr lang="en-GB" sz="1600" dirty="0" err="1">
                 <a:latin typeface="Courier New" panose="02070309020205020404" pitchFamily="49" charset="0"/>
               </a:rPr>
               <a:t>asyncio</a:t>
             </a:r>
-            <a:endParaRPr lang="en-GB" sz="1800" dirty="0">
+            <a:endParaRPr lang="en-GB" sz="1600" dirty="0">
               <a:latin typeface="Courier New" panose="02070309020205020404" pitchFamily="49" charset="0"/>
             </a:endParaRPr>
           </a:p>
@@ -40555,7 +40842,7 @@
                 <a:spcPct val="0"/>
               </a:spcBef>
             </a:pPr>
-            <a:endParaRPr lang="en-GB" sz="1800" dirty="0">
+            <a:endParaRPr lang="en-GB" sz="1600" dirty="0">
               <a:latin typeface="Courier New" panose="02070309020205020404" pitchFamily="49" charset="0"/>
             </a:endParaRPr>
           </a:p>
@@ -40566,7 +40853,7 @@
               </a:spcBef>
             </a:pPr>
             <a:r>
-              <a:rPr lang="en-GB" sz="1800" dirty="0">
+              <a:rPr lang="en-GB" sz="1600" dirty="0">
                 <a:latin typeface="Courier New" panose="02070309020205020404" pitchFamily="49" charset="0"/>
               </a:rPr>
               <a:t>async def loading():</a:t>
@@ -40579,7 +40866,7 @@
               </a:spcBef>
             </a:pPr>
             <a:r>
-              <a:rPr lang="en-GB" sz="1800" dirty="0">
+              <a:rPr lang="en-GB" sz="1600" dirty="0">
                 <a:latin typeface="Courier New" panose="02070309020205020404" pitchFamily="49" charset="0"/>
               </a:rPr>
               <a:t>    print("Loading....")</a:t>
@@ -40592,31 +40879,31 @@
               </a:spcBef>
             </a:pPr>
             <a:r>
-              <a:rPr lang="en-GB" sz="1800" dirty="0">
+              <a:rPr lang="en-GB" sz="1600" dirty="0">
                 <a:latin typeface="Courier New" panose="02070309020205020404" pitchFamily="49" charset="0"/>
               </a:rPr>
               <a:t>    data = </a:t>
             </a:r>
             <a:r>
-              <a:rPr lang="en-GB" sz="1800" dirty="0" err="1">
+              <a:rPr lang="en-GB" sz="1600" dirty="0" err="1">
                 <a:latin typeface="Courier New" panose="02070309020205020404" pitchFamily="49" charset="0"/>
               </a:rPr>
               <a:t>requests.get</a:t>
             </a:r>
             <a:r>
-              <a:rPr lang="en-GB" sz="1800" dirty="0">
+              <a:rPr lang="en-GB" sz="1600" dirty="0">
                 <a:latin typeface="Courier New" panose="02070309020205020404" pitchFamily="49" charset="0"/>
               </a:rPr>
               <a:t>('https://jsonplaceholder.typicode.com/</a:t>
             </a:r>
             <a:r>
-              <a:rPr lang="en-GB" sz="1800" dirty="0" err="1">
+              <a:rPr lang="en-GB" sz="1600" dirty="0" err="1">
                 <a:latin typeface="Courier New" panose="02070309020205020404" pitchFamily="49" charset="0"/>
               </a:rPr>
               <a:t>todos</a:t>
             </a:r>
             <a:r>
-              <a:rPr lang="en-GB" sz="1800" dirty="0">
+              <a:rPr lang="en-GB" sz="1600" dirty="0">
                 <a:latin typeface="Courier New" panose="02070309020205020404" pitchFamily="49" charset="0"/>
               </a:rPr>
               <a:t>/')</a:t>
@@ -40629,7 +40916,7 @@
               </a:spcBef>
             </a:pPr>
             <a:r>
-              <a:rPr lang="en-GB" sz="1800" dirty="0">
+              <a:rPr lang="en-GB" sz="1600" dirty="0">
                 <a:latin typeface="Courier New" panose="02070309020205020404" pitchFamily="49" charset="0"/>
               </a:rPr>
               <a:t>    response = ""</a:t>
@@ -40642,19 +40929,19 @@
               </a:spcBef>
             </a:pPr>
             <a:r>
-              <a:rPr lang="en-GB" sz="1800" dirty="0">
+              <a:rPr lang="en-GB" sz="1600" dirty="0">
                 <a:latin typeface="Courier New" panose="02070309020205020404" pitchFamily="49" charset="0"/>
               </a:rPr>
               <a:t>    if </a:t>
             </a:r>
             <a:r>
-              <a:rPr lang="en-GB" sz="1800" dirty="0" err="1">
+              <a:rPr lang="en-GB" sz="1600" dirty="0" err="1">
                 <a:latin typeface="Courier New" panose="02070309020205020404" pitchFamily="49" charset="0"/>
               </a:rPr>
               <a:t>data.status_code</a:t>
             </a:r>
             <a:r>
-              <a:rPr lang="en-GB" sz="1800" dirty="0">
+              <a:rPr lang="en-GB" sz="1600" dirty="0">
                 <a:latin typeface="Courier New" panose="02070309020205020404" pitchFamily="49" charset="0"/>
               </a:rPr>
               <a:t> != 200:</a:t>
@@ -40667,7 +40954,7 @@
               </a:spcBef>
             </a:pPr>
             <a:r>
-              <a:rPr lang="en-GB" sz="1800" dirty="0">
+              <a:rPr lang="en-GB" sz="1600" dirty="0">
                 <a:latin typeface="Courier New" panose="02070309020205020404" pitchFamily="49" charset="0"/>
               </a:rPr>
               <a:t>        response = "Data Not Collected"</a:t>
@@ -40680,7 +40967,7 @@
               </a:spcBef>
             </a:pPr>
             <a:r>
-              <a:rPr lang="en-GB" sz="1800" dirty="0">
+              <a:rPr lang="en-GB" sz="1600" dirty="0">
                 <a:latin typeface="Courier New" panose="02070309020205020404" pitchFamily="49" charset="0"/>
               </a:rPr>
               <a:t>    else:</a:t>
@@ -40693,7 +40980,7 @@
               </a:spcBef>
             </a:pPr>
             <a:r>
-              <a:rPr lang="en-GB" sz="1800" dirty="0">
+              <a:rPr lang="en-GB" sz="1600" dirty="0">
                 <a:latin typeface="Courier New" panose="02070309020205020404" pitchFamily="49" charset="0"/>
               </a:rPr>
               <a:t>        response = "Data Collected"</a:t>
@@ -40706,7 +40993,7 @@
               </a:spcBef>
             </a:pPr>
             <a:r>
-              <a:rPr lang="en-GB" sz="1800" dirty="0">
+              <a:rPr lang="en-GB" sz="1600" dirty="0">
                 <a:latin typeface="Courier New" panose="02070309020205020404" pitchFamily="49" charset="0"/>
               </a:rPr>
               <a:t>    print(response)</a:t>
@@ -40719,19 +41006,19 @@
               </a:spcBef>
             </a:pPr>
             <a:r>
-              <a:rPr lang="en-GB" sz="1800" dirty="0">
+              <a:rPr lang="en-GB" sz="1600" dirty="0">
                 <a:latin typeface="Courier New" panose="02070309020205020404" pitchFamily="49" charset="0"/>
               </a:rPr>
               <a:t>    data = </a:t>
             </a:r>
             <a:r>
-              <a:rPr lang="en-GB" sz="1800" dirty="0" err="1">
+              <a:rPr lang="en-GB" sz="1600" dirty="0" err="1">
                 <a:latin typeface="Courier New" panose="02070309020205020404" pitchFamily="49" charset="0"/>
               </a:rPr>
               <a:t>data.json</a:t>
             </a:r>
             <a:r>
-              <a:rPr lang="en-GB" sz="1800" dirty="0">
+              <a:rPr lang="en-GB" sz="1600" dirty="0">
                 <a:latin typeface="Courier New" panose="02070309020205020404" pitchFamily="49" charset="0"/>
               </a:rPr>
               <a:t>()</a:t>
@@ -40744,7 +41031,7 @@
               </a:spcBef>
             </a:pPr>
             <a:r>
-              <a:rPr lang="en-GB" sz="1800" dirty="0">
+              <a:rPr lang="en-GB" sz="1600" dirty="0">
                 <a:latin typeface="Courier New" panose="02070309020205020404" pitchFamily="49" charset="0"/>
               </a:rPr>
               <a:t>    return data</a:t>
@@ -40756,7 +41043,7 @@
                 <a:spcPct val="0"/>
               </a:spcBef>
             </a:pPr>
-            <a:endParaRPr lang="en-GB" sz="1800" dirty="0">
+            <a:endParaRPr lang="en-GB" sz="1600" dirty="0">
               <a:latin typeface="Courier New" panose="02070309020205020404" pitchFamily="49" charset="0"/>
             </a:endParaRPr>
           </a:p>
@@ -40767,19 +41054,19 @@
               </a:spcBef>
             </a:pPr>
             <a:r>
-              <a:rPr lang="en-GB" sz="1800" dirty="0">
+              <a:rPr lang="en-GB" sz="1600" dirty="0">
                 <a:latin typeface="Courier New" panose="02070309020205020404" pitchFamily="49" charset="0"/>
               </a:rPr>
               <a:t>async def </a:t>
             </a:r>
             <a:r>
-              <a:rPr lang="en-GB" sz="1800" dirty="0" err="1">
+              <a:rPr lang="en-GB" sz="1600" dirty="0" err="1">
                 <a:latin typeface="Courier New" panose="02070309020205020404" pitchFamily="49" charset="0"/>
               </a:rPr>
               <a:t>newData</a:t>
             </a:r>
             <a:r>
-              <a:rPr lang="en-GB" sz="1800" dirty="0">
+              <a:rPr lang="en-GB" sz="1600" dirty="0">
                 <a:latin typeface="Courier New" panose="02070309020205020404" pitchFamily="49" charset="0"/>
               </a:rPr>
               <a:t>():</a:t>
@@ -40792,7 +41079,7 @@
               </a:spcBef>
             </a:pPr>
             <a:r>
-              <a:rPr lang="en-GB" sz="1800" dirty="0">
+              <a:rPr lang="en-GB" sz="1600" dirty="0">
                 <a:latin typeface="Courier New" panose="02070309020205020404" pitchFamily="49" charset="0"/>
               </a:rPr>
               <a:t>    data = await loading()</a:t>
@@ -40805,7 +41092,7 @@
               </a:spcBef>
             </a:pPr>
             <a:r>
-              <a:rPr lang="en-GB" sz="1800" dirty="0">
+              <a:rPr lang="en-GB" sz="1600" dirty="0">
                 <a:latin typeface="Courier New" panose="02070309020205020404" pitchFamily="49" charset="0"/>
               </a:rPr>
               <a:t>    return data</a:t>
@@ -40817,7 +41104,7 @@
                 <a:spcPct val="0"/>
               </a:spcBef>
             </a:pPr>
-            <a:endParaRPr lang="en-GB" sz="1800" dirty="0">
+            <a:endParaRPr lang="en-GB" sz="1600" dirty="0">
               <a:latin typeface="Courier New" panose="02070309020205020404" pitchFamily="49" charset="0"/>
             </a:endParaRPr>
           </a:p>
@@ -40828,31 +41115,31 @@
               </a:spcBef>
             </a:pPr>
             <a:r>
-              <a:rPr lang="en-GB" sz="1800" dirty="0">
+              <a:rPr lang="en-GB" sz="1600" dirty="0">
                 <a:latin typeface="Courier New" panose="02070309020205020404" pitchFamily="49" charset="0"/>
               </a:rPr>
               <a:t>data  = </a:t>
             </a:r>
             <a:r>
-              <a:rPr lang="en-GB" sz="1800" dirty="0" err="1">
+              <a:rPr lang="en-GB" sz="1600" dirty="0" err="1">
                 <a:latin typeface="Courier New" panose="02070309020205020404" pitchFamily="49" charset="0"/>
               </a:rPr>
               <a:t>asyncio.run</a:t>
             </a:r>
             <a:r>
-              <a:rPr lang="en-GB" sz="1800" dirty="0">
+              <a:rPr lang="en-GB" sz="1600" dirty="0">
                 <a:latin typeface="Courier New" panose="02070309020205020404" pitchFamily="49" charset="0"/>
               </a:rPr>
               <a:t>(</a:t>
             </a:r>
             <a:r>
-              <a:rPr lang="en-GB" sz="1800" dirty="0" err="1">
+              <a:rPr lang="en-GB" sz="1600" dirty="0" err="1">
                 <a:latin typeface="Courier New" panose="02070309020205020404" pitchFamily="49" charset="0"/>
               </a:rPr>
               <a:t>newData</a:t>
             </a:r>
             <a:r>
-              <a:rPr lang="en-GB" sz="1800" dirty="0">
+              <a:rPr lang="en-GB" sz="1600" dirty="0">
                 <a:latin typeface="Courier New" panose="02070309020205020404" pitchFamily="49" charset="0"/>
               </a:rPr>
               <a:t>())</a:t>
@@ -40938,30 +41225,24 @@
           <a:bodyPr/>
           <a:lstStyle/>
           <a:p>
-            <a:pPr marL="342900" indent="-342900">
-              <a:buFont typeface="Arial" panose="020B0604020202020204" pitchFamily="34" charset="0"/>
-              <a:buChar char="•"/>
-            </a:pPr>
             <a:r>
               <a:rPr lang="en-GB" b="1" dirty="0"/>
-              <a:t>Async allows for code to be paused to allow for processes to return content</a:t>
-            </a:r>
-          </a:p>
-          <a:p>
-            <a:pPr marL="342900" indent="-342900">
-              <a:buFont typeface="Arial" panose="020B0604020202020204" pitchFamily="34" charset="0"/>
-              <a:buChar char="•"/>
-            </a:pPr>
+              <a:t>async allows for code to be paused to allow for processes to return content</a:t>
+            </a:r>
+          </a:p>
+          <a:p>
+            <a:endParaRPr lang="en-GB" b="1" dirty="0"/>
+          </a:p>
+          <a:p>
             <a:r>
               <a:rPr lang="en-GB" b="1" dirty="0"/>
-              <a:t>Await is the keyword used to tell a coroutine to pause</a:t>
-            </a:r>
-          </a:p>
-          <a:p>
-            <a:pPr marL="342900" indent="-342900">
-              <a:buFont typeface="Arial" panose="020B0604020202020204" pitchFamily="34" charset="0"/>
-              <a:buChar char="•"/>
-            </a:pPr>
+              <a:t>await is the keyword used to tell a coroutine to pause</a:t>
+            </a:r>
+          </a:p>
+          <a:p>
+            <a:endParaRPr lang="en-GB" b="1" dirty="0"/>
+          </a:p>
+          <a:p>
             <a:r>
               <a:rPr lang="en-GB" b="1" dirty="0"/>
               <a:t>Unlike </a:t>
@@ -40984,10 +41265,9 @@
             </a:r>
           </a:p>
           <a:p>
-            <a:pPr marL="342900" indent="-342900">
-              <a:buFont typeface="Arial" panose="020B0604020202020204" pitchFamily="34" charset="0"/>
-              <a:buChar char="•"/>
-            </a:pPr>
+            <a:endParaRPr lang="en-GB" b="1" dirty="0"/>
+          </a:p>
+          <a:p>
             <a:r>
               <a:rPr lang="en-GB" b="1" dirty="0"/>
               <a:t>Used in conjunction with the fetching of external data, it allows for the building of Single Page Applications within frameworks such as Django or Flask</a:t>
@@ -41020,14 +41300,14 @@
           </a:ln>
           <a:extLst>
             <a:ext uri="{909E8E84-426E-40dd-AFC4-6F175D3DCCD1}">
-              <a14:hiddenFill xmlns="" xmlns:a14="http://schemas.microsoft.com/office/drawing/2010/main">
+              <a14:hiddenFill xmlns:a14="http://schemas.microsoft.com/office/drawing/2010/main" xmlns="">
                 <a:solidFill>
                   <a:srgbClr val="FFFFFF"/>
                 </a:solidFill>
               </a14:hiddenFill>
             </a:ext>
             <a:ext uri="{91240B29-F687-4f45-9708-019B960494DF}">
-              <a14:hiddenLine xmlns="" xmlns:a14="http://schemas.microsoft.com/office/drawing/2010/main" w="9525">
+              <a14:hiddenLine xmlns:a14="http://schemas.microsoft.com/office/drawing/2010/main" xmlns="" w="9525">
                 <a:solidFill>
                   <a:srgbClr val="000000"/>
                 </a:solidFill>
@@ -41220,104 +41500,97 @@
           </a:bodyPr>
           <a:lstStyle/>
           <a:p>
-            <a:pPr marL="342900" indent="-342900">
+            <a:r>
+              <a:rPr lang="en-US" b="1" dirty="0"/>
+              <a:t>A process is an instance of a program loaded and ready to run</a:t>
+            </a:r>
+          </a:p>
+          <a:p>
+            <a:r>
+              <a:rPr lang="en-US" b="1" dirty="0"/>
+              <a:t>Every process has a parent, so every process is a child</a:t>
+            </a:r>
+          </a:p>
+          <a:p>
+            <a:r>
+              <a:rPr lang="en-US" b="1" dirty="0"/>
+              <a:t>Child usually inherits attributes of parent</a:t>
+            </a:r>
+          </a:p>
+          <a:p>
+            <a:pPr marL="450850" lvl="1" indent="-269875">
               <a:buFont typeface="Arial" panose="020B0604020202020204" pitchFamily="34" charset="0"/>
               <a:buChar char="•"/>
             </a:pPr>
             <a:r>
-              <a:rPr lang="en-US" b="1" dirty="0"/>
-              <a:t>A process is an instance of a program loaded and ready to run</a:t>
-            </a:r>
-          </a:p>
-          <a:p>
-            <a:pPr marL="342900" indent="-342900">
+              <a:rPr lang="en-US" sz="1800" dirty="0"/>
+              <a:t>Environment, current directory, security</a:t>
+            </a:r>
+          </a:p>
+          <a:p>
+            <a:pPr marL="450850" lvl="1" indent="-269875">
               <a:buFont typeface="Arial" panose="020B0604020202020204" pitchFamily="34" charset="0"/>
               <a:buChar char="•"/>
             </a:pPr>
             <a:r>
+              <a:rPr lang="en-US" sz="1800" dirty="0"/>
+              <a:t>Open files – depends on the Python release (see notes)</a:t>
+            </a:r>
+          </a:p>
+          <a:p>
+            <a:r>
               <a:rPr lang="en-US" b="1" dirty="0"/>
-              <a:t>Every process has a parent, so every process is a child</a:t>
-            </a:r>
-          </a:p>
-          <a:p>
-            <a:pPr marL="342900" indent="-342900">
+              <a:t>Relationship depends on the operating system</a:t>
+            </a:r>
+          </a:p>
+          <a:p>
+            <a:pPr marL="450850" lvl="1" indent="-269875">
               <a:buFont typeface="Arial" panose="020B0604020202020204" pitchFamily="34" charset="0"/>
               <a:buChar char="•"/>
             </a:pPr>
             <a:r>
-              <a:rPr lang="en-US" b="1" dirty="0"/>
-              <a:t>Child usually inherits attributes of parent</a:t>
-            </a:r>
-          </a:p>
-          <a:p>
-            <a:pPr lvl="1">
+              <a:rPr lang="en-US" sz="1800" dirty="0"/>
+              <a:t>UNIX has strong family ties:</a:t>
+            </a:r>
+          </a:p>
+          <a:p>
+            <a:pPr marL="722313" lvl="1" indent="-271463">
+              <a:buFont typeface="Courier New" panose="02070309020205020404" pitchFamily="49" charset="0"/>
+              <a:buChar char="o"/>
+            </a:pPr>
+            <a:r>
+              <a:rPr lang="en-US" sz="1800" dirty="0"/>
+              <a:t>If a parent dies, the child is an ‘orphan’ </a:t>
+            </a:r>
+          </a:p>
+          <a:p>
+            <a:pPr marL="450850" lvl="1" indent="-269875">
               <a:buFont typeface="Arial" panose="020B0604020202020204" pitchFamily="34" charset="0"/>
               <a:buChar char="•"/>
             </a:pPr>
             <a:r>
-              <a:rPr lang="en-US" dirty="0"/>
-              <a:t>Environment, current directory, security</a:t>
-            </a:r>
-          </a:p>
-          <a:p>
-            <a:pPr lvl="1">
-              <a:buFont typeface="Arial" panose="020B0604020202020204" pitchFamily="34" charset="0"/>
-              <a:buChar char="•"/>
+              <a:rPr lang="en-US" sz="1800" dirty="0"/>
+              <a:t>Microsoft Windows has few ties between parent and child</a:t>
+            </a:r>
+          </a:p>
+          <a:p>
+            <a:pPr marL="736600" lvl="2" indent="-285750">
+              <a:buFont typeface="Courier New" panose="02070309020205020404" pitchFamily="49" charset="0"/>
+              <a:buChar char="o"/>
             </a:pPr>
             <a:r>
-              <a:rPr lang="en-US" dirty="0"/>
-              <a:t>Open files – depends on the Python release (see notes)</a:t>
-            </a:r>
-          </a:p>
-          <a:p>
-            <a:pPr marL="342900" indent="-342900">
-              <a:buFont typeface="Arial" panose="020B0604020202020204" pitchFamily="34" charset="0"/>
-              <a:buChar char="•"/>
+              <a:rPr lang="en-US" sz="1800" dirty="0"/>
+              <a:t>Parent must explicitly maintain a HANDLE to the child</a:t>
+            </a:r>
+          </a:p>
+          <a:p>
+            <a:pPr marL="736600" lvl="2" indent="-285750">
+              <a:buFont typeface="Courier New" panose="02070309020205020404" pitchFamily="49" charset="0"/>
+              <a:buChar char="o"/>
             </a:pPr>
             <a:r>
-              <a:rPr lang="en-US" b="1" dirty="0"/>
-              <a:t>Relationship depends on the operating system</a:t>
-            </a:r>
-          </a:p>
-          <a:p>
-            <a:pPr lvl="1">
-              <a:buFont typeface="Arial" panose="020B0604020202020204" pitchFamily="34" charset="0"/>
-              <a:buChar char="•"/>
-            </a:pPr>
-            <a:r>
-              <a:rPr lang="en-US" dirty="0"/>
-              <a:t>UNIX has strong family ties</a:t>
-            </a:r>
-          </a:p>
-          <a:p>
-            <a:pPr lvl="2"/>
-            <a:r>
               <a:rPr lang="en-US" sz="1800" dirty="0"/>
-              <a:t> If a parent dies, the child is an ‘orphan’ </a:t>
-            </a:r>
-          </a:p>
-          <a:p>
-            <a:pPr lvl="1">
-              <a:buFont typeface="Arial" panose="020B0604020202020204" pitchFamily="34" charset="0"/>
-              <a:buChar char="•"/>
-            </a:pPr>
-            <a:r>
-              <a:rPr lang="en-US" dirty="0"/>
-              <a:t>Microsoft Windows has few ties between parent and child</a:t>
-            </a:r>
-          </a:p>
-          <a:p>
-            <a:pPr lvl="2"/>
-            <a:r>
-              <a:rPr lang="en-US" sz="1800" dirty="0"/>
-              <a:t> Parent has to explicitly maintain a HANDLE to the child</a:t>
-            </a:r>
-          </a:p>
-          <a:p>
-            <a:pPr lvl="2"/>
-            <a:r>
-              <a:rPr lang="en-US" sz="1800" dirty="0"/>
-              <a:t> Can disown children, but still supports inheritance</a:t>
+              <a:t>Can disown children, but still supports inheritance</a:t>
             </a:r>
           </a:p>
         </p:txBody>
@@ -41385,50 +41658,56 @@
             <p:ph idx="1"/>
           </p:nvPr>
         </p:nvSpPr>
-        <p:spPr/>
+        <p:spPr>
+          <a:xfrm>
+            <a:off x="341272" y="1368256"/>
+            <a:ext cx="11516239" cy="5263966"/>
+          </a:xfrm>
+        </p:spPr>
         <p:txBody>
           <a:bodyPr/>
           <a:lstStyle/>
           <a:p>
-            <a:pPr marL="342900" indent="-342900">
+            <a:r>
+              <a:rPr lang="en-GB" b="1" dirty="0"/>
+              <a:t>Process interfaces can be platform specific</a:t>
+            </a:r>
+          </a:p>
+          <a:p>
+            <a:pPr marL="180975" lvl="1" indent="-180975">
+              <a:buNone/>
+            </a:pPr>
+            <a:r>
+              <a:rPr lang="en-GB" b="1" dirty="0" err="1"/>
+              <a:t>os.fork</a:t>
+            </a:r>
+            <a:r>
+              <a:rPr lang="en-GB" b="1" dirty="0"/>
+              <a:t>()</a:t>
+            </a:r>
+          </a:p>
+          <a:p>
+            <a:pPr marL="450850" lvl="2" indent="-269875">
               <a:buFont typeface="Arial" panose="020B0604020202020204" pitchFamily="34" charset="0"/>
               <a:buChar char="•"/>
             </a:pPr>
             <a:r>
-              <a:rPr lang="en-GB" b="1" dirty="0"/>
-              <a:t>Process interfaces can be platform specific</a:t>
-            </a:r>
-          </a:p>
-          <a:p>
-            <a:pPr lvl="1">
+              <a:rPr lang="en-GB" sz="1800" dirty="0"/>
+              <a:t>UNIX specific</a:t>
+            </a:r>
+          </a:p>
+          <a:p>
+            <a:pPr marL="450850" lvl="2" indent="-269875">
               <a:buFont typeface="Arial" panose="020B0604020202020204" pitchFamily="34" charset="0"/>
               <a:buChar char="•"/>
             </a:pPr>
             <a:r>
-              <a:rPr lang="en-GB" dirty="0" err="1"/>
-              <a:t>os.fork</a:t>
-            </a:r>
-            <a:endParaRPr lang="en-GB" dirty="0"/>
-          </a:p>
-          <a:p>
-            <a:pPr lvl="2"/>
-            <a:r>
               <a:rPr lang="en-GB" sz="1800" dirty="0"/>
-              <a:t> UNIX specific</a:t>
-            </a:r>
-          </a:p>
-          <a:p>
-            <a:pPr lvl="2"/>
-            <a:r>
-              <a:rPr lang="en-GB" sz="1800" dirty="0"/>
-              <a:t> Creates another process - does not run another program</a:t>
-            </a:r>
-          </a:p>
-          <a:p>
-            <a:pPr lvl="3">
-              <a:buClr>
-                <a:schemeClr val="bg2"/>
-              </a:buClr>
+              <a:t>Creates another process - does not run another program</a:t>
+            </a:r>
+          </a:p>
+          <a:p>
+            <a:pPr marL="450850" lvl="2" indent="-269875">
               <a:buFont typeface="Arial" panose="020B0604020202020204" pitchFamily="34" charset="0"/>
               <a:buChar char="•"/>
             </a:pPr>
@@ -41446,107 +41725,128 @@
             </a:r>
           </a:p>
           <a:p>
-            <a:pPr lvl="2"/>
-            <a:r>
-              <a:rPr lang="en-GB" sz="1800" dirty="0"/>
-              <a:t> Requires </a:t>
-            </a:r>
-            <a:r>
-              <a:rPr lang="en-GB" sz="1800" dirty="0" err="1"/>
-              <a:t>os.wait</a:t>
-            </a:r>
-            <a:r>
-              <a:rPr lang="en-GB" sz="1800" dirty="0"/>
-              <a:t> or </a:t>
-            </a:r>
-            <a:r>
-              <a:rPr lang="en-GB" sz="1800" dirty="0" err="1"/>
-              <a:t>os.waitpid</a:t>
-            </a:r>
-            <a:r>
-              <a:rPr lang="en-GB" sz="1800" dirty="0"/>
-              <a:t> to avoid a zombie</a:t>
-            </a:r>
-          </a:p>
-          <a:p>
-            <a:pPr lvl="1">
+            <a:pPr marL="450850" lvl="2" indent="-269875">
               <a:buFont typeface="Arial" panose="020B0604020202020204" pitchFamily="34" charset="0"/>
               <a:buChar char="•"/>
             </a:pPr>
             <a:r>
-              <a:rPr lang="en-GB" dirty="0" err="1"/>
+              <a:rPr lang="en-GB" sz="1800" dirty="0"/>
+              <a:t> Requires </a:t>
+            </a:r>
+            <a:r>
+              <a:rPr lang="en-GB" sz="1800" dirty="0" err="1"/>
+              <a:t>os.wait</a:t>
+            </a:r>
+            <a:r>
+              <a:rPr lang="en-GB" sz="1800" dirty="0"/>
+              <a:t> or </a:t>
+            </a:r>
+            <a:r>
+              <a:rPr lang="en-GB" sz="1800" dirty="0" err="1"/>
+              <a:t>os.waitpid</a:t>
+            </a:r>
+            <a:r>
+              <a:rPr lang="en-GB" sz="1800" dirty="0"/>
+              <a:t> to avoid a zombie</a:t>
+            </a:r>
+          </a:p>
+          <a:p>
+            <a:pPr marL="180975" lvl="1" indent="-180975">
+              <a:buNone/>
+            </a:pPr>
+            <a:r>
+              <a:rPr lang="en-GB" b="1" dirty="0" err="1"/>
               <a:t>os.system</a:t>
             </a:r>
-            <a:endParaRPr lang="en-GB" dirty="0"/>
-          </a:p>
-          <a:p>
-            <a:pPr lvl="2"/>
-            <a:r>
-              <a:rPr lang="en-GB" sz="1800" dirty="0"/>
-              <a:t> Passes the command to the shell (cmd.exe or the Bourne shell)</a:t>
-            </a:r>
-          </a:p>
-          <a:p>
-            <a:pPr lvl="2"/>
-            <a:r>
-              <a:rPr lang="en-GB" sz="1800" dirty="0"/>
-              <a:t> Runs an additional shell process</a:t>
-            </a:r>
-          </a:p>
-          <a:p>
-            <a:pPr lvl="1">
+            <a:r>
+              <a:rPr lang="en-GB" b="1" dirty="0"/>
+              <a:t>()</a:t>
+            </a:r>
+          </a:p>
+          <a:p>
+            <a:pPr marL="450850" lvl="2" indent="-269875">
               <a:buFont typeface="Arial" panose="020B0604020202020204" pitchFamily="34" charset="0"/>
               <a:buChar char="•"/>
             </a:pPr>
             <a:r>
-              <a:rPr lang="en-GB" dirty="0" err="1"/>
-              <a:t>os.spawn</a:t>
-            </a:r>
-            <a:r>
-              <a:rPr lang="en-GB" b="0" i="1" dirty="0" err="1"/>
-              <a:t>type</a:t>
-            </a:r>
-            <a:endParaRPr lang="en-GB" b="0" i="1" dirty="0"/>
-          </a:p>
-          <a:p>
-            <a:pPr lvl="2"/>
-            <a:r>
               <a:rPr lang="en-GB" sz="1800" dirty="0"/>
-              <a:t> Some types are not available on Windows</a:t>
-            </a:r>
-          </a:p>
-          <a:p>
-            <a:pPr lvl="2"/>
-            <a:r>
-              <a:rPr lang="en-GB" sz="1800" dirty="0"/>
-              <a:t> Can run in a similar mode to </a:t>
-            </a:r>
-            <a:r>
-              <a:rPr lang="en-GB" sz="1800" b="1" dirty="0" err="1"/>
-              <a:t>exec</a:t>
-            </a:r>
-            <a:r>
-              <a:rPr lang="en-GB" sz="1800" i="1" dirty="0" err="1"/>
-              <a:t>type</a:t>
-            </a:r>
-            <a:endParaRPr lang="en-GB" sz="1800" i="1" dirty="0"/>
-          </a:p>
-          <a:p>
-            <a:pPr lvl="1">
+              <a:t> Passes the command to the shell (cmd.exe or the Bourne shell)</a:t>
+            </a:r>
+          </a:p>
+          <a:p>
+            <a:pPr marL="450850" lvl="2" indent="-269875">
               <a:buFont typeface="Arial" panose="020B0604020202020204" pitchFamily="34" charset="0"/>
               <a:buChar char="•"/>
             </a:pPr>
             <a:r>
-              <a:rPr lang="en-GB" dirty="0" err="1"/>
+              <a:rPr lang="en-GB" sz="1800" dirty="0"/>
+              <a:t> Runs an additional shell process</a:t>
+            </a:r>
+          </a:p>
+          <a:p>
+            <a:pPr marL="88900" lvl="1" indent="-88900">
+              <a:buNone/>
+            </a:pPr>
+            <a:r>
+              <a:rPr lang="en-GB" b="1" dirty="0" err="1"/>
+              <a:t>os.spawn</a:t>
+            </a:r>
+            <a:r>
+              <a:rPr lang="en-GB" b="1" i="1" dirty="0" err="1"/>
+              <a:t>type</a:t>
+            </a:r>
+            <a:r>
+              <a:rPr lang="en-GB" b="1" i="1" dirty="0"/>
+              <a:t>()</a:t>
+            </a:r>
+          </a:p>
+          <a:p>
+            <a:pPr marL="450850" lvl="2" indent="-269875">
+              <a:buFont typeface="Arial" panose="020B0604020202020204" pitchFamily="34" charset="0"/>
+              <a:buChar char="•"/>
+            </a:pPr>
+            <a:r>
+              <a:rPr lang="en-GB" sz="1800" dirty="0"/>
+              <a:t>Some types are not available on Windows</a:t>
+            </a:r>
+          </a:p>
+          <a:p>
+            <a:pPr marL="450850" lvl="2" indent="-269875">
+              <a:buFont typeface="Arial" panose="020B0604020202020204" pitchFamily="34" charset="0"/>
+              <a:buChar char="•"/>
+            </a:pPr>
+            <a:r>
+              <a:rPr lang="en-GB" sz="1800" dirty="0"/>
+              <a:t>Can run in a similar mode to </a:t>
+            </a:r>
+            <a:r>
+              <a:rPr lang="en-GB" sz="1800" b="1" dirty="0" err="1"/>
+              <a:t>exec</a:t>
+            </a:r>
+            <a:r>
+              <a:rPr lang="en-GB" sz="1800" i="1" dirty="0" err="1"/>
+              <a:t>type</a:t>
+            </a:r>
+            <a:endParaRPr lang="en-GB" sz="1800" i="1" dirty="0"/>
+          </a:p>
+          <a:p>
+            <a:pPr marL="88900" lvl="1" indent="-88900">
+              <a:buNone/>
+            </a:pPr>
+            <a:r>
+              <a:rPr lang="en-GB" b="1" dirty="0" err="1"/>
               <a:t>os.popen</a:t>
             </a:r>
             <a:r>
-              <a:rPr lang="en-GB" dirty="0"/>
-              <a:t> </a:t>
-            </a:r>
-          </a:p>
-          <a:p>
-            <a:pPr lvl="2"/>
+              <a:rPr lang="en-GB" b="1" dirty="0"/>
+              <a:t>() </a:t>
+            </a:r>
+          </a:p>
+          <a:p>
+            <a:pPr marL="450850" lvl="2" indent="-269875">
+              <a:buFont typeface="Arial" panose="020B0604020202020204" pitchFamily="34" charset="0"/>
+              <a:buChar char="•"/>
+            </a:pPr>
             <a:r>
               <a:rPr lang="en-GB" sz="1800" dirty="0"/>
               <a:t> Run a process connected through pipes</a:t>
@@ -41556,7 +41856,13 @@
       </p:sp>
       <p:sp>
         <p:nvSpPr>
-          <p:cNvPr id="6150" name="Text Box 8"/>
+          <p:cNvPr id="3" name="Text Box 14">
+            <a:extLst>
+              <a:ext uri="{FF2B5EF4-FFF2-40B4-BE49-F238E27FC236}">
+                <a16:creationId xmlns:a16="http://schemas.microsoft.com/office/drawing/2014/main" id="{0365F938-2C7A-0593-9889-139A5F53F32C}"/>
+              </a:ext>
+            </a:extLst>
+          </p:cNvPr>
           <p:cNvSpPr txBox="1">
             <a:spLocks noChangeArrowheads="1"/>
           </p:cNvSpPr>
@@ -41564,13 +41870,15 @@
         </p:nvSpPr>
         <p:spPr bwMode="auto">
           <a:xfrm>
-            <a:off x="7937500" y="5800725"/>
+            <a:off x="7908089" y="5608387"/>
             <a:ext cx="2154238" cy="590550"/>
           </a:xfrm>
           <a:prstGeom prst="rect">
             <a:avLst/>
           </a:prstGeom>
-          <a:noFill/>
+          <a:solidFill>
+            <a:schemeClr val="bg1"/>
+          </a:solidFill>
           <a:ln w="9525">
             <a:solidFill>
               <a:schemeClr val="tx1"/>
@@ -41579,9 +41887,16 @@
             <a:headEnd/>
             <a:tailEnd/>
           </a:ln>
+          <a:effectLst>
+            <a:outerShdw blurRad="50800" dist="38100" dir="2700000" algn="tl" rotWithShape="0">
+              <a:prstClr val="black">
+                <a:alpha val="40000"/>
+              </a:prstClr>
+            </a:outerShdw>
+          </a:effectLst>
           <a:extLst>
             <a:ext uri="{909E8E84-426E-40dd-AFC4-6F175D3DCCD1}">
-              <a14:hiddenFill xmlns:a14="http://schemas.microsoft.com/office/drawing/2010/main" xmlns="">
+              <a14:hiddenFill xmlns="" xmlns:a14="http://schemas.microsoft.com/office/drawing/2010/main">
                 <a:solidFill>
                   <a:srgbClr val="FFFFFF"/>
                 </a:solidFill>
@@ -41694,7 +42009,7 @@
           <a:p>
             <a:pPr algn="ctr"/>
             <a:r>
-              <a:rPr lang="en-GB" sz="1600"/>
+              <a:rPr lang="en-GB" sz="1600" dirty="0"/>
               <a:t>All these interfaces are deprecated</a:t>
             </a:r>
           </a:p>
@@ -41702,10 +42017,10 @@
       </p:sp>
       <p:pic>
         <p:nvPicPr>
-          <p:cNvPr id="2" name="Picture 4" descr="Expired Stamp (PNG Transparent) | OnlyGFX.com">
+          <p:cNvPr id="4" name="Picture 4" descr="Expired Stamp (PNG Transparent) | OnlyGFX.com">
             <a:extLst>
               <a:ext uri="{FF2B5EF4-FFF2-40B4-BE49-F238E27FC236}">
-                <a16:creationId xmlns:a16="http://schemas.microsoft.com/office/drawing/2014/main" id="{5585D6DD-D7D4-EB81-BEEC-9D7C407D12E3}"/>
+                <a16:creationId xmlns:a16="http://schemas.microsoft.com/office/drawing/2014/main" id="{F752A511-D8E0-D01B-6CC2-D8515C08888E}"/>
               </a:ext>
             </a:extLst>
           </p:cNvPr>
@@ -41729,13 +42044,20 @@
         </p:blipFill>
         <p:spPr bwMode="auto">
           <a:xfrm>
-            <a:off x="6751279" y="562058"/>
-            <a:ext cx="5106510" cy="3639684"/>
+            <a:off x="9229783" y="5255600"/>
+            <a:ext cx="2090670" cy="1490133"/>
           </a:xfrm>
           <a:prstGeom prst="rect">
             <a:avLst/>
           </a:prstGeom>
           <a:noFill/>
+          <a:effectLst>
+            <a:outerShdw blurRad="50800" dist="38100" dir="2700000" algn="tl" rotWithShape="0">
+              <a:prstClr val="black">
+                <a:alpha val="40000"/>
+              </a:prstClr>
+            </a:outerShdw>
+          </a:effectLst>
           <a:extLst>
             <a:ext uri="{909E8E84-426E-40DD-AFC4-6F175D3DCCD1}">
               <a14:hiddenFill xmlns:a14="http://schemas.microsoft.com/office/drawing/2010/main">
@@ -41815,22 +42137,18 @@
           <a:bodyPr/>
           <a:lstStyle/>
           <a:p>
-            <a:pPr marL="342900" indent="-342900">
+            <a:r>
+              <a:rPr lang="en-GB" b="1" dirty="0"/>
+              <a:t>Run a process and wait for it to complete</a:t>
+            </a:r>
+          </a:p>
+          <a:p>
+            <a:pPr marL="450850" lvl="1" indent="-265113">
               <a:buFont typeface="Arial" panose="020B0604020202020204" pitchFamily="34" charset="0"/>
               <a:buChar char="•"/>
             </a:pPr>
             <a:r>
-              <a:rPr lang="en-GB" b="1" dirty="0"/>
-              <a:t>Run a process and wait for it to complete</a:t>
-            </a:r>
-          </a:p>
-          <a:p>
-            <a:pPr lvl="1">
-              <a:buFont typeface="Arial" panose="020B0604020202020204" pitchFamily="34" charset="0"/>
-              <a:buChar char="•"/>
-            </a:pPr>
-            <a:r>
-              <a:rPr lang="en-GB" dirty="0"/>
+              <a:rPr lang="en-GB" sz="1800" dirty="0"/>
               <a:t>Invokes a surrogate shell</a:t>
             </a:r>
           </a:p>
@@ -41844,10 +42162,6 @@
           </a:p>
           <a:p>
             <a:pPr lvl="2"/>
-            <a:endParaRPr lang="en-GB" dirty="0"/>
-          </a:p>
-          <a:p>
-            <a:pPr lvl="1"/>
             <a:endParaRPr lang="en-GB" dirty="0"/>
           </a:p>
           <a:p>
@@ -41858,22 +42172,18 @@
             <a:endParaRPr lang="en-GB" b="1" dirty="0"/>
           </a:p>
           <a:p>
-            <a:pPr marL="342900" indent="-342900">
+            <a:r>
+              <a:rPr lang="en-GB" b="1" dirty="0"/>
+              <a:t>Run a process at the other end of a pipe</a:t>
+            </a:r>
+          </a:p>
+          <a:p>
+            <a:pPr marL="450850" lvl="1" indent="-265113">
               <a:buFont typeface="Arial" panose="020B0604020202020204" pitchFamily="34" charset="0"/>
               <a:buChar char="•"/>
             </a:pPr>
             <a:r>
-              <a:rPr lang="en-GB" b="1" dirty="0"/>
-              <a:t>Run a process at the other end of a pipe</a:t>
-            </a:r>
-          </a:p>
-          <a:p>
-            <a:pPr lvl="1">
-              <a:buFont typeface="Arial" panose="020B0604020202020204" pitchFamily="34" charset="0"/>
-              <a:buChar char="•"/>
-            </a:pPr>
-            <a:r>
-              <a:rPr lang="en-GB" dirty="0"/>
+              <a:rPr lang="en-GB" sz="1800" dirty="0"/>
               <a:t>Returns a file object</a:t>
             </a:r>
           </a:p>
@@ -41889,7 +42199,7 @@
         </p:nvSpPr>
         <p:spPr bwMode="auto">
           <a:xfrm>
-            <a:off x="1048102" y="2540996"/>
+            <a:off x="809562" y="2193018"/>
             <a:ext cx="6399213" cy="923330"/>
           </a:xfrm>
           <a:prstGeom prst="rect">
@@ -41909,7 +42219,13 @@
             <a:headEnd/>
             <a:tailEnd/>
           </a:ln>
-          <a:effectLst/>
+          <a:effectLst>
+            <a:outerShdw blurRad="50800" dist="38100" dir="2700000" algn="tl" rotWithShape="0">
+              <a:prstClr val="black">
+                <a:alpha val="40000"/>
+              </a:prstClr>
+            </a:outerShdw>
+          </a:effectLst>
         </p:spPr>
         <p:txBody>
           <a:bodyPr>
@@ -42047,7 +42363,7 @@
               <a:rPr lang="en-GB" sz="1800" dirty="0">
                 <a:latin typeface="Courier New" panose="02070309020205020404" pitchFamily="49" charset="0"/>
               </a:rPr>
-              <a:t>('hello.py') </a:t>
+              <a:t>("hello.py") </a:t>
             </a:r>
           </a:p>
           <a:p>
@@ -42076,7 +42392,9 @@
           <a:prstGeom prst="rect">
             <a:avLst/>
           </a:prstGeom>
-          <a:noFill/>
+          <a:solidFill>
+            <a:schemeClr val="bg1"/>
+          </a:solidFill>
           <a:ln w="9525">
             <a:solidFill>
               <a:schemeClr val="tx1"/>
@@ -42085,9 +42403,16 @@
             <a:headEnd/>
             <a:tailEnd/>
           </a:ln>
+          <a:effectLst>
+            <a:outerShdw blurRad="50800" dist="38100" dir="2700000" algn="tl" rotWithShape="0">
+              <a:prstClr val="black">
+                <a:alpha val="40000"/>
+              </a:prstClr>
+            </a:outerShdw>
+          </a:effectLst>
           <a:extLst>
             <a:ext uri="{909E8E84-426E-40dd-AFC4-6F175D3DCCD1}">
-              <a14:hiddenFill xmlns:a14="http://schemas.microsoft.com/office/drawing/2010/main" xmlns="">
+              <a14:hiddenFill xmlns="" xmlns:a14="http://schemas.microsoft.com/office/drawing/2010/main">
                 <a:solidFill>
                   <a:srgbClr val="FFFFFF"/>
                 </a:solidFill>
@@ -42216,7 +42541,7 @@
         </p:nvSpPr>
         <p:spPr bwMode="auto">
           <a:xfrm>
-            <a:off x="1048102" y="5250468"/>
+            <a:off x="809562" y="4604725"/>
             <a:ext cx="6408737" cy="650875"/>
           </a:xfrm>
           <a:prstGeom prst="rect">
@@ -42236,7 +42561,13 @@
             <a:headEnd/>
             <a:tailEnd/>
           </a:ln>
-          <a:effectLst/>
+          <a:effectLst>
+            <a:outerShdw blurRad="50800" dist="38100" dir="2700000" algn="tl" rotWithShape="0">
+              <a:prstClr val="black">
+                <a:alpha val="40000"/>
+              </a:prstClr>
+            </a:outerShdw>
+          </a:effectLst>
         </p:spPr>
         <p:txBody>
           <a:bodyPr wrap="none">
@@ -42362,7 +42693,13 @@
               <a:rPr lang="en-US" sz="1800" dirty="0">
                 <a:latin typeface="Courier New" panose="02070309020205020404" pitchFamily="49" charset="0"/>
               </a:rPr>
-              <a:t>('</a:t>
+              <a:t>(</a:t>
+            </a:r>
+            <a:r>
+              <a:rPr lang="en-GB" sz="1800" dirty="0">
+                <a:latin typeface="Courier New" panose="02070309020205020404" pitchFamily="49" charset="0"/>
+              </a:rPr>
+              <a:t>"</a:t>
             </a:r>
             <a:r>
               <a:rPr lang="en-US" sz="1800" dirty="0" err="1">
@@ -42371,10 +42708,16 @@
               <a:t>tasklist</a:t>
             </a:r>
             <a:r>
+              <a:rPr lang="en-GB" sz="1800" dirty="0">
+                <a:latin typeface="Courier New" panose="02070309020205020404" pitchFamily="49" charset="0"/>
+              </a:rPr>
+              <a:t>"</a:t>
+            </a:r>
+            <a:r>
               <a:rPr lang="en-US" sz="1800" dirty="0">
                 <a:latin typeface="Courier New" panose="02070309020205020404" pitchFamily="49" charset="0"/>
               </a:rPr>
-              <a:t>').</a:t>
+              <a:t>).</a:t>
             </a:r>
             <a:r>
               <a:rPr lang="en-US" sz="1800" dirty="0" err="1">
@@ -42409,10 +42752,10 @@
       </p:sp>
       <p:pic>
         <p:nvPicPr>
-          <p:cNvPr id="3" name="Picture 4" descr="Expired Stamp (PNG Transparent) | OnlyGFX.com">
+          <p:cNvPr id="2" name="Picture 4" descr="Expired Stamp (PNG Transparent) | OnlyGFX.com">
             <a:extLst>
               <a:ext uri="{FF2B5EF4-FFF2-40B4-BE49-F238E27FC236}">
-                <a16:creationId xmlns:a16="http://schemas.microsoft.com/office/drawing/2014/main" id="{E58D3EBB-FBE9-B6AD-3538-260D5DC0E42F}"/>
+                <a16:creationId xmlns:a16="http://schemas.microsoft.com/office/drawing/2014/main" id="{048258E7-2E4A-18DD-9D00-DAA57894C334}"/>
               </a:ext>
             </a:extLst>
           </p:cNvPr>
@@ -42436,13 +42779,20 @@
         </p:blipFill>
         <p:spPr bwMode="auto">
           <a:xfrm>
-            <a:off x="6751279" y="562058"/>
-            <a:ext cx="5106510" cy="3639684"/>
+            <a:off x="9229783" y="5255600"/>
+            <a:ext cx="2090670" cy="1490133"/>
           </a:xfrm>
           <a:prstGeom prst="rect">
             <a:avLst/>
           </a:prstGeom>
           <a:noFill/>
+          <a:effectLst>
+            <a:outerShdw blurRad="50800" dist="38100" dir="2700000" algn="tl" rotWithShape="0">
+              <a:prstClr val="black">
+                <a:alpha val="40000"/>
+              </a:prstClr>
+            </a:outerShdw>
+          </a:effectLst>
           <a:extLst>
             <a:ext uri="{909E8E84-426E-40DD-AFC4-6F175D3DCCD1}">
               <a14:hiddenFill xmlns:a14="http://schemas.microsoft.com/office/drawing/2010/main">
@@ -42504,7 +42854,66 @@
           <a:bodyPr/>
           <a:lstStyle/>
           <a:p>
-            <a:pPr marL="342900" indent="-342900">
+            <a:pPr>
+              <a:lnSpc>
+                <a:spcPct val="110000"/>
+              </a:lnSpc>
+            </a:pPr>
+            <a:r>
+              <a:rPr lang="en-GB" b="1" dirty="0"/>
+              <a:t>Unifying process creation</a:t>
+            </a:r>
+          </a:p>
+          <a:p>
+            <a:pPr marL="449263" lvl="1">
+              <a:lnSpc>
+                <a:spcPct val="100000"/>
+              </a:lnSpc>
+              <a:buFont typeface="Arial" panose="020B0604020202020204" pitchFamily="34" charset="0"/>
+              <a:buChar char="•"/>
+            </a:pPr>
+            <a:r>
+              <a:rPr lang="en-GB" sz="1800" dirty="0"/>
+              <a:t>Intended to replace </a:t>
+            </a:r>
+            <a:r>
+              <a:rPr lang="en-GB" sz="1800" dirty="0" err="1"/>
+              <a:t>os.system</a:t>
+            </a:r>
+            <a:r>
+              <a:rPr lang="en-GB" sz="1800" dirty="0"/>
+              <a:t>() and </a:t>
+            </a:r>
+            <a:r>
+              <a:rPr lang="en-GB" sz="1800" dirty="0" err="1"/>
+              <a:t>os.spawn</a:t>
+            </a:r>
+            <a:r>
+              <a:rPr lang="en-GB" sz="1800" dirty="0"/>
+              <a:t>()</a:t>
+            </a:r>
+          </a:p>
+          <a:p>
+            <a:pPr>
+              <a:lnSpc>
+                <a:spcPct val="110000"/>
+              </a:lnSpc>
+            </a:pPr>
+            <a:r>
+              <a:rPr lang="en-GB" b="1" dirty="0"/>
+              <a:t>From Python 3.5, the preferred interface is </a:t>
+            </a:r>
+            <a:r>
+              <a:rPr lang="en-GB" b="1" dirty="0" err="1"/>
+              <a:t>subprocess.run</a:t>
+            </a:r>
+            <a:r>
+              <a:rPr lang="en-GB" b="1" dirty="0"/>
+              <a:t>()</a:t>
+            </a:r>
+          </a:p>
+          <a:p>
+            <a:pPr marL="449263" lvl="1">
               <a:lnSpc>
                 <a:spcPct val="110000"/>
               </a:lnSpc>
@@ -42512,12 +42921,31 @@
               <a:buChar char="•"/>
             </a:pPr>
             <a:r>
+              <a:rPr lang="en-GB" sz="1800" dirty="0"/>
+              <a:t>Meant for the majority of simple tasks</a:t>
+            </a:r>
+          </a:p>
+          <a:p>
+            <a:pPr>
+              <a:lnSpc>
+                <a:spcPct val="110000"/>
+              </a:lnSpc>
+            </a:pPr>
+            <a:r>
               <a:rPr lang="en-GB" b="1" dirty="0"/>
-              <a:t>Unifying process creation</a:t>
-            </a:r>
-          </a:p>
-          <a:p>
-            <a:pPr lvl="1">
+              <a:t>For more complex tasks use </a:t>
+            </a:r>
+            <a:r>
+              <a:rPr lang="en-GB" b="1" dirty="0" err="1"/>
+              <a:t>subprocess.Popen</a:t>
+            </a:r>
+            <a:r>
+              <a:rPr lang="en-GB" b="1" dirty="0"/>
+              <a:t>()</a:t>
+            </a:r>
+          </a:p>
+          <a:p>
+            <a:pPr marL="449263" lvl="1">
               <a:lnSpc>
                 <a:spcPct val="100000"/>
               </a:lnSpc>
@@ -42525,74 +42953,20 @@
               <a:buChar char="•"/>
             </a:pPr>
             <a:r>
-              <a:rPr lang="en-GB" dirty="0"/>
-              <a:t>Intended to replace </a:t>
-            </a:r>
-            <a:r>
-              <a:rPr lang="en-GB" dirty="0" err="1"/>
-              <a:t>os.system</a:t>
-            </a:r>
-            <a:r>
-              <a:rPr lang="en-GB" dirty="0"/>
-              <a:t> and </a:t>
-            </a:r>
-            <a:r>
-              <a:rPr lang="en-GB" dirty="0" err="1"/>
-              <a:t>os.spawn</a:t>
-            </a:r>
-            <a:endParaRPr lang="en-GB" dirty="0"/>
-          </a:p>
-          <a:p>
-            <a:pPr marL="342900" indent="-342900">
-              <a:lnSpc>
-                <a:spcPct val="110000"/>
-              </a:lnSpc>
-              <a:buFont typeface="Arial" panose="020B0604020202020204" pitchFamily="34" charset="0"/>
-              <a:buChar char="•"/>
-            </a:pPr>
-            <a:r>
-              <a:rPr lang="en-GB" b="1" dirty="0"/>
-              <a:t>From Python 3.5, the preferred interface is </a:t>
-            </a:r>
-            <a:r>
-              <a:rPr lang="en-GB" b="1" dirty="0" err="1"/>
-              <a:t>subprocess.run</a:t>
-            </a:r>
-            <a:endParaRPr lang="en-GB" b="1" dirty="0"/>
-          </a:p>
-          <a:p>
-            <a:pPr lvl="1">
-              <a:lnSpc>
-                <a:spcPct val="110000"/>
-              </a:lnSpc>
-              <a:buFont typeface="Arial" panose="020B0604020202020204" pitchFamily="34" charset="0"/>
-              <a:buChar char="•"/>
-            </a:pPr>
-            <a:r>
-              <a:rPr lang="en-GB" dirty="0"/>
-              <a:t>Meant for the majority of simple tasks</a:t>
-            </a:r>
-          </a:p>
-          <a:p>
-            <a:pPr marL="342900" indent="-342900">
-              <a:lnSpc>
-                <a:spcPct val="110000"/>
-              </a:lnSpc>
-              <a:buFont typeface="Arial" panose="020B0604020202020204" pitchFamily="34" charset="0"/>
-              <a:buChar char="•"/>
-            </a:pPr>
-            <a:r>
-              <a:rPr lang="en-GB" b="1" dirty="0"/>
-              <a:t>For more complex tasks use </a:t>
-            </a:r>
-            <a:r>
-              <a:rPr lang="en-GB" b="1" dirty="0" err="1"/>
-              <a:t>Popen</a:t>
-            </a:r>
-            <a:endParaRPr lang="en-GB" b="1" dirty="0"/>
-          </a:p>
-          <a:p>
-            <a:pPr lvl="1">
+              <a:rPr lang="en-GB" sz="1800" dirty="0"/>
+              <a:t>Returns a </a:t>
+            </a:r>
+            <a:r>
+              <a:rPr lang="en-GB" sz="1800" dirty="0" err="1"/>
+              <a:t>subprocess</a:t>
+            </a:r>
+            <a:r>
+              <a:rPr lang="en-GB" sz="1800" dirty="0"/>
+              <a:t> object</a:t>
+            </a:r>
+          </a:p>
+          <a:p>
+            <a:pPr marL="449263" lvl="1">
               <a:lnSpc>
                 <a:spcPct val="100000"/>
               </a:lnSpc>
@@ -42600,20 +42974,23 @@
               <a:buChar char="•"/>
             </a:pPr>
             <a:r>
-              <a:rPr lang="en-GB" dirty="0"/>
-              <a:t>Returns a </a:t>
-            </a:r>
-            <a:r>
-              <a:rPr lang="en-GB" dirty="0" err="1"/>
-              <a:t>subprocess</a:t>
-            </a:r>
-            <a:r>
-              <a:rPr lang="en-GB" dirty="0"/>
-              <a:t> object</a:t>
-            </a:r>
-          </a:p>
-          <a:p>
-            <a:pPr lvl="1">
+              <a:rPr lang="en-GB" sz="1800" dirty="0"/>
+              <a:t>Parameters are discussed later</a:t>
+            </a:r>
+          </a:p>
+          <a:p>
+            <a:pPr>
+              <a:lnSpc>
+                <a:spcPct val="110000"/>
+              </a:lnSpc>
+            </a:pPr>
+            <a:r>
+              <a:rPr lang="en-GB" b="1" dirty="0"/>
+              <a:t>Other shortcuts are available</a:t>
+            </a:r>
+          </a:p>
+          <a:p>
+            <a:pPr marL="449263" lvl="1">
               <a:lnSpc>
                 <a:spcPct val="100000"/>
               </a:lnSpc>
@@ -42621,25 +42998,17 @@
               <a:buChar char="•"/>
             </a:pPr>
             <a:r>
-              <a:rPr lang="en-GB" dirty="0"/>
-              <a:t>Parameters are discussed later</a:t>
-            </a:r>
-          </a:p>
-          <a:p>
-            <a:pPr marL="342900" indent="-342900">
-              <a:lnSpc>
-                <a:spcPct val="110000"/>
-              </a:lnSpc>
-              <a:buFont typeface="Arial" panose="020B0604020202020204" pitchFamily="34" charset="0"/>
-              <a:buChar char="•"/>
-            </a:pPr>
-            <a:r>
-              <a:rPr lang="en-GB" b="1" dirty="0"/>
-              <a:t>Other shortcuts are available</a:t>
-            </a:r>
-          </a:p>
-          <a:p>
-            <a:pPr lvl="1">
+              <a:rPr lang="en-GB" sz="1800" dirty="0"/>
+              <a:t>call and </a:t>
+            </a:r>
+            <a:r>
+              <a:rPr lang="en-GB" sz="1800" dirty="0" err="1"/>
+              <a:t>check_call</a:t>
+            </a:r>
+            <a:endParaRPr lang="en-GB" sz="1800" dirty="0"/>
+          </a:p>
+          <a:p>
+            <a:pPr marL="449263" lvl="1">
               <a:lnSpc>
                 <a:spcPct val="100000"/>
               </a:lnSpc>
@@ -42647,17 +43016,45 @@
               <a:buChar char="•"/>
             </a:pPr>
             <a:r>
-              <a:rPr lang="en-GB" dirty="0"/>
-              <a:t>call and </a:t>
-            </a:r>
-            <a:r>
-              <a:rPr lang="en-GB" dirty="0" err="1"/>
-              <a:t>check_call</a:t>
-            </a:r>
-            <a:endParaRPr lang="en-GB" dirty="0"/>
-          </a:p>
-          <a:p>
-            <a:pPr lvl="1">
+              <a:rPr lang="en-GB" sz="1800" dirty="0" err="1"/>
+              <a:t>getoutput</a:t>
+            </a:r>
+            <a:r>
+              <a:rPr lang="en-GB" sz="1800" dirty="0"/>
+              <a:t> and </a:t>
+            </a:r>
+            <a:r>
+              <a:rPr lang="en-GB" sz="1800" dirty="0" err="1"/>
+              <a:t>getstatusoutput</a:t>
+            </a:r>
+            <a:r>
+              <a:rPr lang="en-GB" sz="1800" dirty="0"/>
+              <a:t> (UNIX specific)</a:t>
+            </a:r>
+          </a:p>
+          <a:p>
+            <a:pPr>
+              <a:lnSpc>
+                <a:spcPct val="110000"/>
+              </a:lnSpc>
+            </a:pPr>
+            <a:r>
+              <a:rPr lang="en-GB" b="1" dirty="0"/>
+              <a:t>We discuss the </a:t>
+            </a:r>
+            <a:r>
+              <a:rPr lang="en-GB" b="1" dirty="0">
+                <a:latin typeface="Courier New" panose="02070309020205020404" pitchFamily="49" charset="0"/>
+              </a:rPr>
+              <a:t>multiprocessing</a:t>
+            </a:r>
+            <a:r>
+              <a:rPr lang="en-GB" b="1" dirty="0"/>
+              <a:t> package later</a:t>
+            </a:r>
+          </a:p>
+          <a:p>
+            <a:pPr marL="449263" lvl="1">
               <a:lnSpc>
                 <a:spcPct val="100000"/>
               </a:lnSpc>
@@ -42665,55 +43062,7 @@
               <a:buChar char="•"/>
             </a:pPr>
             <a:r>
-              <a:rPr lang="en-GB" dirty="0" err="1"/>
-              <a:t>getoutput</a:t>
-            </a:r>
-            <a:r>
-              <a:rPr lang="en-GB" dirty="0"/>
-              <a:t> and </a:t>
-            </a:r>
-            <a:r>
-              <a:rPr lang="en-GB" dirty="0" err="1"/>
-              <a:t>getstatusoutput</a:t>
-            </a:r>
-            <a:r>
-              <a:rPr lang="en-GB" dirty="0"/>
-              <a:t> (UNIX specific)</a:t>
-            </a:r>
-          </a:p>
-          <a:p>
-            <a:pPr marL="342900" indent="-342900">
-              <a:lnSpc>
-                <a:spcPct val="110000"/>
-              </a:lnSpc>
-              <a:buFont typeface="Arial" panose="020B0604020202020204" pitchFamily="34" charset="0"/>
-              <a:buChar char="•"/>
-            </a:pPr>
-            <a:r>
-              <a:rPr lang="en-GB" b="1" dirty="0"/>
-              <a:t>We discuss the </a:t>
-            </a:r>
-            <a:r>
-              <a:rPr lang="en-GB" b="1" dirty="0">
-                <a:latin typeface="Courier New" panose="02070309020205020404" pitchFamily="49" charset="0"/>
-              </a:rPr>
-              <a:t>multiprocessing</a:t>
-            </a:r>
-            <a:r>
-              <a:rPr lang="en-GB" b="1" dirty="0"/>
-              <a:t> package later</a:t>
-            </a:r>
-          </a:p>
-          <a:p>
-            <a:pPr lvl="1">
-              <a:lnSpc>
-                <a:spcPct val="100000"/>
-              </a:lnSpc>
-              <a:buFont typeface="Arial" panose="020B0604020202020204" pitchFamily="34" charset="0"/>
-              <a:buChar char="•"/>
-            </a:pPr>
-            <a:r>
-              <a:rPr lang="en-GB" dirty="0"/>
+              <a:rPr lang="en-GB" sz="1800" dirty="0"/>
               <a:t>Runs processes in a similar way to threads</a:t>
             </a:r>
           </a:p>
@@ -42799,7 +43148,10 @@
               <a:rPr lang="en-US" dirty="0" err="1"/>
               <a:t>subprocess.run</a:t>
             </a:r>
-            <a:endParaRPr lang="en-US" dirty="0"/>
+            <a:r>
+              <a:rPr lang="en-US" dirty="0"/>
+              <a:t>()</a:t>
+            </a:r>
           </a:p>
         </p:txBody>
       </p:sp>
@@ -42813,7 +43165,12 @@
             <p:ph idx="1"/>
           </p:nvPr>
         </p:nvSpPr>
-        <p:spPr/>
+        <p:spPr>
+          <a:xfrm>
+            <a:off x="341272" y="1368256"/>
+            <a:ext cx="11516239" cy="5298762"/>
+          </a:xfrm>
+        </p:spPr>
         <p:txBody>
           <a:bodyPr/>
           <a:lstStyle/>
@@ -42824,7 +43181,7 @@
             </a:r>
           </a:p>
           <a:p>
-            <a:pPr lvl="1">
+            <a:pPr marL="450850" lvl="1" indent="-277813">
               <a:buFont typeface="Arial" panose="020B0604020202020204" pitchFamily="34" charset="0"/>
               <a:buChar char="•"/>
             </a:pPr>
@@ -42834,7 +43191,7 @@
             </a:r>
           </a:p>
           <a:p>
-            <a:pPr lvl="1">
+            <a:pPr marL="450850" lvl="1" indent="-277813">
               <a:buFont typeface="Arial" panose="020B0604020202020204" pitchFamily="34" charset="0"/>
               <a:buChar char="•"/>
             </a:pPr>
@@ -42849,7 +43206,7 @@
             <a:endParaRPr lang="en-US" sz="1800" dirty="0"/>
           </a:p>
           <a:p>
-            <a:pPr lvl="1">
+            <a:pPr marL="450850" lvl="1" indent="-277813">
               <a:buFont typeface="Arial" panose="020B0604020202020204" pitchFamily="34" charset="0"/>
               <a:buChar char="•"/>
             </a:pPr>
@@ -42907,7 +43264,7 @@
             </a:r>
           </a:p>
           <a:p>
-            <a:pPr lvl="1">
+            <a:pPr marL="449263" lvl="1">
               <a:buFont typeface="Arial" panose="020B0604020202020204" pitchFamily="34" charset="0"/>
               <a:buChar char="•"/>
             </a:pPr>
@@ -42924,7 +43281,7 @@
             </a:endParaRPr>
           </a:p>
           <a:p>
-            <a:pPr lvl="1">
+            <a:pPr marL="449263" lvl="1">
               <a:buFont typeface="Arial" panose="020B0604020202020204" pitchFamily="34" charset="0"/>
               <a:buChar char="•"/>
             </a:pPr>
@@ -42941,7 +43298,7 @@
             </a:r>
           </a:p>
           <a:p>
-            <a:pPr lvl="1">
+            <a:pPr marL="449263" lvl="1">
               <a:buFont typeface="Arial" panose="020B0604020202020204" pitchFamily="34" charset="0"/>
               <a:buChar char="•"/>
             </a:pPr>
@@ -42976,21 +43333,30 @@
         </p:nvSpPr>
         <p:spPr>
           <a:xfrm>
-            <a:off x="334489" y="2877116"/>
-            <a:ext cx="8357464" cy="369332"/>
+            <a:off x="785902" y="2877116"/>
+            <a:ext cx="8417150" cy="369332"/>
           </a:xfrm>
           <a:prstGeom prst="rect">
             <a:avLst/>
           </a:prstGeom>
-          <a:noFill/>
+          <a:solidFill>
+            <a:schemeClr val="bg1"/>
+          </a:solidFill>
           <a:ln>
             <a:solidFill>
               <a:srgbClr val="000000"/>
             </a:solidFill>
           </a:ln>
+          <a:effectLst>
+            <a:outerShdw blurRad="50800" dist="38100" dir="2700000" algn="tl" rotWithShape="0">
+              <a:prstClr val="black">
+                <a:alpha val="40000"/>
+              </a:prstClr>
+            </a:outerShdw>
+          </a:effectLst>
         </p:spPr>
         <p:txBody>
-          <a:bodyPr wrap="none" rtlCol="0">
+          <a:bodyPr wrap="square" rtlCol="0">
             <a:spAutoFit/>
           </a:bodyPr>
           <a:lstStyle/>
@@ -43041,7 +43407,7 @@
         </p:nvSpPr>
         <p:spPr>
           <a:xfrm>
-            <a:off x="334489" y="3407949"/>
+            <a:off x="785902" y="3407949"/>
             <a:ext cx="8417150" cy="1631216"/>
           </a:xfrm>
           <a:prstGeom prst="rect">
@@ -43057,6 +43423,13 @@
               <a:srgbClr val="000000"/>
             </a:solidFill>
           </a:ln>
+          <a:effectLst>
+            <a:outerShdw blurRad="50800" dist="38100" dir="2700000" algn="tl" rotWithShape="0">
+              <a:prstClr val="black">
+                <a:alpha val="40000"/>
+              </a:prstClr>
+            </a:outerShdw>
+          </a:effectLst>
         </p:spPr>
         <p:txBody>
           <a:bodyPr wrap="square" rtlCol="0">
@@ -43065,7 +43438,7 @@
           <a:lstStyle/>
           <a:p>
             <a:r>
-              <a:rPr lang="en-US" sz="1600" dirty="0" err="1">
+              <a:rPr lang="en-US" sz="1600" b="1" dirty="0" err="1">
                 <a:latin typeface="Courier New" pitchFamily="49" charset="0"/>
                 <a:cs typeface="Courier New" pitchFamily="49" charset="0"/>
               </a:rPr>
@@ -43092,11 +43465,18 @@
           </a:p>
           <a:p>
             <a:r>
+              <a:rPr lang="en-US" sz="1600" b="1" dirty="0">
+                <a:latin typeface="Courier New" pitchFamily="49" charset="0"/>
+                <a:cs typeface="Courier New" pitchFamily="49" charset="0"/>
+              </a:rPr>
+              <a:t>input</a:t>
+            </a:r>
+            <a:r>
               <a:rPr lang="en-US" sz="1600" dirty="0">
                 <a:latin typeface="Courier New" pitchFamily="49" charset="0"/>
                 <a:cs typeface="Courier New" pitchFamily="49" charset="0"/>
               </a:rPr>
-              <a:t>input		</a:t>
+              <a:t>		</a:t>
             </a:r>
             <a:r>
               <a:rPr lang="en-US" sz="1600" dirty="0">
@@ -43122,11 +43502,18 @@
           </a:p>
           <a:p>
             <a:r>
+              <a:rPr lang="en-US" sz="1600" b="1" dirty="0">
+                <a:latin typeface="Courier New" pitchFamily="49" charset="0"/>
+                <a:cs typeface="Courier New" pitchFamily="49" charset="0"/>
+              </a:rPr>
+              <a:t>timeout</a:t>
+            </a:r>
+            <a:r>
               <a:rPr lang="en-US" sz="1600" dirty="0">
                 <a:latin typeface="Courier New" pitchFamily="49" charset="0"/>
                 <a:cs typeface="Courier New" pitchFamily="49" charset="0"/>
               </a:rPr>
-              <a:t>timeout	</a:t>
+              <a:t>		</a:t>
             </a:r>
             <a:r>
               <a:rPr lang="en-US" sz="1600" dirty="0">
@@ -43156,11 +43543,18 @@
           </a:p>
           <a:p>
             <a:r>
+              <a:rPr lang="en-US" sz="1600" b="1" dirty="0">
+                <a:latin typeface="Courier New" pitchFamily="49" charset="0"/>
+                <a:cs typeface="Courier New" pitchFamily="49" charset="0"/>
+              </a:rPr>
+              <a:t>check</a:t>
+            </a:r>
+            <a:r>
               <a:rPr lang="en-US" sz="1600" dirty="0">
                 <a:latin typeface="Courier New" pitchFamily="49" charset="0"/>
                 <a:cs typeface="Courier New" pitchFamily="49" charset="0"/>
               </a:rPr>
-              <a:t>check		</a:t>
+              <a:t>		</a:t>
             </a:r>
             <a:r>
               <a:rPr lang="en-US" sz="1600" dirty="0">
@@ -43184,7 +43578,7 @@
               <a:t> if exit code != 0 </a:t>
             </a:r>
             <a:r>
-              <a:rPr lang="en-US" sz="1600" dirty="0" err="1">
+              <a:rPr lang="en-US" sz="1600" b="1" dirty="0" err="1">
                 <a:latin typeface="Courier New" pitchFamily="49" charset="0"/>
                 <a:cs typeface="Courier New" pitchFamily="49" charset="0"/>
               </a:rPr>
@@ -43268,9 +43662,12 @@
           <a:p>
             <a:r>
               <a:rPr lang="en-US" dirty="0" err="1"/>
-              <a:t>subprocess.run</a:t>
-            </a:r>
-            <a:endParaRPr lang="en-US" dirty="0"/>
+              <a:t>subprocess.Popen</a:t>
+            </a:r>
+            <a:r>
+              <a:rPr lang="en-US" dirty="0"/>
+              <a:t>()</a:t>
+            </a:r>
           </a:p>
         </p:txBody>
       </p:sp>
@@ -43308,29 +43705,12 @@
             </a:r>
           </a:p>
           <a:p>
-            <a:endParaRPr lang="en-US" b="1" dirty="0"/>
-          </a:p>
-          <a:p>
-            <a:endParaRPr lang="en-US" b="1" dirty="0"/>
-          </a:p>
-          <a:p>
-            <a:endParaRPr lang="en-US" b="1" dirty="0"/>
-          </a:p>
-          <a:p>
-            <a:endParaRPr lang="en-US" b="1" dirty="0"/>
-          </a:p>
-          <a:p>
-            <a:endParaRPr lang="en-US" b="1" dirty="0"/>
-          </a:p>
-          <a:p>
-            <a:endParaRPr lang="en-US" b="1" dirty="0"/>
-          </a:p>
-          <a:p>
-            <a:endParaRPr lang="en-US" b="1" dirty="0"/>
-          </a:p>
-          <a:p>
-            <a:r>
-              <a:rPr lang="en-US" b="1" dirty="0"/>
+            <a:pPr marL="365125" indent="-282575">
+              <a:buFont typeface="Arial" panose="020B0604020202020204" pitchFamily="34" charset="0"/>
+              <a:buChar char="•"/>
+            </a:pPr>
+            <a:r>
+              <a:rPr lang="en-US" sz="1800" dirty="0"/>
               <a:t>This allows for communication between processes</a:t>
             </a:r>
           </a:p>
@@ -43361,8 +43741,8 @@
         </p:nvSpPr>
         <p:spPr bwMode="auto">
           <a:xfrm>
-            <a:off x="482204" y="2144756"/>
-            <a:ext cx="11227591" cy="1600438"/>
+            <a:off x="772766" y="2221919"/>
+            <a:ext cx="10898303" cy="1600438"/>
           </a:xfrm>
           <a:prstGeom prst="rect">
             <a:avLst/>
@@ -43381,7 +43761,13 @@
             <a:headEnd/>
             <a:tailEnd/>
           </a:ln>
-          <a:effectLst/>
+          <a:effectLst>
+            <a:outerShdw blurRad="50800" dist="38100" dir="2700000" algn="tl" rotWithShape="0">
+              <a:prstClr val="black">
+                <a:alpha val="40000"/>
+              </a:prstClr>
+            </a:outerShdw>
+          </a:effectLst>
         </p:spPr>
         <p:txBody>
           <a:bodyPr wrap="square">
@@ -43705,7 +44091,7 @@
         </p:nvSpPr>
         <p:spPr bwMode="auto">
           <a:xfrm>
-            <a:off x="1559244" y="2009404"/>
+            <a:off x="977353" y="1492572"/>
             <a:ext cx="8404225" cy="3872855"/>
           </a:xfrm>
           <a:prstGeom prst="rect">
@@ -43724,6 +44110,13 @@
             <a:headEnd/>
             <a:tailEnd/>
           </a:ln>
+          <a:effectLst>
+            <a:outerShdw blurRad="50800" dist="38100" dir="2700000" algn="tl" rotWithShape="0">
+              <a:prstClr val="black">
+                <a:alpha val="40000"/>
+              </a:prstClr>
+            </a:outerShdw>
+          </a:effectLst>
         </p:spPr>
         <p:txBody>
           <a:bodyPr>
@@ -44968,24 +45361,10 @@
 </file>
 
 <file path=customXml/item1.xml><?xml version="1.0" encoding="utf-8"?>
-<?mso-contentType ?>
-<FormTemplates xmlns="http://schemas.microsoft.com/sharepoint/v3/contenttype/forms">
-  <Display>DocumentLibraryForm</Display>
-  <Edit>DocumentLibraryForm</Edit>
-  <New>DocumentLibraryForm</New>
-</FormTemplates>
-</file>
-
-<file path=customXml/item2.xml><?xml version="1.0" encoding="utf-8"?>
-<p:properties xmlns:p="http://schemas.microsoft.com/office/2006/metadata/properties" xmlns:xsi="http://www.w3.org/2001/XMLSchema-instance" xmlns:pc="http://schemas.microsoft.com/office/infopath/2007/PartnerControls">
-  <documentManagement/>
-</p:properties>
-</file>
-
-<file path=customXml/item3.xml><?xml version="1.0" encoding="utf-8"?>
-<ct:contentTypeSchema xmlns:ct="http://schemas.microsoft.com/office/2006/metadata/contentType" xmlns:ma="http://schemas.microsoft.com/office/2006/metadata/properties/metaAttributes" ct:_="" ma:_="" ma:contentTypeName="Document" ma:contentTypeID="0x01010047C9319921AB5D48A79C1CDD69F0ADEE" ma:contentTypeVersion="3" ma:contentTypeDescription="Create a new document." ma:contentTypeScope="" ma:versionID="3811da7f776029654eee27a03d178620">
-  <xsd:schema xmlns:xsd="http://www.w3.org/2001/XMLSchema" xmlns:xs="http://www.w3.org/2001/XMLSchema" xmlns:p="http://schemas.microsoft.com/office/2006/metadata/properties" xmlns:ns2="321e98e5-056b-4fbc-983d-5776ac277f1c" targetNamespace="http://schemas.microsoft.com/office/2006/metadata/properties" ma:root="true" ma:fieldsID="a8d54852964f38499b947f151e317ae7" ns2:_="">
+<ct:contentTypeSchema xmlns:ct="http://schemas.microsoft.com/office/2006/metadata/contentType" xmlns:ma="http://schemas.microsoft.com/office/2006/metadata/properties/metaAttributes" ct:_="" ma:_="" ma:contentTypeName="Document" ma:contentTypeID="0x01010047C9319921AB5D48A79C1CDD69F0ADEE" ma:contentTypeVersion="5" ma:contentTypeDescription="Create a new document." ma:contentTypeScope="" ma:versionID="1c86e08ee19a558daabb270f47811a89">
+  <xsd:schema xmlns:xsd="http://www.w3.org/2001/XMLSchema" xmlns:xs="http://www.w3.org/2001/XMLSchema" xmlns:p="http://schemas.microsoft.com/office/2006/metadata/properties" xmlns:ns2="321e98e5-056b-4fbc-983d-5776ac277f1c" xmlns:ns3="8706a4e6-e72b-4885-96ed-b92b99fed295" targetNamespace="http://schemas.microsoft.com/office/2006/metadata/properties" ma:root="true" ma:fieldsID="451e2ea32cc94e31a40865bb33ac54ea" ns2:_="" ns3:_="">
     <xsd:import namespace="321e98e5-056b-4fbc-983d-5776ac277f1c"/>
+    <xsd:import namespace="8706a4e6-e72b-4885-96ed-b92b99fed295"/>
     <xsd:element name="properties">
       <xsd:complexType>
         <xsd:sequence>
@@ -44995,6 +45374,8 @@
                 <xsd:element ref="ns2:MediaServiceMetadata" minOccurs="0"/>
                 <xsd:element ref="ns2:MediaServiceFastMetadata" minOccurs="0"/>
                 <xsd:element ref="ns2:MediaServiceObjectDetectorVersions" minOccurs="0"/>
+                <xsd:element ref="ns3:SharedWithUsers" minOccurs="0"/>
+                <xsd:element ref="ns3:SharedWithDetails" minOccurs="0"/>
               </xsd:all>
             </xsd:complexType>
           </xsd:element>
@@ -45018,6 +45399,36 @@
     <xsd:element name="MediaServiceObjectDetectorVersions" ma:index="10" nillable="true" ma:displayName="MediaServiceObjectDetectorVersions" ma:hidden="true" ma:indexed="true" ma:internalName="MediaServiceObjectDetectorVersions" ma:readOnly="true">
       <xsd:simpleType>
         <xsd:restriction base="dms:Text"/>
+      </xsd:simpleType>
+    </xsd:element>
+  </xsd:schema>
+  <xsd:schema xmlns:xsd="http://www.w3.org/2001/XMLSchema" xmlns:xs="http://www.w3.org/2001/XMLSchema" xmlns:dms="http://schemas.microsoft.com/office/2006/documentManagement/types" xmlns:pc="http://schemas.microsoft.com/office/infopath/2007/PartnerControls" targetNamespace="8706a4e6-e72b-4885-96ed-b92b99fed295" elementFormDefault="qualified">
+    <xsd:import namespace="http://schemas.microsoft.com/office/2006/documentManagement/types"/>
+    <xsd:import namespace="http://schemas.microsoft.com/office/infopath/2007/PartnerControls"/>
+    <xsd:element name="SharedWithUsers" ma:index="11" nillable="true" ma:displayName="Shared With" ma:internalName="SharedWithUsers" ma:readOnly="true">
+      <xsd:complexType>
+        <xsd:complexContent>
+          <xsd:extension base="dms:UserMulti">
+            <xsd:sequence>
+              <xsd:element name="UserInfo" minOccurs="0" maxOccurs="unbounded">
+                <xsd:complexType>
+                  <xsd:sequence>
+                    <xsd:element name="DisplayName" type="xsd:string" minOccurs="0"/>
+                    <xsd:element name="AccountId" type="dms:UserId" minOccurs="0" nillable="true"/>
+                    <xsd:element name="AccountType" type="xsd:string" minOccurs="0"/>
+                  </xsd:sequence>
+                </xsd:complexType>
+              </xsd:element>
+            </xsd:sequence>
+          </xsd:extension>
+        </xsd:complexContent>
+      </xsd:complexType>
+    </xsd:element>
+    <xsd:element name="SharedWithDetails" ma:index="12" nillable="true" ma:displayName="Shared With Details" ma:internalName="SharedWithDetails" ma:readOnly="true">
+      <xsd:simpleType>
+        <xsd:restriction base="dms:Note">
+          <xsd:maxLength value="255"/>
+        </xsd:restriction>
       </xsd:simpleType>
     </xsd:element>
   </xsd:schema>
@@ -45120,7 +45531,41 @@
 </ct:contentTypeSchema>
 </file>
 
+<file path=customXml/item2.xml><?xml version="1.0" encoding="utf-8"?>
+<?mso-contentType ?>
+<FormTemplates xmlns="http://schemas.microsoft.com/sharepoint/v3/contenttype/forms">
+  <Display>DocumentLibraryForm</Display>
+  <Edit>DocumentLibraryForm</Edit>
+  <New>DocumentLibraryForm</New>
+</FormTemplates>
+</file>
+
+<file path=customXml/item3.xml><?xml version="1.0" encoding="utf-8"?>
+<p:properties xmlns:p="http://schemas.microsoft.com/office/2006/metadata/properties" xmlns:xsi="http://www.w3.org/2001/XMLSchema-instance" xmlns:pc="http://schemas.microsoft.com/office/infopath/2007/PartnerControls">
+  <documentManagement/>
+</p:properties>
+</file>
+
 <file path=customXml/itemProps1.xml><?xml version="1.0" encoding="utf-8"?>
+<ds:datastoreItem xmlns:ds="http://schemas.openxmlformats.org/officeDocument/2006/customXml" ds:itemID="{5748050A-28EA-47F1-BA8C-6EEA1755CDBE}">
+  <ds:schemaRefs>
+    <ds:schemaRef ds:uri="http://schemas.microsoft.com/office/2006/metadata/contentType"/>
+    <ds:schemaRef ds:uri="http://schemas.microsoft.com/office/2006/metadata/properties/metaAttributes"/>
+    <ds:schemaRef ds:uri="http://www.w3.org/2001/XMLSchema"/>
+    <ds:schemaRef ds:uri="http://schemas.microsoft.com/office/2006/metadata/properties"/>
+    <ds:schemaRef ds:uri="321e98e5-056b-4fbc-983d-5776ac277f1c"/>
+    <ds:schemaRef ds:uri="8706a4e6-e72b-4885-96ed-b92b99fed295"/>
+    <ds:schemaRef ds:uri="http://schemas.microsoft.com/office/2006/documentManagement/types"/>
+    <ds:schemaRef ds:uri="http://schemas.microsoft.com/office/infopath/2007/PartnerControls"/>
+    <ds:schemaRef ds:uri="http://schemas.openxmlformats.org/package/2006/metadata/core-properties"/>
+    <ds:schemaRef ds:uri="http://purl.org/dc/elements/1.1/"/>
+    <ds:schemaRef ds:uri="http://purl.org/dc/terms/"/>
+    <ds:schemaRef ds:uri="http://schemas.microsoft.com/internal/obd"/>
+  </ds:schemaRefs>
+</ds:datastoreItem>
+</file>
+
+<file path=customXml/itemProps2.xml><?xml version="1.0" encoding="utf-8"?>
 <ds:datastoreItem xmlns:ds="http://schemas.openxmlformats.org/officeDocument/2006/customXml" ds:itemID="{94956703-BA27-4625-A8F9-5A9EF4D3A25F}">
   <ds:schemaRefs>
     <ds:schemaRef ds:uri="http://schemas.microsoft.com/sharepoint/v3/contenttype/forms"/>
@@ -45128,15 +45573,11 @@
 </ds:datastoreItem>
 </file>
 
-<file path=customXml/itemProps2.xml><?xml version="1.0" encoding="utf-8"?>
+<file path=customXml/itemProps3.xml><?xml version="1.0" encoding="utf-8"?>
 <ds:datastoreItem xmlns:ds="http://schemas.openxmlformats.org/officeDocument/2006/customXml" ds:itemID="{A19C8F72-965C-4586-AA1E-0B5359EC2E1D}">
   <ds:schemaRefs>
     <ds:schemaRef ds:uri="http://schemas.microsoft.com/office/2006/metadata/properties"/>
     <ds:schemaRef ds:uri="http://schemas.microsoft.com/office/infopath/2007/PartnerControls"/>
   </ds:schemaRefs>
 </ds:datastoreItem>
-</file>
-
-<file path=customXml/itemProps3.xml><?xml version="1.0" encoding="utf-8"?>
-<ds:datastoreItem xmlns:ds="http://schemas.openxmlformats.org/officeDocument/2006/customXml" ds:itemID="{CB3A0C4D-2358-4DB2-BFDD-BB458C5C9CC8}"/>
 </file>